--- a/source/NeoCortexApi/Documents/Group Presentation[ScalarEncoder with Buckets].pptx
+++ b/source/NeoCortexApi/Documents/Group Presentation[ScalarEncoder with Buckets].pptx
@@ -6,9 +6,9 @@
   </p:sldMasterIdLst>
   <p:sldIdLst>
     <p:sldId id="256" r:id="rId2"/>
-    <p:sldId id="257" r:id="rId3"/>
-    <p:sldId id="258" r:id="rId4"/>
-    <p:sldId id="259" r:id="rId5"/>
+    <p:sldId id="260" r:id="rId3"/>
+    <p:sldId id="261" r:id="rId4"/>
+    <p:sldId id="262" r:id="rId5"/>
   </p:sldIdLst>
   <p:sldSz cx="12192000" cy="6858000"/>
   <p:notesSz cx="6858000" cy="9144000"/>
@@ -954,38 +954,282 @@
           </a:p>
         </p:txBody>
       </p:sp>
-      <p:pic>
-        <p:nvPicPr>
-          <p:cNvPr id="3" name="Picture 2">
+      <p:sp>
+        <p:nvSpPr>
+          <p:cNvPr id="4" name="Title 1">
             <a:extLst>
               <a:ext uri="{FF2B5EF4-FFF2-40B4-BE49-F238E27FC236}">
-                <a16:creationId xmlns:a16="http://schemas.microsoft.com/office/drawing/2014/main" id="{3795B9A4-63A1-0C91-E098-8EC8DA3956FC}"/>
+                <a16:creationId xmlns:a16="http://schemas.microsoft.com/office/drawing/2014/main" id="{C2659BA6-A888-A706-FE0F-94615FB20A72}"/>
               </a:ext>
             </a:extLst>
           </p:cNvPr>
-          <p:cNvPicPr/>
+          <p:cNvSpPr txBox="1">
+            <a:spLocks/>
+          </p:cNvSpPr>
           <p:nvPr/>
-        </p:nvPicPr>
-        <p:blipFill>
-          <a:blip r:embed="rId2"/>
-          <a:stretch>
-            <a:fillRect/>
-          </a:stretch>
-        </p:blipFill>
+        </p:nvSpPr>
         <p:spPr>
           <a:xfrm>
-            <a:off x="0" y="0"/>
-            <a:ext cx="12192000" cy="6858000"/>
+            <a:off x="1429566" y="1045445"/>
+            <a:ext cx="9238434" cy="857559"/>
           </a:xfrm>
           <a:prstGeom prst="rect">
             <a:avLst/>
           </a:prstGeom>
         </p:spPr>
-      </p:pic>
+        <p:txBody>
+          <a:bodyPr vert="horz" lIns="91440" tIns="45720" rIns="91440" bIns="45720" rtlCol="0" anchor="ctr">
+            <a:normAutofit/>
+          </a:bodyPr>
+          <a:lstStyle>
+            <a:lvl1pPr algn="l" defTabSz="914400" rtl="0" eaLnBrk="1" latinLnBrk="0" hangingPunct="1">
+              <a:lnSpc>
+                <a:spcPct val="90000"/>
+              </a:lnSpc>
+              <a:spcBef>
+                <a:spcPct val="0"/>
+              </a:spcBef>
+              <a:buNone/>
+              <a:defRPr sz="4400" kern="1200">
+                <a:solidFill>
+                  <a:schemeClr val="tx1"/>
+                </a:solidFill>
+                <a:latin typeface="+mj-lt"/>
+                <a:ea typeface="+mj-ea"/>
+                <a:cs typeface="+mj-cs"/>
+              </a:defRPr>
+            </a:lvl1pPr>
+          </a:lstStyle>
+          <a:p>
+            <a:pPr algn="ctr"/>
+            <a:r>
+              <a:rPr lang="en-US" dirty="0">
+                <a:solidFill>
+                  <a:schemeClr val="tx1">
+                    <a:lumMod val="95000"/>
+                  </a:schemeClr>
+                </a:solidFill>
+              </a:rPr>
+              <a:t>OBJECTIV OBJECTIVE E</a:t>
+            </a:r>
+            <a:endParaRPr lang="en-IN" dirty="0">
+              <a:solidFill>
+                <a:schemeClr val="tx1">
+                  <a:lumMod val="95000"/>
+                </a:schemeClr>
+              </a:solidFill>
+            </a:endParaRPr>
+          </a:p>
+        </p:txBody>
+      </p:sp>
+      <p:sp>
+        <p:nvSpPr>
+          <p:cNvPr id="5" name="Content Placeholder 2">
+            <a:extLst>
+              <a:ext uri="{FF2B5EF4-FFF2-40B4-BE49-F238E27FC236}">
+                <a16:creationId xmlns:a16="http://schemas.microsoft.com/office/drawing/2014/main" id="{3444E977-66AF-57D7-C8E1-AACDC2DD0DB7}"/>
+              </a:ext>
+            </a:extLst>
+          </p:cNvPr>
+          <p:cNvSpPr txBox="1">
+            <a:spLocks/>
+          </p:cNvSpPr>
+          <p:nvPr/>
+        </p:nvSpPr>
+        <p:spPr>
+          <a:xfrm>
+            <a:off x="1429566" y="2286000"/>
+            <a:ext cx="9238434" cy="1548063"/>
+          </a:xfrm>
+          <a:prstGeom prst="rect">
+            <a:avLst/>
+          </a:prstGeom>
+        </p:spPr>
+        <p:txBody>
+          <a:bodyPr/>
+          <a:lstStyle>
+            <a:lvl1pPr marL="228600" indent="-228600" algn="l" defTabSz="914400" rtl="0" eaLnBrk="1" latinLnBrk="0" hangingPunct="1">
+              <a:lnSpc>
+                <a:spcPct val="90000"/>
+              </a:lnSpc>
+              <a:spcBef>
+                <a:spcPts val="1000"/>
+              </a:spcBef>
+              <a:buFont typeface="Arial" panose="020B0604020202020204" pitchFamily="34" charset="0"/>
+              <a:buChar char="•"/>
+              <a:defRPr sz="2800" kern="1200">
+                <a:solidFill>
+                  <a:schemeClr val="tx1"/>
+                </a:solidFill>
+                <a:latin typeface="+mn-lt"/>
+                <a:ea typeface="+mn-ea"/>
+                <a:cs typeface="+mn-cs"/>
+              </a:defRPr>
+            </a:lvl1pPr>
+            <a:lvl2pPr marL="685800" indent="-228600" algn="l" defTabSz="914400" rtl="0" eaLnBrk="1" latinLnBrk="0" hangingPunct="1">
+              <a:lnSpc>
+                <a:spcPct val="90000"/>
+              </a:lnSpc>
+              <a:spcBef>
+                <a:spcPts val="500"/>
+              </a:spcBef>
+              <a:buFont typeface="Arial" panose="020B0604020202020204" pitchFamily="34" charset="0"/>
+              <a:buChar char="•"/>
+              <a:defRPr sz="2400" kern="1200">
+                <a:solidFill>
+                  <a:schemeClr val="tx1"/>
+                </a:solidFill>
+                <a:latin typeface="+mn-lt"/>
+                <a:ea typeface="+mn-ea"/>
+                <a:cs typeface="+mn-cs"/>
+              </a:defRPr>
+            </a:lvl2pPr>
+            <a:lvl3pPr marL="1143000" indent="-228600" algn="l" defTabSz="914400" rtl="0" eaLnBrk="1" latinLnBrk="0" hangingPunct="1">
+              <a:lnSpc>
+                <a:spcPct val="90000"/>
+              </a:lnSpc>
+              <a:spcBef>
+                <a:spcPts val="500"/>
+              </a:spcBef>
+              <a:buFont typeface="Arial" panose="020B0604020202020204" pitchFamily="34" charset="0"/>
+              <a:buChar char="•"/>
+              <a:defRPr sz="2000" kern="1200">
+                <a:solidFill>
+                  <a:schemeClr val="tx1"/>
+                </a:solidFill>
+                <a:latin typeface="+mn-lt"/>
+                <a:ea typeface="+mn-ea"/>
+                <a:cs typeface="+mn-cs"/>
+              </a:defRPr>
+            </a:lvl3pPr>
+            <a:lvl4pPr marL="1600200" indent="-228600" algn="l" defTabSz="914400" rtl="0" eaLnBrk="1" latinLnBrk="0" hangingPunct="1">
+              <a:lnSpc>
+                <a:spcPct val="90000"/>
+              </a:lnSpc>
+              <a:spcBef>
+                <a:spcPts val="500"/>
+              </a:spcBef>
+              <a:buFont typeface="Arial" panose="020B0604020202020204" pitchFamily="34" charset="0"/>
+              <a:buChar char="•"/>
+              <a:defRPr sz="1800" kern="1200">
+                <a:solidFill>
+                  <a:schemeClr val="tx1"/>
+                </a:solidFill>
+                <a:latin typeface="+mn-lt"/>
+                <a:ea typeface="+mn-ea"/>
+                <a:cs typeface="+mn-cs"/>
+              </a:defRPr>
+            </a:lvl4pPr>
+            <a:lvl5pPr marL="2057400" indent="-228600" algn="l" defTabSz="914400" rtl="0" eaLnBrk="1" latinLnBrk="0" hangingPunct="1">
+              <a:lnSpc>
+                <a:spcPct val="90000"/>
+              </a:lnSpc>
+              <a:spcBef>
+                <a:spcPts val="500"/>
+              </a:spcBef>
+              <a:buFont typeface="Arial" panose="020B0604020202020204" pitchFamily="34" charset="0"/>
+              <a:buChar char="•"/>
+              <a:defRPr sz="1800" kern="1200">
+                <a:solidFill>
+                  <a:schemeClr val="tx1"/>
+                </a:solidFill>
+                <a:latin typeface="+mn-lt"/>
+                <a:ea typeface="+mn-ea"/>
+                <a:cs typeface="+mn-cs"/>
+              </a:defRPr>
+            </a:lvl5pPr>
+            <a:lvl6pPr marL="2514600" indent="-228600" algn="l" defTabSz="914400" rtl="0" eaLnBrk="1" latinLnBrk="0" hangingPunct="1">
+              <a:lnSpc>
+                <a:spcPct val="90000"/>
+              </a:lnSpc>
+              <a:spcBef>
+                <a:spcPts val="500"/>
+              </a:spcBef>
+              <a:buFont typeface="Arial" panose="020B0604020202020204" pitchFamily="34" charset="0"/>
+              <a:buChar char="•"/>
+              <a:defRPr sz="1800" kern="1200">
+                <a:solidFill>
+                  <a:schemeClr val="tx1"/>
+                </a:solidFill>
+                <a:latin typeface="+mn-lt"/>
+                <a:ea typeface="+mn-ea"/>
+                <a:cs typeface="+mn-cs"/>
+              </a:defRPr>
+            </a:lvl6pPr>
+            <a:lvl7pPr marL="2971800" indent="-228600" algn="l" defTabSz="914400" rtl="0" eaLnBrk="1" latinLnBrk="0" hangingPunct="1">
+              <a:lnSpc>
+                <a:spcPct val="90000"/>
+              </a:lnSpc>
+              <a:spcBef>
+                <a:spcPts val="500"/>
+              </a:spcBef>
+              <a:buFont typeface="Arial" panose="020B0604020202020204" pitchFamily="34" charset="0"/>
+              <a:buChar char="•"/>
+              <a:defRPr sz="1800" kern="1200">
+                <a:solidFill>
+                  <a:schemeClr val="tx1"/>
+                </a:solidFill>
+                <a:latin typeface="+mn-lt"/>
+                <a:ea typeface="+mn-ea"/>
+                <a:cs typeface="+mn-cs"/>
+              </a:defRPr>
+            </a:lvl7pPr>
+            <a:lvl8pPr marL="3429000" indent="-228600" algn="l" defTabSz="914400" rtl="0" eaLnBrk="1" latinLnBrk="0" hangingPunct="1">
+              <a:lnSpc>
+                <a:spcPct val="90000"/>
+              </a:lnSpc>
+              <a:spcBef>
+                <a:spcPts val="500"/>
+              </a:spcBef>
+              <a:buFont typeface="Arial" panose="020B0604020202020204" pitchFamily="34" charset="0"/>
+              <a:buChar char="•"/>
+              <a:defRPr sz="1800" kern="1200">
+                <a:solidFill>
+                  <a:schemeClr val="tx1"/>
+                </a:solidFill>
+                <a:latin typeface="+mn-lt"/>
+                <a:ea typeface="+mn-ea"/>
+                <a:cs typeface="+mn-cs"/>
+              </a:defRPr>
+            </a:lvl8pPr>
+            <a:lvl9pPr marL="3886200" indent="-228600" algn="l" defTabSz="914400" rtl="0" eaLnBrk="1" latinLnBrk="0" hangingPunct="1">
+              <a:lnSpc>
+                <a:spcPct val="90000"/>
+              </a:lnSpc>
+              <a:spcBef>
+                <a:spcPts val="500"/>
+              </a:spcBef>
+              <a:buFont typeface="Arial" panose="020B0604020202020204" pitchFamily="34" charset="0"/>
+              <a:buChar char="•"/>
+              <a:defRPr sz="1800" kern="1200">
+                <a:solidFill>
+                  <a:schemeClr val="tx1"/>
+                </a:solidFill>
+                <a:latin typeface="+mn-lt"/>
+                <a:ea typeface="+mn-ea"/>
+                <a:cs typeface="+mn-cs"/>
+              </a:defRPr>
+            </a:lvl9pPr>
+          </a:lstStyle>
+          <a:p>
+            <a:pPr algn="ctr"/>
+            <a:r>
+              <a:rPr lang="en-US" dirty="0">
+                <a:solidFill>
+                  <a:schemeClr val="tx1">
+                    <a:lumMod val="95000"/>
+                  </a:schemeClr>
+                </a:solidFill>
+              </a:rPr>
+              <a:t>The primary The primary objective of this project is to examine the Scalar Encoder with Buckets and understand the implementation by Test Cases.</a:t>
+            </a:r>
+          </a:p>
+        </p:txBody>
+      </p:sp>
     </p:spTree>
     <p:extLst>
       <p:ext uri="{BB962C8B-B14F-4D97-AF65-F5344CB8AC3E}">
-        <p14:creationId xmlns:p14="http://schemas.microsoft.com/office/powerpoint/2010/main" val="2576433454"/>
+        <p14:creationId xmlns:p14="http://schemas.microsoft.com/office/powerpoint/2010/main" val="1142450495"/>
       </p:ext>
     </p:extLst>
   </p:cSld>
@@ -998,9 +1242,175 @@
 <file path=ppt/slides/slide3.xml><?xml version="1.0" encoding="utf-8"?>
 <p:sld xmlns:a="http://schemas.openxmlformats.org/drawingml/2006/main" xmlns:r="http://schemas.openxmlformats.org/officeDocument/2006/relationships" xmlns:p="http://schemas.openxmlformats.org/presentationml/2006/main">
   <p:cSld>
+    <p:spTree>
+      <p:nvGrpSpPr>
+        <p:cNvPr id="1" name=""/>
+        <p:cNvGrpSpPr/>
+        <p:nvPr/>
+      </p:nvGrpSpPr>
+      <p:grpSpPr>
+        <a:xfrm>
+          <a:off x="0" y="0"/>
+          <a:ext cx="0" cy="0"/>
+          <a:chOff x="0" y="0"/>
+          <a:chExt cx="0" cy="0"/>
+        </a:xfrm>
+      </p:grpSpPr>
+      <p:sp>
+        <p:nvSpPr>
+          <p:cNvPr id="2" name="Title 1">
+            <a:extLst>
+              <a:ext uri="{FF2B5EF4-FFF2-40B4-BE49-F238E27FC236}">
+                <a16:creationId xmlns:a16="http://schemas.microsoft.com/office/drawing/2014/main" id="{EF0FC996-ECEA-62D4-ECF3-FD1A279B9316}"/>
+              </a:ext>
+            </a:extLst>
+          </p:cNvPr>
+          <p:cNvSpPr>
+            <a:spLocks noGrp="1"/>
+          </p:cNvSpPr>
+          <p:nvPr>
+            <p:ph type="title"/>
+          </p:nvPr>
+        </p:nvSpPr>
+        <p:spPr>
+          <a:xfrm>
+            <a:off x="756778" y="365125"/>
+            <a:ext cx="10597022" cy="1325563"/>
+          </a:xfrm>
+        </p:spPr>
+        <p:txBody>
+          <a:bodyPr/>
+          <a:lstStyle/>
+          <a:p>
+            <a:r>
+              <a:rPr lang="en-US" dirty="0"/>
+              <a:t>TABLE OF CONTENTS</a:t>
+            </a:r>
+            <a:endParaRPr lang="en-IN" dirty="0"/>
+          </a:p>
+        </p:txBody>
+      </p:sp>
+      <p:sp>
+        <p:nvSpPr>
+          <p:cNvPr id="4" name="TextBox 3">
+            <a:extLst>
+              <a:ext uri="{FF2B5EF4-FFF2-40B4-BE49-F238E27FC236}">
+                <a16:creationId xmlns:a16="http://schemas.microsoft.com/office/drawing/2014/main" id="{9938D7E7-001A-6175-007B-518EE014CB1F}"/>
+              </a:ext>
+            </a:extLst>
+          </p:cNvPr>
+          <p:cNvSpPr txBox="1"/>
+          <p:nvPr/>
+        </p:nvSpPr>
+        <p:spPr>
+          <a:xfrm>
+            <a:off x="756778" y="1690688"/>
+            <a:ext cx="10597023" cy="4524315"/>
+          </a:xfrm>
+          <a:prstGeom prst="rect">
+            <a:avLst/>
+          </a:prstGeom>
+          <a:noFill/>
+        </p:spPr>
+        <p:txBody>
+          <a:bodyPr wrap="square">
+            <a:spAutoFit/>
+          </a:bodyPr>
+          <a:lstStyle/>
+          <a:p>
+            <a:pPr marL="571500" indent="-571500">
+              <a:buFont typeface="Arial" panose="020B0604020202020204" pitchFamily="34" charset="0"/>
+              <a:buChar char="•"/>
+            </a:pPr>
+            <a:r>
+              <a:rPr lang="en-US" sz="3600" dirty="0"/>
+              <a:t>INTRODUCTION	</a:t>
+            </a:r>
+          </a:p>
+          <a:p>
+            <a:pPr marL="571500" indent="-571500">
+              <a:buFont typeface="Arial" panose="020B0604020202020204" pitchFamily="34" charset="0"/>
+              <a:buChar char="•"/>
+            </a:pPr>
+            <a:r>
+              <a:rPr lang="en-US" sz="3600" dirty="0"/>
+              <a:t>METHODOLGY</a:t>
+            </a:r>
+          </a:p>
+          <a:p>
+            <a:pPr marL="571500" indent="-571500">
+              <a:buFont typeface="Arial" panose="020B0604020202020204" pitchFamily="34" charset="0"/>
+              <a:buChar char="•"/>
+            </a:pPr>
+            <a:r>
+              <a:rPr lang="en-US" sz="3600" dirty="0"/>
+              <a:t>ENCODING</a:t>
+            </a:r>
+          </a:p>
+          <a:p>
+            <a:pPr marL="571500" indent="-571500">
+              <a:buFont typeface="Arial" panose="020B0604020202020204" pitchFamily="34" charset="0"/>
+              <a:buChar char="•"/>
+            </a:pPr>
+            <a:r>
+              <a:rPr lang="en-US" sz="3600" dirty="0"/>
+              <a:t>WORKING ON SPATIAL POOLER</a:t>
+            </a:r>
+          </a:p>
+          <a:p>
+            <a:pPr marL="571500" indent="-571500">
+              <a:buFont typeface="Arial" panose="020B0604020202020204" pitchFamily="34" charset="0"/>
+              <a:buChar char="•"/>
+            </a:pPr>
+            <a:r>
+              <a:rPr lang="en-US" sz="3600" dirty="0"/>
+              <a:t>IMPLEMENTATION (LEARNING &amp; EXECUTE TEST CASES)</a:t>
+            </a:r>
+          </a:p>
+          <a:p>
+            <a:pPr marL="571500" indent="-571500">
+              <a:buFont typeface="Arial" panose="020B0604020202020204" pitchFamily="34" charset="0"/>
+              <a:buChar char="•"/>
+            </a:pPr>
+            <a:r>
+              <a:rPr lang="en-US" sz="3600" dirty="0"/>
+              <a:t>RESULTS</a:t>
+            </a:r>
+          </a:p>
+          <a:p>
+            <a:pPr marL="571500" indent="-571500">
+              <a:buFont typeface="Arial" panose="020B0604020202020204" pitchFamily="34" charset="0"/>
+              <a:buChar char="•"/>
+            </a:pPr>
+            <a:r>
+              <a:rPr lang="en-US" sz="3600" dirty="0"/>
+              <a:t>CONCLUSION</a:t>
+            </a:r>
+            <a:endParaRPr lang="en-IN" sz="3600" dirty="0"/>
+          </a:p>
+        </p:txBody>
+      </p:sp>
+    </p:spTree>
+    <p:extLst>
+      <p:ext uri="{BB962C8B-B14F-4D97-AF65-F5344CB8AC3E}">
+        <p14:creationId xmlns:p14="http://schemas.microsoft.com/office/powerpoint/2010/main" val="170748691"/>
+      </p:ext>
+    </p:extLst>
+  </p:cSld>
+  <p:clrMapOvr>
+    <a:masterClrMapping/>
+  </p:clrMapOvr>
+</p:sld>
+</file>
+
+<file path=ppt/slides/slide4.xml><?xml version="1.0" encoding="utf-8"?>
+<p:sld xmlns:a="http://schemas.openxmlformats.org/drawingml/2006/main" xmlns:r="http://schemas.openxmlformats.org/officeDocument/2006/relationships" xmlns:p="http://schemas.openxmlformats.org/presentationml/2006/main">
+  <p:cSld>
     <p:bg>
       <p:bgPr>
-        <a:noFill/>
+        <a:solidFill>
+          <a:schemeClr val="bg1"/>
+        </a:solidFill>
         <a:effectLst/>
       </p:bgPr>
     </p:bg>
@@ -1018,12 +1428,72 @@
           <a:chExt cx="0" cy="0"/>
         </a:xfrm>
       </p:grpSpPr>
+      <p:sp useBgFill="1">
+        <p:nvSpPr>
+          <p:cNvPr id="20" name="Rectangle 11">
+            <a:extLst>
+              <a:ext uri="{FF2B5EF4-FFF2-40B4-BE49-F238E27FC236}">
+                <a16:creationId xmlns:a16="http://schemas.microsoft.com/office/drawing/2014/main" id="{06DA9DF9-31F7-4056-B42E-878CC92417B8}"/>
+              </a:ext>
+              <a:ext uri="{C183D7F6-B498-43B3-948B-1728B52AA6E4}">
+                <adec:decorative xmlns:adec="http://schemas.microsoft.com/office/drawing/2017/decorative" val="1"/>
+              </a:ext>
+            </a:extLst>
+          </p:cNvPr>
+          <p:cNvSpPr>
+            <a:spLocks noGrp="1" noRot="1" noChangeAspect="1" noMove="1" noResize="1" noEditPoints="1" noAdjustHandles="1" noChangeArrowheads="1" noChangeShapeType="1" noTextEdit="1"/>
+          </p:cNvSpPr>
+          <p:nvPr>
+            <p:extLst>
+              <p:ext uri="{386F3935-93C4-4BCD-93E2-E3B085C9AB24}">
+                <p16:designElem xmlns:p16="http://schemas.microsoft.com/office/powerpoint/2015/main" val="1"/>
+              </p:ext>
+            </p:extLst>
+          </p:nvPr>
+        </p:nvSpPr>
+        <p:spPr>
+          <a:xfrm>
+            <a:off x="0" y="0"/>
+            <a:ext cx="12188952" cy="6858000"/>
+          </a:xfrm>
+          <a:prstGeom prst="rect">
+            <a:avLst/>
+          </a:prstGeom>
+          <a:ln>
+            <a:noFill/>
+          </a:ln>
+        </p:spPr>
+        <p:style>
+          <a:lnRef idx="2">
+            <a:schemeClr val="accent1">
+              <a:shade val="50000"/>
+            </a:schemeClr>
+          </a:lnRef>
+          <a:fillRef idx="1">
+            <a:schemeClr val="accent1"/>
+          </a:fillRef>
+          <a:effectRef idx="0">
+            <a:schemeClr val="accent1"/>
+          </a:effectRef>
+          <a:fontRef idx="minor">
+            <a:schemeClr val="lt1"/>
+          </a:fontRef>
+        </p:style>
+        <p:txBody>
+          <a:bodyPr rtlCol="0" anchor="ctr"/>
+          <a:lstStyle/>
+          <a:p>
+            <a:pPr algn="ctr"/>
+            <a:endParaRPr lang="en-US"/>
+          </a:p>
+        </p:txBody>
+      </p:sp>
       <p:sp>
         <p:nvSpPr>
-          <p:cNvPr id="2" name="Title 1" hidden="1">
+          <p:cNvPr id="2" name="Title 1">
             <a:extLst>
               <a:ext uri="{FF2B5EF4-FFF2-40B4-BE49-F238E27FC236}">
-                <a16:creationId xmlns:a16="http://schemas.microsoft.com/office/drawing/2014/main" id="{A495F65F-E78B-3D38-291E-7754EDB82619}"/>
+                <a16:creationId xmlns:a16="http://schemas.microsoft.com/office/drawing/2014/main" id="{181E9985-0C35-84FD-D53E-3AA2F6025F53}"/>
               </a:ext>
             </a:extLst>
           </p:cNvPr>
@@ -1034,136 +1504,607 @@
             <p:ph type="title"/>
           </p:nvPr>
         </p:nvSpPr>
-        <p:spPr/>
+        <p:spPr>
+          <a:xfrm>
+            <a:off x="643468" y="643467"/>
+            <a:ext cx="4056869" cy="944701"/>
+          </a:xfrm>
+        </p:spPr>
         <p:txBody>
-          <a:bodyPr/>
+          <a:bodyPr vert="horz" lIns="91440" tIns="45720" rIns="91440" bIns="45720" rtlCol="0" anchor="b">
+            <a:normAutofit/>
+          </a:bodyPr>
           <a:lstStyle/>
           <a:p>
-            <a:endParaRPr lang="en-IN"/>
+            <a:r>
+              <a:rPr lang="en-US" dirty="0"/>
+              <a:t>INTRODUCTION</a:t>
+            </a:r>
           </a:p>
         </p:txBody>
       </p:sp>
       <p:pic>
         <p:nvPicPr>
-          <p:cNvPr id="3" name="Picture 2">
+          <p:cNvPr id="7" name="Google Shape;4376;p36" descr="A close-up of water drops&#10;&#10;Description automatically generated with low confidence">
             <a:extLst>
               <a:ext uri="{FF2B5EF4-FFF2-40B4-BE49-F238E27FC236}">
-                <a16:creationId xmlns:a16="http://schemas.microsoft.com/office/drawing/2014/main" id="{D91C7846-7C64-75D5-6CFC-F3473C375176}"/>
+                <a16:creationId xmlns:a16="http://schemas.microsoft.com/office/drawing/2014/main" id="{0A0BBD40-E08B-BAB0-1A16-50E3E78305E8}"/>
               </a:ext>
             </a:extLst>
           </p:cNvPr>
-          <p:cNvPicPr/>
+          <p:cNvPicPr preferRelativeResize="0"/>
           <p:nvPr/>
         </p:nvPicPr>
-        <p:blipFill>
+        <p:blipFill rotWithShape="1">
           <a:blip r:embed="rId2"/>
-          <a:stretch>
-            <a:fillRect/>
-          </a:stretch>
+          <a:srcRect r="36963" b="-1"/>
+          <a:stretch/>
         </p:blipFill>
         <p:spPr>
           <a:xfrm>
-            <a:off x="0" y="0"/>
-            <a:ext cx="12192000" cy="6858000"/>
+            <a:off x="6229215" y="10"/>
+            <a:ext cx="5962785" cy="6857990"/>
+          </a:xfrm>
+          <a:custGeom>
+            <a:avLst/>
+            <a:gdLst/>
+            <a:ahLst/>
+            <a:cxnLst/>
+            <a:rect l="l" t="t" r="r" b="b"/>
+            <a:pathLst>
+              <a:path w="5962785" h="6858000">
+                <a:moveTo>
+                  <a:pt x="1044839" y="0"/>
+                </a:moveTo>
+                <a:lnTo>
+                  <a:pt x="5962785" y="0"/>
+                </a:lnTo>
+                <a:lnTo>
+                  <a:pt x="5962785" y="6858000"/>
+                </a:lnTo>
+                <a:lnTo>
+                  <a:pt x="1469886" y="6858000"/>
+                </a:lnTo>
+                <a:lnTo>
+                  <a:pt x="1416006" y="6823984"/>
+                </a:lnTo>
+                <a:cubicBezTo>
+                  <a:pt x="1356767" y="6787940"/>
+                  <a:pt x="1296437" y="6755500"/>
+                  <a:pt x="1232473" y="6733873"/>
+                </a:cubicBezTo>
+                <a:cubicBezTo>
+                  <a:pt x="1145250" y="6705037"/>
+                  <a:pt x="1060933" y="6654575"/>
+                  <a:pt x="1075471" y="6503186"/>
+                </a:cubicBezTo>
+                <a:cubicBezTo>
+                  <a:pt x="1078378" y="6459932"/>
+                  <a:pt x="1055118" y="6427493"/>
+                  <a:pt x="1020229" y="6438306"/>
+                </a:cubicBezTo>
+                <a:cubicBezTo>
+                  <a:pt x="953358" y="6459932"/>
+                  <a:pt x="921375" y="6398656"/>
+                  <a:pt x="883579" y="6351798"/>
+                </a:cubicBezTo>
+                <a:cubicBezTo>
+                  <a:pt x="816707" y="6268895"/>
+                  <a:pt x="752743" y="6182387"/>
+                  <a:pt x="645167" y="6167969"/>
+                </a:cubicBezTo>
+                <a:cubicBezTo>
+                  <a:pt x="665519" y="6103088"/>
+                  <a:pt x="700408" y="6110298"/>
+                  <a:pt x="732391" y="6124716"/>
+                </a:cubicBezTo>
+                <a:cubicBezTo>
+                  <a:pt x="816707" y="6160761"/>
+                  <a:pt x="901023" y="6200410"/>
+                  <a:pt x="985339" y="6236455"/>
+                </a:cubicBezTo>
+                <a:cubicBezTo>
+                  <a:pt x="1040581" y="6258081"/>
+                  <a:pt x="1095822" y="6290522"/>
+                  <a:pt x="1168509" y="6265291"/>
+                </a:cubicBezTo>
+                <a:cubicBezTo>
+                  <a:pt x="1104545" y="6135530"/>
+                  <a:pt x="996969" y="6110298"/>
+                  <a:pt x="909746" y="6070649"/>
+                </a:cubicBezTo>
+                <a:cubicBezTo>
+                  <a:pt x="802169" y="6020185"/>
+                  <a:pt x="738206" y="5926470"/>
+                  <a:pt x="659704" y="5818335"/>
+                </a:cubicBezTo>
+                <a:cubicBezTo>
+                  <a:pt x="738206" y="5789500"/>
+                  <a:pt x="787632" y="5868798"/>
+                  <a:pt x="851597" y="5865193"/>
+                </a:cubicBezTo>
+                <a:cubicBezTo>
+                  <a:pt x="854504" y="5854380"/>
+                  <a:pt x="860319" y="5832753"/>
+                  <a:pt x="860319" y="5832753"/>
+                </a:cubicBezTo>
+                <a:cubicBezTo>
+                  <a:pt x="755650" y="5775081"/>
+                  <a:pt x="709132" y="5666947"/>
+                  <a:pt x="691686" y="5533581"/>
+                </a:cubicBezTo>
+                <a:cubicBezTo>
+                  <a:pt x="685872" y="5465095"/>
+                  <a:pt x="648075" y="5443468"/>
+                  <a:pt x="610278" y="5411029"/>
+                </a:cubicBezTo>
+                <a:cubicBezTo>
+                  <a:pt x="482350" y="5299289"/>
+                  <a:pt x="345700" y="5198364"/>
+                  <a:pt x="238123" y="5046976"/>
+                </a:cubicBezTo>
+                <a:cubicBezTo>
+                  <a:pt x="363144" y="5064998"/>
+                  <a:pt x="461997" y="5165924"/>
+                  <a:pt x="592833" y="5209177"/>
+                </a:cubicBezTo>
+                <a:cubicBezTo>
+                  <a:pt x="488165" y="5043371"/>
+                  <a:pt x="351514" y="4956864"/>
+                  <a:pt x="226494" y="4855939"/>
+                </a:cubicBezTo>
+                <a:cubicBezTo>
+                  <a:pt x="168344" y="4809081"/>
+                  <a:pt x="116011" y="4751408"/>
+                  <a:pt x="49139" y="4726177"/>
+                </a:cubicBezTo>
+                <a:cubicBezTo>
+                  <a:pt x="25879" y="4718968"/>
+                  <a:pt x="-14825" y="4700947"/>
+                  <a:pt x="5527" y="4650483"/>
+                </a:cubicBezTo>
+                <a:cubicBezTo>
+                  <a:pt x="22972" y="4607230"/>
+                  <a:pt x="54954" y="4621648"/>
+                  <a:pt x="84029" y="4632460"/>
+                </a:cubicBezTo>
+                <a:cubicBezTo>
+                  <a:pt x="153807" y="4661296"/>
+                  <a:pt x="229401" y="4661296"/>
+                  <a:pt x="325347" y="4661296"/>
+                </a:cubicBezTo>
+                <a:cubicBezTo>
+                  <a:pt x="243939" y="4524326"/>
+                  <a:pt x="95658" y="4567580"/>
+                  <a:pt x="25879" y="4423401"/>
+                </a:cubicBezTo>
+                <a:cubicBezTo>
+                  <a:pt x="113103" y="4398170"/>
+                  <a:pt x="179975" y="4448632"/>
+                  <a:pt x="249753" y="4459446"/>
+                </a:cubicBezTo>
+                <a:cubicBezTo>
+                  <a:pt x="313718" y="4470259"/>
+                  <a:pt x="328254" y="4445028"/>
+                  <a:pt x="313718" y="4365729"/>
+                </a:cubicBezTo>
+                <a:cubicBezTo>
+                  <a:pt x="290458" y="4243177"/>
+                  <a:pt x="325347" y="4181900"/>
+                  <a:pt x="418386" y="4214341"/>
+                </a:cubicBezTo>
+                <a:cubicBezTo>
+                  <a:pt x="505609" y="4246781"/>
+                  <a:pt x="514332" y="4199922"/>
+                  <a:pt x="491072" y="4131438"/>
+                </a:cubicBezTo>
+                <a:cubicBezTo>
+                  <a:pt x="456183" y="4030512"/>
+                  <a:pt x="493979" y="3951214"/>
+                  <a:pt x="520147" y="3864706"/>
+                </a:cubicBezTo>
+                <a:cubicBezTo>
+                  <a:pt x="560851" y="3734945"/>
+                  <a:pt x="543407" y="3670064"/>
+                  <a:pt x="459090" y="3572743"/>
+                </a:cubicBezTo>
+                <a:cubicBezTo>
+                  <a:pt x="409664" y="3518676"/>
+                  <a:pt x="360236" y="3471818"/>
+                  <a:pt x="290458" y="3424959"/>
+                </a:cubicBezTo>
+                <a:cubicBezTo>
+                  <a:pt x="450368" y="3399728"/>
+                  <a:pt x="284643" y="3313221"/>
+                  <a:pt x="339884" y="3259153"/>
+                </a:cubicBezTo>
+                <a:cubicBezTo>
+                  <a:pt x="453275" y="3237527"/>
+                  <a:pt x="543407" y="3410542"/>
+                  <a:pt x="697501" y="3360078"/>
+                </a:cubicBezTo>
+                <a:cubicBezTo>
+                  <a:pt x="511425" y="3212294"/>
+                  <a:pt x="302087" y="3165436"/>
+                  <a:pt x="165437" y="2967190"/>
+                </a:cubicBezTo>
+                <a:cubicBezTo>
+                  <a:pt x="197419" y="2923937"/>
+                  <a:pt x="229401" y="2967190"/>
+                  <a:pt x="255568" y="2949167"/>
+                </a:cubicBezTo>
+                <a:cubicBezTo>
+                  <a:pt x="255568" y="2938354"/>
+                  <a:pt x="560851" y="3006840"/>
+                  <a:pt x="578296" y="2725691"/>
+                </a:cubicBezTo>
+                <a:cubicBezTo>
+                  <a:pt x="584111" y="2725691"/>
+                  <a:pt x="589926" y="2725691"/>
+                  <a:pt x="595740" y="2714876"/>
+                </a:cubicBezTo>
+                <a:cubicBezTo>
+                  <a:pt x="627722" y="2675228"/>
+                  <a:pt x="598648" y="2581510"/>
+                  <a:pt x="650982" y="2574301"/>
+                </a:cubicBezTo>
+                <a:cubicBezTo>
+                  <a:pt x="709132" y="2567092"/>
+                  <a:pt x="764373" y="2534653"/>
+                  <a:pt x="825429" y="2552674"/>
+                </a:cubicBezTo>
+                <a:cubicBezTo>
+                  <a:pt x="871949" y="2567092"/>
+                  <a:pt x="921375" y="2585115"/>
+                  <a:pt x="970802" y="2585115"/>
+                </a:cubicBezTo>
+                <a:cubicBezTo>
+                  <a:pt x="1023136" y="2585115"/>
+                  <a:pt x="1095822" y="2707668"/>
+                  <a:pt x="1127805" y="2545465"/>
+                </a:cubicBezTo>
+                <a:cubicBezTo>
+                  <a:pt x="1127805" y="2538257"/>
+                  <a:pt x="1217936" y="2556280"/>
+                  <a:pt x="1267362" y="2563488"/>
+                </a:cubicBezTo>
+                <a:cubicBezTo>
+                  <a:pt x="1308067" y="2570698"/>
+                  <a:pt x="1357494" y="2603137"/>
+                  <a:pt x="1386568" y="2538257"/>
+                </a:cubicBezTo>
+                <a:cubicBezTo>
+                  <a:pt x="1401105" y="2498607"/>
+                  <a:pt x="1331326" y="2426518"/>
+                  <a:pt x="1270270" y="2419309"/>
+                </a:cubicBezTo>
+                <a:cubicBezTo>
+                  <a:pt x="1215029" y="2412101"/>
+                  <a:pt x="1159787" y="2404892"/>
+                  <a:pt x="1107453" y="2419309"/>
+                </a:cubicBezTo>
+                <a:cubicBezTo>
+                  <a:pt x="1043489" y="2437331"/>
+                  <a:pt x="1008599" y="2408495"/>
+                  <a:pt x="991154" y="2343615"/>
+                </a:cubicBezTo>
+                <a:cubicBezTo>
+                  <a:pt x="970802" y="2275131"/>
+                  <a:pt x="933005" y="2239085"/>
+                  <a:pt x="880671" y="2206645"/>
+                </a:cubicBezTo>
+                <a:cubicBezTo>
+                  <a:pt x="752743" y="2127346"/>
+                  <a:pt x="630630" y="2033629"/>
+                  <a:pt x="491072" y="1986771"/>
+                </a:cubicBezTo>
+                <a:cubicBezTo>
+                  <a:pt x="464905" y="1979562"/>
+                  <a:pt x="432923" y="1965145"/>
+                  <a:pt x="421293" y="1903868"/>
+                </a:cubicBezTo>
+                <a:cubicBezTo>
+                  <a:pt x="799262" y="1997584"/>
+                  <a:pt x="1142342" y="2239085"/>
+                  <a:pt x="1531941" y="2224667"/>
+                </a:cubicBezTo>
+                <a:cubicBezTo>
+                  <a:pt x="1427272" y="2148974"/>
+                  <a:pt x="1302252" y="2145369"/>
+                  <a:pt x="1188861" y="2091301"/>
+                </a:cubicBezTo>
+                <a:cubicBezTo>
+                  <a:pt x="1270270" y="2051652"/>
+                  <a:pt x="1345864" y="2094906"/>
+                  <a:pt x="1421458" y="2116532"/>
+                </a:cubicBezTo>
+                <a:cubicBezTo>
+                  <a:pt x="1485422" y="2134554"/>
+                  <a:pt x="1543571" y="2138160"/>
+                  <a:pt x="1549386" y="2026420"/>
+                </a:cubicBezTo>
+                <a:cubicBezTo>
+                  <a:pt x="1549386" y="2015607"/>
+                  <a:pt x="1549386" y="2008398"/>
+                  <a:pt x="1549386" y="1997584"/>
+                </a:cubicBezTo>
+                <a:cubicBezTo>
+                  <a:pt x="1526126" y="1950727"/>
+                  <a:pt x="1494144" y="1929099"/>
+                  <a:pt x="1453440" y="1914682"/>
+                </a:cubicBezTo>
+                <a:cubicBezTo>
+                  <a:pt x="1430180" y="1907473"/>
+                  <a:pt x="1398198" y="1893056"/>
+                  <a:pt x="1398198" y="1860614"/>
+                </a:cubicBezTo>
+                <a:cubicBezTo>
+                  <a:pt x="1401105" y="1738063"/>
+                  <a:pt x="1322604" y="1702018"/>
+                  <a:pt x="1247011" y="1665972"/>
+                </a:cubicBezTo>
+                <a:cubicBezTo>
+                  <a:pt x="1287715" y="1604696"/>
+                  <a:pt x="1322604" y="1647950"/>
+                  <a:pt x="1354586" y="1644345"/>
+                </a:cubicBezTo>
+                <a:cubicBezTo>
+                  <a:pt x="1374939" y="1640741"/>
+                  <a:pt x="1395290" y="1637138"/>
+                  <a:pt x="1395290" y="1604696"/>
+                </a:cubicBezTo>
+                <a:cubicBezTo>
+                  <a:pt x="1395290" y="1579465"/>
+                  <a:pt x="1386568" y="1547025"/>
+                  <a:pt x="1366216" y="1547025"/>
+                </a:cubicBezTo>
+                <a:cubicBezTo>
+                  <a:pt x="1238288" y="1543420"/>
+                  <a:pt x="1165601" y="1370405"/>
+                  <a:pt x="1031858" y="1370405"/>
+                </a:cubicBezTo>
+                <a:cubicBezTo>
+                  <a:pt x="950450" y="1370405"/>
+                  <a:pt x="1072563" y="1273083"/>
+                  <a:pt x="1005692" y="1233435"/>
+                </a:cubicBezTo>
+                <a:cubicBezTo>
+                  <a:pt x="991154" y="1222621"/>
+                  <a:pt x="1046396" y="1208203"/>
+                  <a:pt x="1069655" y="1211808"/>
+                </a:cubicBezTo>
+                <a:cubicBezTo>
+                  <a:pt x="1092915" y="1215412"/>
+                  <a:pt x="1113268" y="1240644"/>
+                  <a:pt x="1142342" y="1222621"/>
+                </a:cubicBezTo>
+                <a:cubicBezTo>
+                  <a:pt x="1156879" y="1157741"/>
+                  <a:pt x="1119082" y="1132510"/>
+                  <a:pt x="1084193" y="1114487"/>
+                </a:cubicBezTo>
+                <a:cubicBezTo>
+                  <a:pt x="1008599" y="1071234"/>
+                  <a:pt x="933005" y="1020771"/>
+                  <a:pt x="848689" y="1006353"/>
+                </a:cubicBezTo>
+                <a:cubicBezTo>
+                  <a:pt x="819615" y="1002748"/>
+                  <a:pt x="802169" y="984726"/>
+                  <a:pt x="805077" y="948681"/>
+                </a:cubicBezTo>
+                <a:cubicBezTo>
+                  <a:pt x="810892" y="901822"/>
+                  <a:pt x="839967" y="916240"/>
+                  <a:pt x="863226" y="919844"/>
+                </a:cubicBezTo>
+                <a:cubicBezTo>
+                  <a:pt x="877764" y="923450"/>
+                  <a:pt x="892301" y="934263"/>
+                  <a:pt x="906838" y="909031"/>
+                </a:cubicBezTo>
+                <a:cubicBezTo>
+                  <a:pt x="566666" y="653113"/>
+                  <a:pt x="386404" y="667532"/>
+                  <a:pt x="5527" y="458471"/>
+                </a:cubicBezTo>
+                <a:cubicBezTo>
+                  <a:pt x="89843" y="418822"/>
+                  <a:pt x="150900" y="447658"/>
+                  <a:pt x="209049" y="454867"/>
+                </a:cubicBezTo>
+                <a:cubicBezTo>
+                  <a:pt x="354422" y="472890"/>
+                  <a:pt x="264290" y="505329"/>
+                  <a:pt x="409664" y="526956"/>
+                </a:cubicBezTo>
+                <a:cubicBezTo>
+                  <a:pt x="479443" y="537770"/>
+                  <a:pt x="543407" y="573815"/>
+                  <a:pt x="621908" y="516143"/>
+                </a:cubicBezTo>
+                <a:cubicBezTo>
+                  <a:pt x="674242" y="476494"/>
+                  <a:pt x="758558" y="519747"/>
+                  <a:pt x="822522" y="552188"/>
+                </a:cubicBezTo>
+                <a:cubicBezTo>
+                  <a:pt x="874856" y="581024"/>
+                  <a:pt x="927190" y="588232"/>
+                  <a:pt x="996969" y="552188"/>
+                </a:cubicBezTo>
+                <a:cubicBezTo>
+                  <a:pt x="933005" y="530562"/>
+                  <a:pt x="883579" y="512539"/>
+                  <a:pt x="834151" y="498120"/>
+                </a:cubicBezTo>
+                <a:cubicBezTo>
+                  <a:pt x="793447" y="487307"/>
+                  <a:pt x="770187" y="462076"/>
+                  <a:pt x="773095" y="408008"/>
+                </a:cubicBezTo>
+                <a:cubicBezTo>
+                  <a:pt x="773095" y="379172"/>
+                  <a:pt x="764373" y="339523"/>
+                  <a:pt x="793447" y="325106"/>
+                </a:cubicBezTo>
+                <a:cubicBezTo>
+                  <a:pt x="816707" y="310688"/>
+                  <a:pt x="848689" y="325106"/>
+                  <a:pt x="860319" y="350336"/>
+                </a:cubicBezTo>
+                <a:cubicBezTo>
+                  <a:pt x="874856" y="397195"/>
+                  <a:pt x="889393" y="440449"/>
+                  <a:pt x="938820" y="444054"/>
+                </a:cubicBezTo>
+                <a:cubicBezTo>
+                  <a:pt x="1005692" y="451262"/>
+                  <a:pt x="967894" y="422426"/>
+                  <a:pt x="956265" y="386381"/>
+                </a:cubicBezTo>
+                <a:cubicBezTo>
+                  <a:pt x="944635" y="346733"/>
+                  <a:pt x="979525" y="335919"/>
+                  <a:pt x="1002784" y="343127"/>
+                </a:cubicBezTo>
+                <a:cubicBezTo>
+                  <a:pt x="1090008" y="375569"/>
+                  <a:pt x="1180139" y="317897"/>
+                  <a:pt x="1270270" y="364755"/>
+                </a:cubicBezTo>
+                <a:cubicBezTo>
+                  <a:pt x="1247011" y="249411"/>
+                  <a:pt x="1197583" y="198949"/>
+                  <a:pt x="1092915" y="180926"/>
+                </a:cubicBezTo>
+                <a:cubicBezTo>
+                  <a:pt x="1055118" y="177322"/>
+                  <a:pt x="1014414" y="184530"/>
+                  <a:pt x="979525" y="152090"/>
+                </a:cubicBezTo>
+                <a:cubicBezTo>
+                  <a:pt x="959172" y="134068"/>
+                  <a:pt x="938820" y="112441"/>
+                  <a:pt x="953358" y="76396"/>
+                </a:cubicBezTo>
+                <a:cubicBezTo>
+                  <a:pt x="962080" y="51165"/>
+                  <a:pt x="985339" y="51165"/>
+                  <a:pt x="1005692" y="58373"/>
+                </a:cubicBezTo>
+                <a:cubicBezTo>
+                  <a:pt x="1090008" y="98023"/>
+                  <a:pt x="1180139" y="108837"/>
+                  <a:pt x="1267362" y="123254"/>
+                </a:cubicBezTo>
+                <a:cubicBezTo>
+                  <a:pt x="1281900" y="126859"/>
+                  <a:pt x="1296437" y="134068"/>
+                  <a:pt x="1310975" y="98023"/>
+                </a:cubicBezTo>
+                <a:cubicBezTo>
+                  <a:pt x="1260095" y="81803"/>
+                  <a:pt x="1209941" y="62879"/>
+                  <a:pt x="1159787" y="43505"/>
+                </a:cubicBezTo>
+                <a:close/>
+              </a:path>
+            </a:pathLst>
+          </a:custGeom>
+          <a:noFill/>
+        </p:spPr>
+      </p:pic>
+      <p:sp>
+        <p:nvSpPr>
+          <p:cNvPr id="9" name="TextBox 8">
+            <a:extLst>
+              <a:ext uri="{FF2B5EF4-FFF2-40B4-BE49-F238E27FC236}">
+                <a16:creationId xmlns:a16="http://schemas.microsoft.com/office/drawing/2014/main" id="{A2CD386F-1241-0ABF-7E51-F182E8D59A4C}"/>
+              </a:ext>
+            </a:extLst>
+          </p:cNvPr>
+          <p:cNvSpPr txBox="1"/>
+          <p:nvPr/>
+        </p:nvSpPr>
+        <p:spPr>
+          <a:xfrm>
+            <a:off x="643468" y="2555847"/>
+            <a:ext cx="5585747" cy="2862322"/>
           </a:xfrm>
           <a:prstGeom prst="rect">
             <a:avLst/>
           </a:prstGeom>
+          <a:noFill/>
         </p:spPr>
-      </p:pic>
+        <p:txBody>
+          <a:bodyPr wrap="square">
+            <a:spAutoFit/>
+          </a:bodyPr>
+          <a:lstStyle/>
+          <a:p>
+            <a:pPr marL="285750" indent="-285750">
+              <a:buFont typeface="Arial" panose="020B0604020202020204" pitchFamily="34" charset="0"/>
+              <a:buChar char="•"/>
+            </a:pPr>
+            <a:r>
+              <a:rPr lang="en-US" dirty="0"/>
+              <a:t>Medical Science and ML engineers were working on the understanding of cortex for temporal pattern recognition.</a:t>
+            </a:r>
+          </a:p>
+          <a:p>
+            <a:pPr marL="285750" indent="-285750">
+              <a:buFont typeface="Arial" panose="020B0604020202020204" pitchFamily="34" charset="0"/>
+              <a:buChar char="•"/>
+            </a:pPr>
+            <a:endParaRPr lang="en-US" dirty="0"/>
+          </a:p>
+          <a:p>
+            <a:pPr marL="285750" indent="-285750">
+              <a:buFont typeface="Arial" panose="020B0604020202020204" pitchFamily="34" charset="0"/>
+              <a:buChar char="•"/>
+            </a:pPr>
+            <a:endParaRPr lang="en-US" dirty="0"/>
+          </a:p>
+          <a:p>
+            <a:pPr marL="285750" indent="-285750">
+              <a:buFont typeface="Arial" panose="020B0604020202020204" pitchFamily="34" charset="0"/>
+              <a:buChar char="•"/>
+            </a:pPr>
+            <a:r>
+              <a:rPr lang="en-US" b="0" i="0" dirty="0">
+                <a:solidFill>
+                  <a:schemeClr val="tx1">
+                    <a:lumMod val="95000"/>
+                  </a:schemeClr>
+                </a:solidFill>
+                <a:effectLst/>
+                <a:latin typeface="Söhne"/>
+              </a:rPr>
+              <a:t>Scalar Encoder with buckets is a technique used in natural language processing (NLP) to encode numerical values (e.g., prices, temperatures, etc.) into continuous vectors that can be used as inputs to machine learning models</a:t>
+            </a:r>
+            <a:r>
+              <a:rPr lang="en-US" b="0" i="0" dirty="0">
+                <a:solidFill>
+                  <a:srgbClr val="374151"/>
+                </a:solidFill>
+                <a:effectLst/>
+                <a:latin typeface="Söhne"/>
+              </a:rPr>
+              <a:t>.</a:t>
+            </a:r>
+            <a:endParaRPr lang="en-IN" dirty="0">
+              <a:solidFill>
+                <a:srgbClr val="FFFFFF"/>
+              </a:solidFill>
+            </a:endParaRPr>
+          </a:p>
+        </p:txBody>
+      </p:sp>
     </p:spTree>
     <p:extLst>
       <p:ext uri="{BB962C8B-B14F-4D97-AF65-F5344CB8AC3E}">
-        <p14:creationId xmlns:p14="http://schemas.microsoft.com/office/powerpoint/2010/main" val="2442722496"/>
-      </p:ext>
-    </p:extLst>
-  </p:cSld>
-  <p:clrMapOvr>
-    <a:masterClrMapping/>
-  </p:clrMapOvr>
-</p:sld>
-</file>
-
-<file path=ppt/slides/slide4.xml><?xml version="1.0" encoding="utf-8"?>
-<p:sld xmlns:a="http://schemas.openxmlformats.org/drawingml/2006/main" xmlns:r="http://schemas.openxmlformats.org/officeDocument/2006/relationships" xmlns:p="http://schemas.openxmlformats.org/presentationml/2006/main">
-  <p:cSld>
-    <p:bg>
-      <p:bgPr>
-        <a:noFill/>
-        <a:effectLst/>
-      </p:bgPr>
-    </p:bg>
-    <p:spTree>
-      <p:nvGrpSpPr>
-        <p:cNvPr id="1" name=""/>
-        <p:cNvGrpSpPr/>
-        <p:nvPr/>
-      </p:nvGrpSpPr>
-      <p:grpSpPr>
-        <a:xfrm>
-          <a:off x="0" y="0"/>
-          <a:ext cx="0" cy="0"/>
-          <a:chOff x="0" y="0"/>
-          <a:chExt cx="0" cy="0"/>
-        </a:xfrm>
-      </p:grpSpPr>
-      <p:sp>
-        <p:nvSpPr>
-          <p:cNvPr id="2" name="Title 1" hidden="1">
-            <a:extLst>
-              <a:ext uri="{FF2B5EF4-FFF2-40B4-BE49-F238E27FC236}">
-                <a16:creationId xmlns:a16="http://schemas.microsoft.com/office/drawing/2014/main" id="{1889103D-A786-196B-444A-0DFADCAE4B34}"/>
-              </a:ext>
-            </a:extLst>
-          </p:cNvPr>
-          <p:cNvSpPr>
-            <a:spLocks noGrp="1"/>
-          </p:cNvSpPr>
-          <p:nvPr>
-            <p:ph type="title"/>
-          </p:nvPr>
-        </p:nvSpPr>
-        <p:spPr/>
-        <p:txBody>
-          <a:bodyPr/>
-          <a:lstStyle/>
-          <a:p>
-            <a:endParaRPr lang="en-IN"/>
-          </a:p>
-        </p:txBody>
-      </p:sp>
-      <p:pic>
-        <p:nvPicPr>
-          <p:cNvPr id="3" name="Picture 2">
-            <a:extLst>
-              <a:ext uri="{FF2B5EF4-FFF2-40B4-BE49-F238E27FC236}">
-                <a16:creationId xmlns:a16="http://schemas.microsoft.com/office/drawing/2014/main" id="{A8FE76EE-2491-BA68-9233-E3614A9A0B82}"/>
-              </a:ext>
-            </a:extLst>
-          </p:cNvPr>
-          <p:cNvPicPr/>
-          <p:nvPr/>
-        </p:nvPicPr>
-        <p:blipFill>
-          <a:blip r:embed="rId2"/>
-          <a:stretch>
-            <a:fillRect/>
-          </a:stretch>
-        </p:blipFill>
-        <p:spPr>
-          <a:xfrm>
-            <a:off x="0" y="0"/>
-            <a:ext cx="12192000" cy="6858000"/>
-          </a:xfrm>
-          <a:prstGeom prst="rect">
-            <a:avLst/>
-          </a:prstGeom>
-        </p:spPr>
-      </p:pic>
-    </p:spTree>
-    <p:extLst>
-      <p:ext uri="{BB962C8B-B14F-4D97-AF65-F5344CB8AC3E}">
-        <p14:creationId xmlns:p14="http://schemas.microsoft.com/office/powerpoint/2010/main" val="3552047676"/>
+        <p14:creationId xmlns:p14="http://schemas.microsoft.com/office/powerpoint/2010/main" val="3661748515"/>
       </p:ext>
     </p:extLst>
   </p:cSld>

--- a/source/NeoCortexApi/Documents/Group Presentation[ScalarEncoder with Buckets].pptx
+++ b/source/NeoCortexApi/Documents/Group Presentation[ScalarEncoder with Buckets].pptx
@@ -9,6 +9,7 @@
     <p:sldId id="260" r:id="rId3"/>
     <p:sldId id="261" r:id="rId4"/>
     <p:sldId id="262" r:id="rId5"/>
+    <p:sldId id="263" r:id="rId6"/>
   </p:sldIdLst>
   <p:sldSz cx="12192000" cy="6858000"/>
   <p:notesSz cx="6858000" cy="9144000"/>
@@ -107,6 +108,33 @@
       </a:defRPr>
     </a:lvl9pPr>
   </p:defaultTextStyle>
+  <p:extLst>
+    <p:ext uri="{521415D9-36F7-43E2-AB2F-B90AF26B5E84}">
+      <p14:sectionLst xmlns:p14="http://schemas.microsoft.com/office/powerpoint/2010/main">
+        <p14:section name="Default Section" id="{F3F718E6-62C6-4310-BFF1-E910CC4C589A}">
+          <p14:sldIdLst>
+            <p14:sldId id="256"/>
+          </p14:sldIdLst>
+        </p14:section>
+        <p14:section name="Objective" id="{80E7A361-325B-4B60-8361-59CDFF0AAFF1}">
+          <p14:sldIdLst>
+            <p14:sldId id="260"/>
+          </p14:sldIdLst>
+        </p14:section>
+        <p14:section name="Table Of Content" id="{6B16C430-4020-4D37-8813-7729B5CDBDDC}">
+          <p14:sldIdLst>
+            <p14:sldId id="261"/>
+          </p14:sldIdLst>
+        </p14:section>
+        <p14:section name="Introduction" id="{3CCB18DD-DB03-4E98-9518-ED1A274A0614}">
+          <p14:sldIdLst>
+            <p14:sldId id="262"/>
+            <p14:sldId id="263"/>
+          </p14:sldIdLst>
+        </p14:section>
+      </p14:sectionLst>
+    </p:ext>
+  </p:extLst>
 </p:presentation>
 </file>
 
@@ -1010,7 +1038,7 @@
                   </a:schemeClr>
                 </a:solidFill>
               </a:rPr>
-              <a:t>OBJECTIV OBJECTIVE E</a:t>
+              <a:t> OBJECTIVE </a:t>
             </a:r>
             <a:endParaRPr lang="en-IN" dirty="0">
               <a:solidFill>
@@ -2105,6 +2133,61 @@
     <p:extLst>
       <p:ext uri="{BB962C8B-B14F-4D97-AF65-F5344CB8AC3E}">
         <p14:creationId xmlns:p14="http://schemas.microsoft.com/office/powerpoint/2010/main" val="3661748515"/>
+      </p:ext>
+    </p:extLst>
+  </p:cSld>
+  <p:clrMapOvr>
+    <a:masterClrMapping/>
+  </p:clrMapOvr>
+</p:sld>
+</file>
+
+<file path=ppt/slides/slide5.xml><?xml version="1.0" encoding="utf-8"?>
+<p:sld xmlns:a="http://schemas.openxmlformats.org/drawingml/2006/main" xmlns:r="http://schemas.openxmlformats.org/officeDocument/2006/relationships" xmlns:p="http://schemas.openxmlformats.org/presentationml/2006/main">
+  <p:cSld>
+    <p:spTree>
+      <p:nvGrpSpPr>
+        <p:cNvPr id="1" name=""/>
+        <p:cNvGrpSpPr/>
+        <p:nvPr/>
+      </p:nvGrpSpPr>
+      <p:grpSpPr>
+        <a:xfrm>
+          <a:off x="0" y="0"/>
+          <a:ext cx="0" cy="0"/>
+          <a:chOff x="0" y="0"/>
+          <a:chExt cx="0" cy="0"/>
+        </a:xfrm>
+      </p:grpSpPr>
+      <p:sp>
+        <p:nvSpPr>
+          <p:cNvPr id="7" name="Title 6">
+            <a:extLst>
+              <a:ext uri="{FF2B5EF4-FFF2-40B4-BE49-F238E27FC236}">
+                <a16:creationId xmlns:a16="http://schemas.microsoft.com/office/drawing/2014/main" id="{3E8FD3DC-D75D-57C5-F44D-437B8601DFEE}"/>
+              </a:ext>
+            </a:extLst>
+          </p:cNvPr>
+          <p:cNvSpPr>
+            <a:spLocks noGrp="1"/>
+          </p:cNvSpPr>
+          <p:nvPr>
+            <p:ph type="title"/>
+          </p:nvPr>
+        </p:nvSpPr>
+        <p:spPr/>
+        <p:txBody>
+          <a:bodyPr/>
+          <a:lstStyle/>
+          <a:p>
+            <a:endParaRPr lang="en-IN"/>
+          </a:p>
+        </p:txBody>
+      </p:sp>
+    </p:spTree>
+    <p:extLst>
+      <p:ext uri="{BB962C8B-B14F-4D97-AF65-F5344CB8AC3E}">
+        <p14:creationId xmlns:p14="http://schemas.microsoft.com/office/powerpoint/2010/main" val="1637384264"/>
       </p:ext>
     </p:extLst>
   </p:cSld>

--- a/source/NeoCortexApi/Documents/Group Presentation[ScalarEncoder with Buckets].pptx
+++ b/source/NeoCortexApi/Documents/Group Presentation[ScalarEncoder with Buckets].pptx
@@ -10,6 +10,8 @@
     <p:sldId id="261" r:id="rId4"/>
     <p:sldId id="262" r:id="rId5"/>
     <p:sldId id="263" r:id="rId6"/>
+    <p:sldId id="264" r:id="rId7"/>
+    <p:sldId id="265" r:id="rId8"/>
   </p:sldIdLst>
   <p:sldSz cx="12192000" cy="6858000"/>
   <p:notesSz cx="6858000" cy="9144000"/>
@@ -129,10 +131,19 @@
         <p14:section name="Introduction" id="{3CCB18DD-DB03-4E98-9518-ED1A274A0614}">
           <p14:sldIdLst>
             <p14:sldId id="262"/>
+          </p14:sldIdLst>
+        </p14:section>
+        <p14:section name="Literature Survey" id="{760B03CA-ABA5-4B58-B8C5-DC5A1AAF99F3}">
+          <p14:sldIdLst>
             <p14:sldId id="263"/>
+            <p14:sldId id="264"/>
+            <p14:sldId id="265"/>
           </p14:sldIdLst>
         </p14:section>
       </p14:sectionLst>
+    </p:ext>
+    <p:ext uri="{EFAFB233-063F-42B5-8137-9DF3F51BA10A}">
+      <p15:sldGuideLst xmlns:p15="http://schemas.microsoft.com/office/powerpoint/2012/main"/>
     </p:ext>
   </p:extLst>
 </p:presentation>
@@ -207,7 +218,7 @@
           <a:p>
             <a:fld id="{1A460770-223A-490F-86CD-F601AF5780BC}" type="datetimeFigureOut">
               <a:rPr lang="en-IN" smtClean="0"/>
-              <a:t>19-03-2023</a:t>
+              <a:t>28-03-2023</a:t>
             </a:fld>
             <a:endParaRPr lang="en-IN"/>
           </a:p>
@@ -450,7 +461,7 @@
           <a:p>
             <a:fld id="{1A460770-223A-490F-86CD-F601AF5780BC}" type="datetimeFigureOut">
               <a:rPr lang="en-IN" smtClean="0"/>
-              <a:t>19-03-2023</a:t>
+              <a:t>28-03-2023</a:t>
             </a:fld>
             <a:endParaRPr lang="en-IN"/>
           </a:p>
@@ -1067,7 +1078,7 @@
         <p:spPr>
           <a:xfrm>
             <a:off x="1429566" y="2286000"/>
-            <a:ext cx="9238434" cy="1548063"/>
+            <a:ext cx="9238434" cy="2403987"/>
           </a:xfrm>
           <a:prstGeom prst="rect">
             <a:avLst/>
@@ -1240,17 +1251,19 @@
             </a:lvl9pPr>
           </a:lstStyle>
           <a:p>
-            <a:pPr algn="ctr"/>
+            <a:pPr algn="just"/>
             <a:r>
-              <a:rPr lang="en-US" dirty="0">
-                <a:solidFill>
-                  <a:schemeClr val="tx1">
-                    <a:lumMod val="95000"/>
-                  </a:schemeClr>
-                </a:solidFill>
+              <a:rPr lang="en-US" dirty="0"/>
+              <a:t>The primary objective </a:t>
+            </a:r>
+            <a:r>
+              <a:rPr lang="en-US" b="0" i="0" dirty="0">
+                <a:effectLst/>
+                <a:latin typeface="Söhne"/>
               </a:rPr>
-              <a:t>The primary The primary objective of this project is to examine the Scalar Encoder with Buckets and understand the implementation by Test Cases.</a:t>
+              <a:t>is to implement scalar encoders with buckets. It seeks to investigate the best practices for selecting the number and breadth of buckets, to compare scalar encoding with buckets to other encoding systems, and to assess the performance of scalar encoding with buckets.</a:t>
             </a:r>
+            <a:endParaRPr lang="en-US" dirty="0"/>
           </a:p>
         </p:txBody>
       </p:sp>
@@ -1333,7 +1346,7 @@
         <p:spPr>
           <a:xfrm>
             <a:off x="756778" y="1690688"/>
-            <a:ext cx="10597023" cy="4524315"/>
+            <a:ext cx="10597023" cy="3416320"/>
           </a:xfrm>
           <a:prstGeom prst="rect">
             <a:avLst/>
@@ -1352,7 +1365,7 @@
             </a:pPr>
             <a:r>
               <a:rPr lang="en-US" sz="3600" dirty="0"/>
-              <a:t>INTRODUCTION	</a:t>
+              <a:t>Introduction	</a:t>
             </a:r>
           </a:p>
           <a:p>
@@ -1362,7 +1375,7 @@
             </a:pPr>
             <a:r>
               <a:rPr lang="en-US" sz="3600" dirty="0"/>
-              <a:t>METHODOLGY</a:t>
+              <a:t>Methodology</a:t>
             </a:r>
           </a:p>
           <a:p>
@@ -1372,7 +1385,7 @@
             </a:pPr>
             <a:r>
               <a:rPr lang="en-US" sz="3600" dirty="0"/>
-              <a:t>ENCODING</a:t>
+              <a:t>Implementation Buckets</a:t>
             </a:r>
           </a:p>
           <a:p>
@@ -1382,7 +1395,7 @@
             </a:pPr>
             <a:r>
               <a:rPr lang="en-US" sz="3600" dirty="0"/>
-              <a:t>WORKING ON SPATIAL POOLER</a:t>
+              <a:t>Testcases</a:t>
             </a:r>
           </a:p>
           <a:p>
@@ -1392,7 +1405,7 @@
             </a:pPr>
             <a:r>
               <a:rPr lang="en-US" sz="3600" dirty="0"/>
-              <a:t>IMPLEMENTATION (LEARNING &amp; EXECUTE TEST CASES)</a:t>
+              <a:t>Results</a:t>
             </a:r>
           </a:p>
           <a:p>
@@ -1402,17 +1415,7 @@
             </a:pPr>
             <a:r>
               <a:rPr lang="en-US" sz="3600" dirty="0"/>
-              <a:t>RESULTS</a:t>
-            </a:r>
-          </a:p>
-          <a:p>
-            <a:pPr marL="571500" indent="-571500">
-              <a:buFont typeface="Arial" panose="020B0604020202020204" pitchFamily="34" charset="0"/>
-              <a:buChar char="•"/>
-            </a:pPr>
-            <a:r>
-              <a:rPr lang="en-US" sz="3600" dirty="0"/>
-              <a:t>CONCLUSION</a:t>
+              <a:t>Conclusion</a:t>
             </a:r>
             <a:endParaRPr lang="en-IN" sz="3600" dirty="0"/>
           </a:p>
@@ -1534,7 +1537,7 @@
         </p:nvSpPr>
         <p:spPr>
           <a:xfrm>
-            <a:off x="643468" y="643467"/>
+            <a:off x="820449" y="192487"/>
             <a:ext cx="4056869" cy="944701"/>
           </a:xfrm>
         </p:spPr>
@@ -2057,8 +2060,8 @@
         </p:nvSpPr>
         <p:spPr>
           <a:xfrm>
-            <a:off x="643468" y="2555847"/>
-            <a:ext cx="5585747" cy="2862322"/>
+            <a:off x="643468" y="1360762"/>
+            <a:ext cx="6416093" cy="4062651"/>
           </a:xfrm>
           <a:prstGeom prst="rect">
             <a:avLst/>
@@ -2071,13 +2074,16 @@
           </a:bodyPr>
           <a:lstStyle/>
           <a:p>
+            <a:endParaRPr lang="en-US" dirty="0"/>
+          </a:p>
+          <a:p>
             <a:pPr marL="285750" indent="-285750">
               <a:buFont typeface="Arial" panose="020B0604020202020204" pitchFamily="34" charset="0"/>
               <a:buChar char="•"/>
             </a:pPr>
             <a:r>
-              <a:rPr lang="en-US" dirty="0"/>
-              <a:t>Medical Science and ML engineers were working on the understanding of cortex for temporal pattern recognition.</a:t>
+              <a:rPr lang="en-US" sz="1600" dirty="0"/>
+              <a:t>Scalar encoder with buckets is a method of transforming continuous data into discrete values that can be utilized for analysis, modeling, and machine learning. It entails segmenting continuous values into intervals or "buckets" and assigning them to the appropriate buckets. This method is adaptable and can be used in a variety of applications such as sensor data analysis, natural language processing, and image classification.</a:t>
             </a:r>
           </a:p>
           <a:p>
@@ -2085,14 +2091,14 @@
               <a:buFont typeface="Arial" panose="020B0604020202020204" pitchFamily="34" charset="0"/>
               <a:buChar char="•"/>
             </a:pPr>
-            <a:endParaRPr lang="en-US" dirty="0"/>
+            <a:endParaRPr lang="en-US" sz="1600" dirty="0"/>
           </a:p>
           <a:p>
             <a:pPr marL="285750" indent="-285750">
               <a:buFont typeface="Arial" panose="020B0604020202020204" pitchFamily="34" charset="0"/>
               <a:buChar char="•"/>
             </a:pPr>
-            <a:endParaRPr lang="en-US" dirty="0"/>
+            <a:endParaRPr lang="en-US" sz="1600" dirty="0"/>
           </a:p>
           <a:p>
             <a:pPr marL="285750" indent="-285750">
@@ -2100,32 +2106,16 @@
               <a:buChar char="•"/>
             </a:pPr>
             <a:r>
-              <a:rPr lang="en-US" b="0" i="0" dirty="0">
-                <a:solidFill>
-                  <a:schemeClr val="tx1">
-                    <a:lumMod val="95000"/>
-                  </a:schemeClr>
-                </a:solidFill>
-                <a:effectLst/>
-                <a:latin typeface="Söhne"/>
-              </a:rPr>
-              <a:t>Scalar Encoder with buckets is a technique used in natural language processing (NLP) to encode numerical values (e.g., prices, temperatures, etc.) into continuous vectors that can be used as inputs to machine learning models</a:t>
-            </a:r>
-            <a:r>
-              <a:rPr lang="en-US" b="0" i="0" dirty="0">
+              <a:rPr lang="en-US" sz="1600" b="0" i="0" dirty="0">
                 <a:solidFill>
                   <a:srgbClr val="374151"/>
                 </a:solidFill>
                 <a:effectLst/>
                 <a:latin typeface="Söhne"/>
               </a:rPr>
-              <a:t>.</a:t>
+              <a:t>Scientists study the cortex to understand sequence learning, and models based on neural readings are used to recognize sequences. However, these models may not work in real-world situations. Hierarchical Temporal Memory (HTM) is a biomimetic model based on the neocortex's features, which has shown promise in pattern recognition and learning the sequences and flow of sensory inputs.</a:t>
             </a:r>
-            <a:endParaRPr lang="en-IN" dirty="0">
-              <a:solidFill>
-                <a:srgbClr val="FFFFFF"/>
-              </a:solidFill>
-            </a:endParaRPr>
+            <a:endParaRPr lang="en-US" sz="1600" dirty="0"/>
           </a:p>
         </p:txBody>
       </p:sp>
@@ -2145,6 +2135,984 @@
 <file path=ppt/slides/slide5.xml><?xml version="1.0" encoding="utf-8"?>
 <p:sld xmlns:a="http://schemas.openxmlformats.org/drawingml/2006/main" xmlns:r="http://schemas.openxmlformats.org/officeDocument/2006/relationships" xmlns:p="http://schemas.openxmlformats.org/presentationml/2006/main">
   <p:cSld>
+    <p:bg>
+      <p:bgPr>
+        <a:solidFill>
+          <a:schemeClr val="bg1"/>
+        </a:solidFill>
+        <a:effectLst/>
+      </p:bgPr>
+    </p:bg>
+    <p:spTree>
+      <p:nvGrpSpPr>
+        <p:cNvPr id="1" name=""/>
+        <p:cNvGrpSpPr/>
+        <p:nvPr/>
+      </p:nvGrpSpPr>
+      <p:grpSpPr>
+        <a:xfrm>
+          <a:off x="0" y="0"/>
+          <a:ext cx="0" cy="0"/>
+          <a:chOff x="0" y="0"/>
+          <a:chExt cx="0" cy="0"/>
+        </a:xfrm>
+      </p:grpSpPr>
+      <p:sp useBgFill="1">
+        <p:nvSpPr>
+          <p:cNvPr id="19" name="Rectangle 12">
+            <a:extLst>
+              <a:ext uri="{FF2B5EF4-FFF2-40B4-BE49-F238E27FC236}">
+                <a16:creationId xmlns:a16="http://schemas.microsoft.com/office/drawing/2014/main" id="{06DA9DF9-31F7-4056-B42E-878CC92417B8}"/>
+              </a:ext>
+              <a:ext uri="{C183D7F6-B498-43B3-948B-1728B52AA6E4}">
+                <adec:decorative xmlns:adec="http://schemas.microsoft.com/office/drawing/2017/decorative" val="1"/>
+              </a:ext>
+            </a:extLst>
+          </p:cNvPr>
+          <p:cNvSpPr>
+            <a:spLocks noGrp="1" noRot="1" noChangeAspect="1" noMove="1" noResize="1" noEditPoints="1" noAdjustHandles="1" noChangeArrowheads="1" noChangeShapeType="1" noTextEdit="1"/>
+          </p:cNvSpPr>
+          <p:nvPr>
+            <p:extLst>
+              <p:ext uri="{386F3935-93C4-4BCD-93E2-E3B085C9AB24}">
+                <p16:designElem xmlns:p16="http://schemas.microsoft.com/office/powerpoint/2015/main" val="1"/>
+              </p:ext>
+            </p:extLst>
+          </p:nvPr>
+        </p:nvSpPr>
+        <p:spPr>
+          <a:xfrm>
+            <a:off x="0" y="0"/>
+            <a:ext cx="12188952" cy="6858000"/>
+          </a:xfrm>
+          <a:prstGeom prst="rect">
+            <a:avLst/>
+          </a:prstGeom>
+          <a:ln>
+            <a:noFill/>
+          </a:ln>
+        </p:spPr>
+        <p:style>
+          <a:lnRef idx="2">
+            <a:schemeClr val="accent1">
+              <a:shade val="50000"/>
+            </a:schemeClr>
+          </a:lnRef>
+          <a:fillRef idx="1">
+            <a:schemeClr val="accent1"/>
+          </a:fillRef>
+          <a:effectRef idx="0">
+            <a:schemeClr val="accent1"/>
+          </a:effectRef>
+          <a:fontRef idx="minor">
+            <a:schemeClr val="lt1"/>
+          </a:fontRef>
+        </p:style>
+        <p:txBody>
+          <a:bodyPr rtlCol="0" anchor="ctr"/>
+          <a:lstStyle/>
+          <a:p>
+            <a:pPr algn="ctr"/>
+            <a:endParaRPr lang="en-US"/>
+          </a:p>
+        </p:txBody>
+      </p:sp>
+      <p:sp>
+        <p:nvSpPr>
+          <p:cNvPr id="7" name="Title 6">
+            <a:extLst>
+              <a:ext uri="{FF2B5EF4-FFF2-40B4-BE49-F238E27FC236}">
+                <a16:creationId xmlns:a16="http://schemas.microsoft.com/office/drawing/2014/main" id="{3E8FD3DC-D75D-57C5-F44D-437B8601DFEE}"/>
+              </a:ext>
+            </a:extLst>
+          </p:cNvPr>
+          <p:cNvSpPr>
+            <a:spLocks noGrp="1"/>
+          </p:cNvSpPr>
+          <p:nvPr>
+            <p:ph type="title"/>
+          </p:nvPr>
+        </p:nvSpPr>
+        <p:spPr>
+          <a:xfrm>
+            <a:off x="732182" y="331566"/>
+            <a:ext cx="4620584" cy="752714"/>
+          </a:xfrm>
+        </p:spPr>
+        <p:txBody>
+          <a:bodyPr vert="horz" lIns="91440" tIns="45720" rIns="91440" bIns="45720" rtlCol="0" anchor="b">
+            <a:normAutofit/>
+          </a:bodyPr>
+          <a:lstStyle/>
+          <a:p>
+            <a:r>
+              <a:rPr lang="en-US" dirty="0"/>
+              <a:t>Literature Survey</a:t>
+            </a:r>
+          </a:p>
+        </p:txBody>
+      </p:sp>
+      <p:pic>
+        <p:nvPicPr>
+          <p:cNvPr id="20" name="Picture 8" descr="Different numbers in white flying around">
+            <a:extLst>
+              <a:ext uri="{FF2B5EF4-FFF2-40B4-BE49-F238E27FC236}">
+                <a16:creationId xmlns:a16="http://schemas.microsoft.com/office/drawing/2014/main" id="{730BD39C-97A9-C443-4EBF-4E2826334507}"/>
+              </a:ext>
+            </a:extLst>
+          </p:cNvPr>
+          <p:cNvPicPr>
+            <a:picLocks noChangeAspect="1"/>
+          </p:cNvPicPr>
+          <p:nvPr/>
+        </p:nvPicPr>
+        <p:blipFill rotWithShape="1">
+          <a:blip r:embed="rId2"/>
+          <a:srcRect l="19186" r="15604"/>
+          <a:stretch/>
+        </p:blipFill>
+        <p:spPr>
+          <a:xfrm>
+            <a:off x="6229215" y="10"/>
+            <a:ext cx="5962785" cy="6857990"/>
+          </a:xfrm>
+          <a:custGeom>
+            <a:avLst/>
+            <a:gdLst/>
+            <a:ahLst/>
+            <a:cxnLst/>
+            <a:rect l="l" t="t" r="r" b="b"/>
+            <a:pathLst>
+              <a:path w="5962785" h="6858000">
+                <a:moveTo>
+                  <a:pt x="1044839" y="0"/>
+                </a:moveTo>
+                <a:lnTo>
+                  <a:pt x="5962785" y="0"/>
+                </a:lnTo>
+                <a:lnTo>
+                  <a:pt x="5962785" y="6858000"/>
+                </a:lnTo>
+                <a:lnTo>
+                  <a:pt x="1469886" y="6858000"/>
+                </a:lnTo>
+                <a:lnTo>
+                  <a:pt x="1416006" y="6823984"/>
+                </a:lnTo>
+                <a:cubicBezTo>
+                  <a:pt x="1356767" y="6787940"/>
+                  <a:pt x="1296437" y="6755500"/>
+                  <a:pt x="1232473" y="6733873"/>
+                </a:cubicBezTo>
+                <a:cubicBezTo>
+                  <a:pt x="1145250" y="6705037"/>
+                  <a:pt x="1060933" y="6654575"/>
+                  <a:pt x="1075471" y="6503186"/>
+                </a:cubicBezTo>
+                <a:cubicBezTo>
+                  <a:pt x="1078378" y="6459932"/>
+                  <a:pt x="1055118" y="6427493"/>
+                  <a:pt x="1020229" y="6438306"/>
+                </a:cubicBezTo>
+                <a:cubicBezTo>
+                  <a:pt x="953358" y="6459932"/>
+                  <a:pt x="921375" y="6398656"/>
+                  <a:pt x="883579" y="6351798"/>
+                </a:cubicBezTo>
+                <a:cubicBezTo>
+                  <a:pt x="816707" y="6268895"/>
+                  <a:pt x="752743" y="6182387"/>
+                  <a:pt x="645167" y="6167969"/>
+                </a:cubicBezTo>
+                <a:cubicBezTo>
+                  <a:pt x="665519" y="6103088"/>
+                  <a:pt x="700408" y="6110298"/>
+                  <a:pt x="732391" y="6124716"/>
+                </a:cubicBezTo>
+                <a:cubicBezTo>
+                  <a:pt x="816707" y="6160761"/>
+                  <a:pt x="901023" y="6200410"/>
+                  <a:pt x="985339" y="6236455"/>
+                </a:cubicBezTo>
+                <a:cubicBezTo>
+                  <a:pt x="1040581" y="6258081"/>
+                  <a:pt x="1095822" y="6290522"/>
+                  <a:pt x="1168509" y="6265291"/>
+                </a:cubicBezTo>
+                <a:cubicBezTo>
+                  <a:pt x="1104545" y="6135530"/>
+                  <a:pt x="996969" y="6110298"/>
+                  <a:pt x="909746" y="6070649"/>
+                </a:cubicBezTo>
+                <a:cubicBezTo>
+                  <a:pt x="802169" y="6020185"/>
+                  <a:pt x="738206" y="5926470"/>
+                  <a:pt x="659704" y="5818335"/>
+                </a:cubicBezTo>
+                <a:cubicBezTo>
+                  <a:pt x="738206" y="5789500"/>
+                  <a:pt x="787632" y="5868798"/>
+                  <a:pt x="851597" y="5865193"/>
+                </a:cubicBezTo>
+                <a:cubicBezTo>
+                  <a:pt x="854504" y="5854380"/>
+                  <a:pt x="860319" y="5832753"/>
+                  <a:pt x="860319" y="5832753"/>
+                </a:cubicBezTo>
+                <a:cubicBezTo>
+                  <a:pt x="755650" y="5775081"/>
+                  <a:pt x="709132" y="5666947"/>
+                  <a:pt x="691686" y="5533581"/>
+                </a:cubicBezTo>
+                <a:cubicBezTo>
+                  <a:pt x="685872" y="5465095"/>
+                  <a:pt x="648075" y="5443468"/>
+                  <a:pt x="610278" y="5411029"/>
+                </a:cubicBezTo>
+                <a:cubicBezTo>
+                  <a:pt x="482350" y="5299289"/>
+                  <a:pt x="345700" y="5198364"/>
+                  <a:pt x="238123" y="5046976"/>
+                </a:cubicBezTo>
+                <a:cubicBezTo>
+                  <a:pt x="363144" y="5064998"/>
+                  <a:pt x="461997" y="5165924"/>
+                  <a:pt x="592833" y="5209177"/>
+                </a:cubicBezTo>
+                <a:cubicBezTo>
+                  <a:pt x="488165" y="5043371"/>
+                  <a:pt x="351514" y="4956864"/>
+                  <a:pt x="226494" y="4855939"/>
+                </a:cubicBezTo>
+                <a:cubicBezTo>
+                  <a:pt x="168344" y="4809081"/>
+                  <a:pt x="116011" y="4751408"/>
+                  <a:pt x="49139" y="4726177"/>
+                </a:cubicBezTo>
+                <a:cubicBezTo>
+                  <a:pt x="25879" y="4718968"/>
+                  <a:pt x="-14825" y="4700947"/>
+                  <a:pt x="5527" y="4650483"/>
+                </a:cubicBezTo>
+                <a:cubicBezTo>
+                  <a:pt x="22972" y="4607230"/>
+                  <a:pt x="54954" y="4621648"/>
+                  <a:pt x="84029" y="4632460"/>
+                </a:cubicBezTo>
+                <a:cubicBezTo>
+                  <a:pt x="153807" y="4661296"/>
+                  <a:pt x="229401" y="4661296"/>
+                  <a:pt x="325347" y="4661296"/>
+                </a:cubicBezTo>
+                <a:cubicBezTo>
+                  <a:pt x="243939" y="4524326"/>
+                  <a:pt x="95658" y="4567580"/>
+                  <a:pt x="25879" y="4423401"/>
+                </a:cubicBezTo>
+                <a:cubicBezTo>
+                  <a:pt x="113103" y="4398170"/>
+                  <a:pt x="179975" y="4448632"/>
+                  <a:pt x="249753" y="4459446"/>
+                </a:cubicBezTo>
+                <a:cubicBezTo>
+                  <a:pt x="313718" y="4470259"/>
+                  <a:pt x="328254" y="4445028"/>
+                  <a:pt x="313718" y="4365729"/>
+                </a:cubicBezTo>
+                <a:cubicBezTo>
+                  <a:pt x="290458" y="4243177"/>
+                  <a:pt x="325347" y="4181900"/>
+                  <a:pt x="418386" y="4214341"/>
+                </a:cubicBezTo>
+                <a:cubicBezTo>
+                  <a:pt x="505609" y="4246781"/>
+                  <a:pt x="514332" y="4199922"/>
+                  <a:pt x="491072" y="4131438"/>
+                </a:cubicBezTo>
+                <a:cubicBezTo>
+                  <a:pt x="456183" y="4030512"/>
+                  <a:pt x="493979" y="3951214"/>
+                  <a:pt x="520147" y="3864706"/>
+                </a:cubicBezTo>
+                <a:cubicBezTo>
+                  <a:pt x="560851" y="3734945"/>
+                  <a:pt x="543407" y="3670064"/>
+                  <a:pt x="459090" y="3572743"/>
+                </a:cubicBezTo>
+                <a:cubicBezTo>
+                  <a:pt x="409664" y="3518676"/>
+                  <a:pt x="360236" y="3471818"/>
+                  <a:pt x="290458" y="3424959"/>
+                </a:cubicBezTo>
+                <a:cubicBezTo>
+                  <a:pt x="450368" y="3399728"/>
+                  <a:pt x="284643" y="3313221"/>
+                  <a:pt x="339884" y="3259153"/>
+                </a:cubicBezTo>
+                <a:cubicBezTo>
+                  <a:pt x="453275" y="3237527"/>
+                  <a:pt x="543407" y="3410542"/>
+                  <a:pt x="697501" y="3360078"/>
+                </a:cubicBezTo>
+                <a:cubicBezTo>
+                  <a:pt x="511425" y="3212294"/>
+                  <a:pt x="302087" y="3165436"/>
+                  <a:pt x="165437" y="2967190"/>
+                </a:cubicBezTo>
+                <a:cubicBezTo>
+                  <a:pt x="197419" y="2923937"/>
+                  <a:pt x="229401" y="2967190"/>
+                  <a:pt x="255568" y="2949167"/>
+                </a:cubicBezTo>
+                <a:cubicBezTo>
+                  <a:pt x="255568" y="2938354"/>
+                  <a:pt x="560851" y="3006840"/>
+                  <a:pt x="578296" y="2725691"/>
+                </a:cubicBezTo>
+                <a:cubicBezTo>
+                  <a:pt x="584111" y="2725691"/>
+                  <a:pt x="589926" y="2725691"/>
+                  <a:pt x="595740" y="2714876"/>
+                </a:cubicBezTo>
+                <a:cubicBezTo>
+                  <a:pt x="627722" y="2675228"/>
+                  <a:pt x="598648" y="2581510"/>
+                  <a:pt x="650982" y="2574301"/>
+                </a:cubicBezTo>
+                <a:cubicBezTo>
+                  <a:pt x="709132" y="2567092"/>
+                  <a:pt x="764373" y="2534653"/>
+                  <a:pt x="825429" y="2552674"/>
+                </a:cubicBezTo>
+                <a:cubicBezTo>
+                  <a:pt x="871949" y="2567092"/>
+                  <a:pt x="921375" y="2585115"/>
+                  <a:pt x="970802" y="2585115"/>
+                </a:cubicBezTo>
+                <a:cubicBezTo>
+                  <a:pt x="1023136" y="2585115"/>
+                  <a:pt x="1095822" y="2707668"/>
+                  <a:pt x="1127805" y="2545465"/>
+                </a:cubicBezTo>
+                <a:cubicBezTo>
+                  <a:pt x="1127805" y="2538257"/>
+                  <a:pt x="1217936" y="2556280"/>
+                  <a:pt x="1267362" y="2563488"/>
+                </a:cubicBezTo>
+                <a:cubicBezTo>
+                  <a:pt x="1308067" y="2570698"/>
+                  <a:pt x="1357494" y="2603137"/>
+                  <a:pt x="1386568" y="2538257"/>
+                </a:cubicBezTo>
+                <a:cubicBezTo>
+                  <a:pt x="1401105" y="2498607"/>
+                  <a:pt x="1331326" y="2426518"/>
+                  <a:pt x="1270270" y="2419309"/>
+                </a:cubicBezTo>
+                <a:cubicBezTo>
+                  <a:pt x="1215029" y="2412101"/>
+                  <a:pt x="1159787" y="2404892"/>
+                  <a:pt x="1107453" y="2419309"/>
+                </a:cubicBezTo>
+                <a:cubicBezTo>
+                  <a:pt x="1043489" y="2437331"/>
+                  <a:pt x="1008599" y="2408495"/>
+                  <a:pt x="991154" y="2343615"/>
+                </a:cubicBezTo>
+                <a:cubicBezTo>
+                  <a:pt x="970802" y="2275131"/>
+                  <a:pt x="933005" y="2239085"/>
+                  <a:pt x="880671" y="2206645"/>
+                </a:cubicBezTo>
+                <a:cubicBezTo>
+                  <a:pt x="752743" y="2127346"/>
+                  <a:pt x="630630" y="2033629"/>
+                  <a:pt x="491072" y="1986771"/>
+                </a:cubicBezTo>
+                <a:cubicBezTo>
+                  <a:pt x="464905" y="1979562"/>
+                  <a:pt x="432923" y="1965145"/>
+                  <a:pt x="421293" y="1903868"/>
+                </a:cubicBezTo>
+                <a:cubicBezTo>
+                  <a:pt x="799262" y="1997584"/>
+                  <a:pt x="1142342" y="2239085"/>
+                  <a:pt x="1531941" y="2224667"/>
+                </a:cubicBezTo>
+                <a:cubicBezTo>
+                  <a:pt x="1427272" y="2148974"/>
+                  <a:pt x="1302252" y="2145369"/>
+                  <a:pt x="1188861" y="2091301"/>
+                </a:cubicBezTo>
+                <a:cubicBezTo>
+                  <a:pt x="1270270" y="2051652"/>
+                  <a:pt x="1345864" y="2094906"/>
+                  <a:pt x="1421458" y="2116532"/>
+                </a:cubicBezTo>
+                <a:cubicBezTo>
+                  <a:pt x="1485422" y="2134554"/>
+                  <a:pt x="1543571" y="2138160"/>
+                  <a:pt x="1549386" y="2026420"/>
+                </a:cubicBezTo>
+                <a:cubicBezTo>
+                  <a:pt x="1549386" y="2015607"/>
+                  <a:pt x="1549386" y="2008398"/>
+                  <a:pt x="1549386" y="1997584"/>
+                </a:cubicBezTo>
+                <a:cubicBezTo>
+                  <a:pt x="1526126" y="1950727"/>
+                  <a:pt x="1494144" y="1929099"/>
+                  <a:pt x="1453440" y="1914682"/>
+                </a:cubicBezTo>
+                <a:cubicBezTo>
+                  <a:pt x="1430180" y="1907473"/>
+                  <a:pt x="1398198" y="1893056"/>
+                  <a:pt x="1398198" y="1860614"/>
+                </a:cubicBezTo>
+                <a:cubicBezTo>
+                  <a:pt x="1401105" y="1738063"/>
+                  <a:pt x="1322604" y="1702018"/>
+                  <a:pt x="1247011" y="1665972"/>
+                </a:cubicBezTo>
+                <a:cubicBezTo>
+                  <a:pt x="1287715" y="1604696"/>
+                  <a:pt x="1322604" y="1647950"/>
+                  <a:pt x="1354586" y="1644345"/>
+                </a:cubicBezTo>
+                <a:cubicBezTo>
+                  <a:pt x="1374939" y="1640741"/>
+                  <a:pt x="1395290" y="1637138"/>
+                  <a:pt x="1395290" y="1604696"/>
+                </a:cubicBezTo>
+                <a:cubicBezTo>
+                  <a:pt x="1395290" y="1579465"/>
+                  <a:pt x="1386568" y="1547025"/>
+                  <a:pt x="1366216" y="1547025"/>
+                </a:cubicBezTo>
+                <a:cubicBezTo>
+                  <a:pt x="1238288" y="1543420"/>
+                  <a:pt x="1165601" y="1370405"/>
+                  <a:pt x="1031858" y="1370405"/>
+                </a:cubicBezTo>
+                <a:cubicBezTo>
+                  <a:pt x="950450" y="1370405"/>
+                  <a:pt x="1072563" y="1273083"/>
+                  <a:pt x="1005692" y="1233435"/>
+                </a:cubicBezTo>
+                <a:cubicBezTo>
+                  <a:pt x="991154" y="1222621"/>
+                  <a:pt x="1046396" y="1208203"/>
+                  <a:pt x="1069655" y="1211808"/>
+                </a:cubicBezTo>
+                <a:cubicBezTo>
+                  <a:pt x="1092915" y="1215412"/>
+                  <a:pt x="1113268" y="1240644"/>
+                  <a:pt x="1142342" y="1222621"/>
+                </a:cubicBezTo>
+                <a:cubicBezTo>
+                  <a:pt x="1156879" y="1157741"/>
+                  <a:pt x="1119082" y="1132510"/>
+                  <a:pt x="1084193" y="1114487"/>
+                </a:cubicBezTo>
+                <a:cubicBezTo>
+                  <a:pt x="1008599" y="1071234"/>
+                  <a:pt x="933005" y="1020771"/>
+                  <a:pt x="848689" y="1006353"/>
+                </a:cubicBezTo>
+                <a:cubicBezTo>
+                  <a:pt x="819615" y="1002748"/>
+                  <a:pt x="802169" y="984726"/>
+                  <a:pt x="805077" y="948681"/>
+                </a:cubicBezTo>
+                <a:cubicBezTo>
+                  <a:pt x="810892" y="901822"/>
+                  <a:pt x="839967" y="916240"/>
+                  <a:pt x="863226" y="919844"/>
+                </a:cubicBezTo>
+                <a:cubicBezTo>
+                  <a:pt x="877764" y="923450"/>
+                  <a:pt x="892301" y="934263"/>
+                  <a:pt x="906838" y="909031"/>
+                </a:cubicBezTo>
+                <a:cubicBezTo>
+                  <a:pt x="566666" y="653113"/>
+                  <a:pt x="386404" y="667532"/>
+                  <a:pt x="5527" y="458471"/>
+                </a:cubicBezTo>
+                <a:cubicBezTo>
+                  <a:pt x="89843" y="418822"/>
+                  <a:pt x="150900" y="447658"/>
+                  <a:pt x="209049" y="454867"/>
+                </a:cubicBezTo>
+                <a:cubicBezTo>
+                  <a:pt x="354422" y="472890"/>
+                  <a:pt x="264290" y="505329"/>
+                  <a:pt x="409664" y="526956"/>
+                </a:cubicBezTo>
+                <a:cubicBezTo>
+                  <a:pt x="479443" y="537770"/>
+                  <a:pt x="543407" y="573815"/>
+                  <a:pt x="621908" y="516143"/>
+                </a:cubicBezTo>
+                <a:cubicBezTo>
+                  <a:pt x="674242" y="476494"/>
+                  <a:pt x="758558" y="519747"/>
+                  <a:pt x="822522" y="552188"/>
+                </a:cubicBezTo>
+                <a:cubicBezTo>
+                  <a:pt x="874856" y="581024"/>
+                  <a:pt x="927190" y="588232"/>
+                  <a:pt x="996969" y="552188"/>
+                </a:cubicBezTo>
+                <a:cubicBezTo>
+                  <a:pt x="933005" y="530562"/>
+                  <a:pt x="883579" y="512539"/>
+                  <a:pt x="834151" y="498120"/>
+                </a:cubicBezTo>
+                <a:cubicBezTo>
+                  <a:pt x="793447" y="487307"/>
+                  <a:pt x="770187" y="462076"/>
+                  <a:pt x="773095" y="408008"/>
+                </a:cubicBezTo>
+                <a:cubicBezTo>
+                  <a:pt x="773095" y="379172"/>
+                  <a:pt x="764373" y="339523"/>
+                  <a:pt x="793447" y="325106"/>
+                </a:cubicBezTo>
+                <a:cubicBezTo>
+                  <a:pt x="816707" y="310688"/>
+                  <a:pt x="848689" y="325106"/>
+                  <a:pt x="860319" y="350336"/>
+                </a:cubicBezTo>
+                <a:cubicBezTo>
+                  <a:pt x="874856" y="397195"/>
+                  <a:pt x="889393" y="440449"/>
+                  <a:pt x="938820" y="444054"/>
+                </a:cubicBezTo>
+                <a:cubicBezTo>
+                  <a:pt x="1005692" y="451262"/>
+                  <a:pt x="967894" y="422426"/>
+                  <a:pt x="956265" y="386381"/>
+                </a:cubicBezTo>
+                <a:cubicBezTo>
+                  <a:pt x="944635" y="346733"/>
+                  <a:pt x="979525" y="335919"/>
+                  <a:pt x="1002784" y="343127"/>
+                </a:cubicBezTo>
+                <a:cubicBezTo>
+                  <a:pt x="1090008" y="375569"/>
+                  <a:pt x="1180139" y="317897"/>
+                  <a:pt x="1270270" y="364755"/>
+                </a:cubicBezTo>
+                <a:cubicBezTo>
+                  <a:pt x="1247011" y="249411"/>
+                  <a:pt x="1197583" y="198949"/>
+                  <a:pt x="1092915" y="180926"/>
+                </a:cubicBezTo>
+                <a:cubicBezTo>
+                  <a:pt x="1055118" y="177322"/>
+                  <a:pt x="1014414" y="184530"/>
+                  <a:pt x="979525" y="152090"/>
+                </a:cubicBezTo>
+                <a:cubicBezTo>
+                  <a:pt x="959172" y="134068"/>
+                  <a:pt x="938820" y="112441"/>
+                  <a:pt x="953358" y="76396"/>
+                </a:cubicBezTo>
+                <a:cubicBezTo>
+                  <a:pt x="962080" y="51165"/>
+                  <a:pt x="985339" y="51165"/>
+                  <a:pt x="1005692" y="58373"/>
+                </a:cubicBezTo>
+                <a:cubicBezTo>
+                  <a:pt x="1090008" y="98023"/>
+                  <a:pt x="1180139" y="108837"/>
+                  <a:pt x="1267362" y="123254"/>
+                </a:cubicBezTo>
+                <a:cubicBezTo>
+                  <a:pt x="1281900" y="126859"/>
+                  <a:pt x="1296437" y="134068"/>
+                  <a:pt x="1310975" y="98023"/>
+                </a:cubicBezTo>
+                <a:cubicBezTo>
+                  <a:pt x="1260095" y="81803"/>
+                  <a:pt x="1209941" y="62879"/>
+                  <a:pt x="1159787" y="43505"/>
+                </a:cubicBezTo>
+                <a:close/>
+              </a:path>
+            </a:pathLst>
+          </a:custGeom>
+        </p:spPr>
+      </p:pic>
+      <p:sp>
+        <p:nvSpPr>
+          <p:cNvPr id="3" name="TextBox 2">
+            <a:extLst>
+              <a:ext uri="{FF2B5EF4-FFF2-40B4-BE49-F238E27FC236}">
+                <a16:creationId xmlns:a16="http://schemas.microsoft.com/office/drawing/2014/main" id="{541302B1-CDCF-10C4-5F3F-A7FFABE7620C}"/>
+              </a:ext>
+            </a:extLst>
+          </p:cNvPr>
+          <p:cNvSpPr txBox="1"/>
+          <p:nvPr/>
+        </p:nvSpPr>
+        <p:spPr>
+          <a:xfrm>
+            <a:off x="732182" y="1415846"/>
+            <a:ext cx="5014452" cy="4801314"/>
+          </a:xfrm>
+          <a:prstGeom prst="rect">
+            <a:avLst/>
+          </a:prstGeom>
+          <a:noFill/>
+        </p:spPr>
+        <p:txBody>
+          <a:bodyPr wrap="square" rtlCol="0">
+            <a:spAutoFit/>
+          </a:bodyPr>
+          <a:lstStyle/>
+          <a:p>
+            <a:pPr marL="285750" indent="-285750">
+              <a:buFont typeface="Arial" panose="020B0604020202020204" pitchFamily="34" charset="0"/>
+              <a:buChar char="•"/>
+            </a:pPr>
+            <a:r>
+              <a:rPr lang="en-US" dirty="0"/>
+              <a:t>Sparse Distributed representations (SDRs) are used for input patterns in the HTM language. </a:t>
+            </a:r>
+          </a:p>
+          <a:p>
+            <a:pPr marL="285750" indent="-285750">
+              <a:buFont typeface="Arial" panose="020B0604020202020204" pitchFamily="34" charset="0"/>
+              <a:buChar char="•"/>
+            </a:pPr>
+            <a:endParaRPr lang="en-US" dirty="0"/>
+          </a:p>
+          <a:p>
+            <a:pPr marL="285750" indent="-285750">
+              <a:buFont typeface="Arial" panose="020B0604020202020204" pitchFamily="34" charset="0"/>
+              <a:buChar char="•"/>
+            </a:pPr>
+            <a:r>
+              <a:rPr lang="en-US" dirty="0"/>
+              <a:t>SDRs are high-dimensional binary vectors with only a small fraction of bits set to 1, allowing them to store and process huge quantities of data efficiently. </a:t>
+            </a:r>
+          </a:p>
+          <a:p>
+            <a:pPr marL="285750" indent="-285750">
+              <a:buFont typeface="Arial" panose="020B0604020202020204" pitchFamily="34" charset="0"/>
+              <a:buChar char="•"/>
+            </a:pPr>
+            <a:endParaRPr lang="en-US" dirty="0"/>
+          </a:p>
+          <a:p>
+            <a:pPr marL="285750" indent="-285750">
+              <a:buFont typeface="Arial" panose="020B0604020202020204" pitchFamily="34" charset="0"/>
+              <a:buChar char="•"/>
+            </a:pPr>
+            <a:r>
+              <a:rPr lang="en-US" dirty="0"/>
+              <a:t>SDRs are vital in learning in HTM because two inputs with comparable semantic significance must have equal active bit representation.</a:t>
+            </a:r>
+          </a:p>
+          <a:p>
+            <a:pPr marL="285750" indent="-285750">
+              <a:buFont typeface="Arial" panose="020B0604020202020204" pitchFamily="34" charset="0"/>
+              <a:buChar char="•"/>
+            </a:pPr>
+            <a:endParaRPr lang="en-US" dirty="0"/>
+          </a:p>
+          <a:p>
+            <a:pPr marL="285750" indent="-285750">
+              <a:buFont typeface="Arial" panose="020B0604020202020204" pitchFamily="34" charset="0"/>
+              <a:buChar char="•"/>
+            </a:pPr>
+            <a:r>
+              <a:rPr lang="en-US" dirty="0"/>
+              <a:t> To use HTM, data must first be transformed into an SDR using an encoder that captures the data's significant semantic properties.</a:t>
+            </a:r>
+          </a:p>
+          <a:p>
+            <a:pPr marL="285750" indent="-285750">
+              <a:buFont typeface="Arial" panose="020B0604020202020204" pitchFamily="34" charset="0"/>
+              <a:buChar char="•"/>
+            </a:pPr>
+            <a:endParaRPr lang="en-US" dirty="0"/>
+          </a:p>
+          <a:p>
+            <a:pPr marL="285750" indent="-285750">
+              <a:buFont typeface="Arial" panose="020B0604020202020204" pitchFamily="34" charset="0"/>
+              <a:buChar char="•"/>
+            </a:pPr>
+            <a:endParaRPr lang="en-IN" dirty="0"/>
+          </a:p>
+        </p:txBody>
+      </p:sp>
+    </p:spTree>
+    <p:extLst>
+      <p:ext uri="{BB962C8B-B14F-4D97-AF65-F5344CB8AC3E}">
+        <p14:creationId xmlns:p14="http://schemas.microsoft.com/office/powerpoint/2010/main" val="1637384264"/>
+      </p:ext>
+    </p:extLst>
+  </p:cSld>
+  <p:clrMapOvr>
+    <a:masterClrMapping/>
+  </p:clrMapOvr>
+</p:sld>
+</file>
+
+<file path=ppt/slides/slide6.xml><?xml version="1.0" encoding="utf-8"?>
+<p:sld xmlns:a="http://schemas.openxmlformats.org/drawingml/2006/main" xmlns:r="http://schemas.openxmlformats.org/officeDocument/2006/relationships" xmlns:p="http://schemas.openxmlformats.org/presentationml/2006/main">
+  <p:cSld>
+    <p:bg>
+      <p:bgPr>
+        <a:solidFill>
+          <a:schemeClr val="bg1"/>
+        </a:solidFill>
+        <a:effectLst/>
+      </p:bgPr>
+    </p:bg>
+    <p:spTree>
+      <p:nvGrpSpPr>
+        <p:cNvPr id="1" name=""/>
+        <p:cNvGrpSpPr/>
+        <p:nvPr/>
+      </p:nvGrpSpPr>
+      <p:grpSpPr>
+        <a:xfrm>
+          <a:off x="0" y="0"/>
+          <a:ext cx="0" cy="0"/>
+          <a:chOff x="0" y="0"/>
+          <a:chExt cx="0" cy="0"/>
+        </a:xfrm>
+      </p:grpSpPr>
+      <p:sp useBgFill="1">
+        <p:nvSpPr>
+          <p:cNvPr id="15" name="Rectangle 14">
+            <a:extLst>
+              <a:ext uri="{FF2B5EF4-FFF2-40B4-BE49-F238E27FC236}">
+                <a16:creationId xmlns:a16="http://schemas.microsoft.com/office/drawing/2014/main" id="{ECC07320-C2CA-4E29-8481-9D9E143C7788}"/>
+              </a:ext>
+              <a:ext uri="{C183D7F6-B498-43B3-948B-1728B52AA6E4}">
+                <adec:decorative xmlns:adec="http://schemas.microsoft.com/office/drawing/2017/decorative" val="1"/>
+              </a:ext>
+            </a:extLst>
+          </p:cNvPr>
+          <p:cNvSpPr>
+            <a:spLocks noGrp="1" noRot="1" noChangeAspect="1" noMove="1" noResize="1" noEditPoints="1" noAdjustHandles="1" noChangeArrowheads="1" noChangeShapeType="1" noTextEdit="1"/>
+          </p:cNvSpPr>
+          <p:nvPr>
+            <p:extLst>
+              <p:ext uri="{386F3935-93C4-4BCD-93E2-E3B085C9AB24}">
+                <p16:designElem xmlns:p16="http://schemas.microsoft.com/office/powerpoint/2015/main" val="1"/>
+              </p:ext>
+            </p:extLst>
+          </p:nvPr>
+        </p:nvSpPr>
+        <p:spPr>
+          <a:xfrm>
+            <a:off x="-1" y="0"/>
+            <a:ext cx="12188952" cy="6858000"/>
+          </a:xfrm>
+          <a:prstGeom prst="rect">
+            <a:avLst/>
+          </a:prstGeom>
+          <a:ln>
+            <a:noFill/>
+          </a:ln>
+        </p:spPr>
+        <p:style>
+          <a:lnRef idx="2">
+            <a:schemeClr val="accent1">
+              <a:shade val="50000"/>
+            </a:schemeClr>
+          </a:lnRef>
+          <a:fillRef idx="1">
+            <a:schemeClr val="accent1"/>
+          </a:fillRef>
+          <a:effectRef idx="0">
+            <a:schemeClr val="accent1"/>
+          </a:effectRef>
+          <a:fontRef idx="minor">
+            <a:schemeClr val="lt1"/>
+          </a:fontRef>
+        </p:style>
+        <p:txBody>
+          <a:bodyPr rtlCol="0" anchor="ctr"/>
+          <a:lstStyle/>
+          <a:p>
+            <a:pPr algn="ctr"/>
+            <a:endParaRPr lang="en-US"/>
+          </a:p>
+        </p:txBody>
+      </p:sp>
+      <p:pic>
+        <p:nvPicPr>
+          <p:cNvPr id="4" name="Picture 3" descr="Different numbers in white flying around">
+            <a:extLst>
+              <a:ext uri="{FF2B5EF4-FFF2-40B4-BE49-F238E27FC236}">
+                <a16:creationId xmlns:a16="http://schemas.microsoft.com/office/drawing/2014/main" id="{B73026E4-D821-3705-5E43-FB5BE83A98C3}"/>
+              </a:ext>
+            </a:extLst>
+          </p:cNvPr>
+          <p:cNvPicPr>
+            <a:picLocks noChangeAspect="1"/>
+          </p:cNvPicPr>
+          <p:nvPr/>
+        </p:nvPicPr>
+        <p:blipFill rotWithShape="1">
+          <a:blip r:embed="rId2"/>
+          <a:srcRect t="2465" b="2971"/>
+          <a:stretch/>
+        </p:blipFill>
+        <p:spPr>
+          <a:xfrm>
+            <a:off x="1" y="10"/>
+            <a:ext cx="9669642" cy="6857990"/>
+          </a:xfrm>
+          <a:prstGeom prst="rect">
+            <a:avLst/>
+          </a:prstGeom>
+        </p:spPr>
+      </p:pic>
+      <p:sp>
+        <p:nvSpPr>
+          <p:cNvPr id="17" name="Rectangle 16">
+            <a:extLst>
+              <a:ext uri="{FF2B5EF4-FFF2-40B4-BE49-F238E27FC236}">
+                <a16:creationId xmlns:a16="http://schemas.microsoft.com/office/drawing/2014/main" id="{178FB36B-5BFE-42CA-BC60-1115E0D95EEC}"/>
+              </a:ext>
+              <a:ext uri="{C183D7F6-B498-43B3-948B-1728B52AA6E4}">
+                <adec:decorative xmlns:adec="http://schemas.microsoft.com/office/drawing/2017/decorative" val="1"/>
+              </a:ext>
+            </a:extLst>
+          </p:cNvPr>
+          <p:cNvSpPr>
+            <a:spLocks noGrp="1" noRot="1" noChangeAspect="1" noMove="1" noResize="1" noEditPoints="1" noAdjustHandles="1" noChangeArrowheads="1" noChangeShapeType="1" noTextEdit="1"/>
+          </p:cNvSpPr>
+          <p:nvPr>
+            <p:extLst>
+              <p:ext uri="{386F3935-93C4-4BCD-93E2-E3B085C9AB24}">
+                <p16:designElem xmlns:p16="http://schemas.microsoft.com/office/powerpoint/2015/main" val="1"/>
+              </p:ext>
+            </p:extLst>
+          </p:nvPr>
+        </p:nvSpPr>
+        <p:spPr>
+          <a:xfrm flipH="1">
+            <a:off x="5125019" y="0"/>
+            <a:ext cx="7066978" cy="6858000"/>
+          </a:xfrm>
+          <a:prstGeom prst="rect">
+            <a:avLst/>
+          </a:prstGeom>
+          <a:gradFill>
+            <a:gsLst>
+              <a:gs pos="48000">
+                <a:schemeClr val="bg1"/>
+              </a:gs>
+              <a:gs pos="35000">
+                <a:schemeClr val="bg1">
+                  <a:alpha val="77000"/>
+                </a:schemeClr>
+              </a:gs>
+              <a:gs pos="19000">
+                <a:schemeClr val="bg1">
+                  <a:alpha val="38000"/>
+                </a:schemeClr>
+              </a:gs>
+              <a:gs pos="0">
+                <a:schemeClr val="bg1">
+                  <a:alpha val="0"/>
+                </a:schemeClr>
+              </a:gs>
+              <a:gs pos="100000">
+                <a:schemeClr val="bg1"/>
+              </a:gs>
+            </a:gsLst>
+            <a:lin ang="10800000" scaled="0"/>
+          </a:gradFill>
+          <a:ln>
+            <a:noFill/>
+          </a:ln>
+        </p:spPr>
+        <p:style>
+          <a:lnRef idx="2">
+            <a:schemeClr val="accent1">
+              <a:shade val="50000"/>
+            </a:schemeClr>
+          </a:lnRef>
+          <a:fillRef idx="1">
+            <a:schemeClr val="accent1"/>
+          </a:fillRef>
+          <a:effectRef idx="0">
+            <a:schemeClr val="accent1"/>
+          </a:effectRef>
+          <a:fontRef idx="minor">
+            <a:schemeClr val="lt1"/>
+          </a:fontRef>
+        </p:style>
+        <p:txBody>
+          <a:bodyPr rtlCol="0" anchor="ctr"/>
+          <a:lstStyle/>
+          <a:p>
+            <a:pPr algn="ctr"/>
+            <a:endParaRPr lang="en-US" dirty="0"/>
+          </a:p>
+        </p:txBody>
+      </p:sp>
+      <p:sp>
+        <p:nvSpPr>
+          <p:cNvPr id="2" name="Title 1">
+            <a:extLst>
+              <a:ext uri="{FF2B5EF4-FFF2-40B4-BE49-F238E27FC236}">
+                <a16:creationId xmlns:a16="http://schemas.microsoft.com/office/drawing/2014/main" id="{9D16A129-8623-D385-31EC-24B8D7FBF6BB}"/>
+              </a:ext>
+            </a:extLst>
+          </p:cNvPr>
+          <p:cNvSpPr>
+            <a:spLocks noGrp="1"/>
+          </p:cNvSpPr>
+          <p:nvPr>
+            <p:ph type="title"/>
+          </p:nvPr>
+        </p:nvSpPr>
+        <p:spPr>
+          <a:xfrm>
+            <a:off x="7737974" y="733056"/>
+            <a:ext cx="4180398" cy="617762"/>
+          </a:xfrm>
+          <a:noFill/>
+        </p:spPr>
+        <p:txBody>
+          <a:bodyPr vert="horz" lIns="91440" tIns="45720" rIns="91440" bIns="45720" rtlCol="0" anchor="b">
+            <a:normAutofit/>
+          </a:bodyPr>
+          <a:lstStyle/>
+          <a:p>
+            <a:endParaRPr lang="en-US" sz="1800" dirty="0">
+              <a:latin typeface="+mn-lt"/>
+            </a:endParaRPr>
+          </a:p>
+        </p:txBody>
+      </p:sp>
+    </p:spTree>
+    <p:extLst>
+      <p:ext uri="{BB962C8B-B14F-4D97-AF65-F5344CB8AC3E}">
+        <p14:creationId xmlns:p14="http://schemas.microsoft.com/office/powerpoint/2010/main" val="2368416772"/>
+      </p:ext>
+    </p:extLst>
+  </p:cSld>
+  <p:clrMapOvr>
+    <a:masterClrMapping/>
+  </p:clrMapOvr>
+</p:sld>
+</file>
+
+<file path=ppt/slides/slide7.xml><?xml version="1.0" encoding="utf-8"?>
+<p:sld xmlns:a="http://schemas.openxmlformats.org/drawingml/2006/main" xmlns:r="http://schemas.openxmlformats.org/officeDocument/2006/relationships" xmlns:p="http://schemas.openxmlformats.org/presentationml/2006/main">
+  <p:cSld>
     <p:spTree>
       <p:nvGrpSpPr>
         <p:cNvPr id="1" name=""/>
@@ -2161,10 +3129,10 @@
       </p:grpSpPr>
       <p:sp>
         <p:nvSpPr>
-          <p:cNvPr id="7" name="Title 6">
+          <p:cNvPr id="2" name="Title 1">
             <a:extLst>
               <a:ext uri="{FF2B5EF4-FFF2-40B4-BE49-F238E27FC236}">
-                <a16:creationId xmlns:a16="http://schemas.microsoft.com/office/drawing/2014/main" id="{3E8FD3DC-D75D-57C5-F44D-437B8601DFEE}"/>
+                <a16:creationId xmlns:a16="http://schemas.microsoft.com/office/drawing/2014/main" id="{E9451C40-5629-BDDE-DC99-E998A2B6BF08}"/>
               </a:ext>
             </a:extLst>
           </p:cNvPr>
@@ -2187,7 +3155,7 @@
     </p:spTree>
     <p:extLst>
       <p:ext uri="{BB962C8B-B14F-4D97-AF65-F5344CB8AC3E}">
-        <p14:creationId xmlns:p14="http://schemas.microsoft.com/office/powerpoint/2010/main" val="1637384264"/>
+        <p14:creationId xmlns:p14="http://schemas.microsoft.com/office/powerpoint/2010/main" val="1540708089"/>
       </p:ext>
     </p:extLst>
   </p:cSld>

--- a/source/NeoCortexApi/Documents/Group Presentation[ScalarEncoder with Buckets].pptx
+++ b/source/NeoCortexApi/Documents/Group Presentation[ScalarEncoder with Buckets].pptx
@@ -10059,7 +10059,7 @@
           <a:p>
             <a:fld id="{1A460770-223A-490F-86CD-F601AF5780BC}" type="datetimeFigureOut">
               <a:rPr lang="en-IN" smtClean="0"/>
-              <a:t>28-03-2023</a:t>
+              <a:t>29-03-2023</a:t>
             </a:fld>
             <a:endParaRPr lang="en-IN"/>
           </a:p>
@@ -10302,7 +10302,7 @@
           <a:p>
             <a:fld id="{1A460770-223A-490F-86CD-F601AF5780BC}" type="datetimeFigureOut">
               <a:rPr lang="en-IN" smtClean="0"/>
-              <a:t>28-03-2023</a:t>
+              <a:t>29-03-2023</a:t>
             </a:fld>
             <a:endParaRPr lang="en-IN"/>
           </a:p>
@@ -11401,7 +11401,11 @@
             </a:r>
             <a:r>
               <a:rPr lang="en-US" dirty="0"/>
-              <a:t> - 144</a:t>
+              <a:t> </a:t>
+            </a:r>
+            <a:r>
+              <a:rPr lang="en-US"/>
+              <a:t>- 1447125</a:t>
             </a:r>
             <a:endParaRPr lang="en-IN" dirty="0"/>
           </a:p>

--- a/source/NeoCortexApi/Documents/Group Presentation[ScalarEncoder with Buckets].pptx
+++ b/source/NeoCortexApi/Documents/Group Presentation[ScalarEncoder with Buckets].pptx
@@ -16,6 +16,7 @@
     <p:sldId id="266" r:id="rId10"/>
     <p:sldId id="268" r:id="rId11"/>
     <p:sldId id="269" r:id="rId12"/>
+    <p:sldId id="270" r:id="rId13"/>
   </p:sldIdLst>
   <p:sldSz cx="12192000" cy="6858000"/>
   <p:notesSz cx="6858000" cy="9144000"/>
@@ -150,6 +151,7 @@
             <p14:sldId id="266"/>
             <p14:sldId id="268"/>
             <p14:sldId id="269"/>
+            <p14:sldId id="270"/>
           </p14:sldIdLst>
         </p14:section>
       </p14:sectionLst>
@@ -13861,6 +13863,64 @@
 </p:sld>
 </file>
 
+<file path=ppt/slides/slide12.xml><?xml version="1.0" encoding="utf-8"?>
+<p:sld xmlns:a="http://schemas.openxmlformats.org/drawingml/2006/main" xmlns:r="http://schemas.openxmlformats.org/officeDocument/2006/relationships" xmlns:p="http://schemas.openxmlformats.org/presentationml/2006/main">
+  <p:cSld>
+    <p:spTree>
+      <p:nvGrpSpPr>
+        <p:cNvPr id="1" name=""/>
+        <p:cNvGrpSpPr/>
+        <p:nvPr/>
+      </p:nvGrpSpPr>
+      <p:grpSpPr>
+        <a:xfrm>
+          <a:off x="0" y="0"/>
+          <a:ext cx="0" cy="0"/>
+          <a:chOff x="0" y="0"/>
+          <a:chExt cx="0" cy="0"/>
+        </a:xfrm>
+      </p:grpSpPr>
+      <p:sp>
+        <p:nvSpPr>
+          <p:cNvPr id="2" name="Title 1">
+            <a:extLst>
+              <a:ext uri="{FF2B5EF4-FFF2-40B4-BE49-F238E27FC236}">
+                <a16:creationId xmlns:a16="http://schemas.microsoft.com/office/drawing/2014/main" id="{2986E03D-AC20-2C61-137F-F508BA760ADE}"/>
+              </a:ext>
+            </a:extLst>
+          </p:cNvPr>
+          <p:cNvSpPr>
+            <a:spLocks noGrp="1"/>
+          </p:cNvSpPr>
+          <p:nvPr>
+            <p:ph type="title"/>
+          </p:nvPr>
+        </p:nvSpPr>
+        <p:spPr/>
+        <p:txBody>
+          <a:bodyPr/>
+          <a:lstStyle/>
+          <a:p>
+            <a:r>
+              <a:rPr lang="en-US" dirty="0"/>
+              <a:t>Conclusion:</a:t>
+            </a:r>
+          </a:p>
+        </p:txBody>
+      </p:sp>
+    </p:spTree>
+    <p:extLst>
+      <p:ext uri="{BB962C8B-B14F-4D97-AF65-F5344CB8AC3E}">
+        <p14:creationId xmlns:p14="http://schemas.microsoft.com/office/powerpoint/2010/main" val="2184880744"/>
+      </p:ext>
+    </p:extLst>
+  </p:cSld>
+  <p:clrMapOvr>
+    <a:masterClrMapping/>
+  </p:clrMapOvr>
+</p:sld>
+</file>
+
 <file path=ppt/slides/slide2.xml><?xml version="1.0" encoding="utf-8"?>
 <p:sld xmlns:a="http://schemas.openxmlformats.org/drawingml/2006/main" xmlns:r="http://schemas.openxmlformats.org/officeDocument/2006/relationships" xmlns:p="http://schemas.openxmlformats.org/presentationml/2006/main">
   <p:cSld>

--- a/source/NeoCortexApi/Documents/Group Presentation[ScalarEncoder with Buckets].pptx
+++ b/source/NeoCortexApi/Documents/Group Presentation[ScalarEncoder with Buckets].pptx
@@ -17,6 +17,7 @@
     <p:sldId id="268" r:id="rId11"/>
     <p:sldId id="269" r:id="rId12"/>
     <p:sldId id="270" r:id="rId13"/>
+    <p:sldId id="271" r:id="rId14"/>
   </p:sldIdLst>
   <p:sldSz cx="12192000" cy="6858000"/>
   <p:notesSz cx="6858000" cy="9144000"/>
@@ -152,6 +153,7 @@
             <p14:sldId id="268"/>
             <p14:sldId id="269"/>
             <p14:sldId id="270"/>
+            <p14:sldId id="271"/>
           </p14:sldIdLst>
         </p14:section>
       </p14:sectionLst>
@@ -13921,6 +13923,389 @@
 </p:sld>
 </file>
 
+<file path=ppt/slides/slide13.xml><?xml version="1.0" encoding="utf-8"?>
+<p:sld xmlns:a="http://schemas.openxmlformats.org/drawingml/2006/main" xmlns:r="http://schemas.openxmlformats.org/officeDocument/2006/relationships" xmlns:p="http://schemas.openxmlformats.org/presentationml/2006/main">
+  <p:cSld>
+    <p:bg>
+      <p:bgPr>
+        <a:solidFill>
+          <a:schemeClr val="bg1"/>
+        </a:solidFill>
+        <a:effectLst/>
+      </p:bgPr>
+    </p:bg>
+    <p:spTree>
+      <p:nvGrpSpPr>
+        <p:cNvPr id="1" name=""/>
+        <p:cNvGrpSpPr/>
+        <p:nvPr/>
+      </p:nvGrpSpPr>
+      <p:grpSpPr>
+        <a:xfrm>
+          <a:off x="0" y="0"/>
+          <a:ext cx="0" cy="0"/>
+          <a:chOff x="0" y="0"/>
+          <a:chExt cx="0" cy="0"/>
+        </a:xfrm>
+      </p:grpSpPr>
+      <p:sp useBgFill="1">
+        <p:nvSpPr>
+          <p:cNvPr id="26" name="Rectangle 16">
+            <a:extLst>
+              <a:ext uri="{FF2B5EF4-FFF2-40B4-BE49-F238E27FC236}">
+                <a16:creationId xmlns:a16="http://schemas.microsoft.com/office/drawing/2014/main" id="{C83A5C14-ED91-4CD1-809E-D29FF97C9AF5}"/>
+              </a:ext>
+              <a:ext uri="{C183D7F6-B498-43B3-948B-1728B52AA6E4}">
+                <adec:decorative xmlns:adec="http://schemas.microsoft.com/office/drawing/2017/decorative" val="1"/>
+              </a:ext>
+            </a:extLst>
+          </p:cNvPr>
+          <p:cNvSpPr>
+            <a:spLocks noGrp="1" noRot="1" noChangeAspect="1" noMove="1" noResize="1" noEditPoints="1" noAdjustHandles="1" noChangeArrowheads="1" noChangeShapeType="1" noTextEdit="1"/>
+          </p:cNvSpPr>
+          <p:nvPr>
+            <p:extLst>
+              <p:ext uri="{386F3935-93C4-4BCD-93E2-E3B085C9AB24}">
+                <p16:designElem xmlns:p16="http://schemas.microsoft.com/office/powerpoint/2015/main" val="1"/>
+              </p:ext>
+            </p:extLst>
+          </p:nvPr>
+        </p:nvSpPr>
+        <p:spPr>
+          <a:xfrm>
+            <a:off x="0" y="0"/>
+            <a:ext cx="12192000" cy="6858000"/>
+          </a:xfrm>
+          <a:prstGeom prst="rect">
+            <a:avLst/>
+          </a:prstGeom>
+          <a:ln>
+            <a:noFill/>
+          </a:ln>
+        </p:spPr>
+        <p:style>
+          <a:lnRef idx="2">
+            <a:schemeClr val="accent1">
+              <a:shade val="50000"/>
+            </a:schemeClr>
+          </a:lnRef>
+          <a:fillRef idx="1">
+            <a:schemeClr val="accent1"/>
+          </a:fillRef>
+          <a:effectRef idx="0">
+            <a:schemeClr val="accent1"/>
+          </a:effectRef>
+          <a:fontRef idx="minor">
+            <a:schemeClr val="lt1"/>
+          </a:fontRef>
+        </p:style>
+        <p:txBody>
+          <a:bodyPr rtlCol="0" anchor="ctr"/>
+          <a:lstStyle/>
+          <a:p>
+            <a:pPr algn="ctr"/>
+            <a:endParaRPr lang="en-US"/>
+          </a:p>
+        </p:txBody>
+      </p:sp>
+      <p:sp useBgFill="1">
+        <p:nvSpPr>
+          <p:cNvPr id="19" name="Freeform: Shape 18">
+            <a:extLst>
+              <a:ext uri="{FF2B5EF4-FFF2-40B4-BE49-F238E27FC236}">
+                <a16:creationId xmlns:a16="http://schemas.microsoft.com/office/drawing/2014/main" id="{56065185-5C34-4F86-AA96-AA4D065B0EF4}"/>
+              </a:ext>
+              <a:ext uri="{C183D7F6-B498-43B3-948B-1728B52AA6E4}">
+                <adec:decorative xmlns:adec="http://schemas.microsoft.com/office/drawing/2017/decorative" val="1"/>
+              </a:ext>
+            </a:extLst>
+          </p:cNvPr>
+          <p:cNvSpPr>
+            <a:spLocks noGrp="1" noRot="1" noChangeAspect="1" noMove="1" noResize="1" noEditPoints="1" noAdjustHandles="1" noChangeArrowheads="1" noChangeShapeType="1" noTextEdit="1"/>
+          </p:cNvSpPr>
+          <p:nvPr>
+            <p:extLst>
+              <p:ext uri="{386F3935-93C4-4BCD-93E2-E3B085C9AB24}">
+                <p16:designElem xmlns:p16="http://schemas.microsoft.com/office/powerpoint/2015/main" val="1"/>
+              </p:ext>
+            </p:extLst>
+          </p:nvPr>
+        </p:nvSpPr>
+        <p:spPr>
+          <a:xfrm>
+            <a:off x="1114425" y="0"/>
+            <a:ext cx="9963150" cy="6858000"/>
+          </a:xfrm>
+          <a:custGeom>
+            <a:avLst/>
+            <a:gdLst>
+              <a:gd name="connsiteX0" fmla="*/ 1595771 w 9963150"/>
+              <a:gd name="connsiteY0" fmla="*/ 0 h 6858000"/>
+              <a:gd name="connsiteX1" fmla="*/ 8367379 w 9963150"/>
+              <a:gd name="connsiteY1" fmla="*/ 0 h 6858000"/>
+              <a:gd name="connsiteX2" fmla="*/ 8504080 w 9963150"/>
+              <a:gd name="connsiteY2" fmla="*/ 130333 h 6858000"/>
+              <a:gd name="connsiteX3" fmla="*/ 9963150 w 9963150"/>
+              <a:gd name="connsiteY3" fmla="*/ 3652838 h 6858000"/>
+              <a:gd name="connsiteX4" fmla="*/ 8825600 w 9963150"/>
+              <a:gd name="connsiteY4" fmla="*/ 6821583 h 6858000"/>
+              <a:gd name="connsiteX5" fmla="*/ 8794055 w 9963150"/>
+              <a:gd name="connsiteY5" fmla="*/ 6858000 h 6858000"/>
+              <a:gd name="connsiteX6" fmla="*/ 1169096 w 9963150"/>
+              <a:gd name="connsiteY6" fmla="*/ 6858000 h 6858000"/>
+              <a:gd name="connsiteX7" fmla="*/ 1137550 w 9963150"/>
+              <a:gd name="connsiteY7" fmla="*/ 6821583 h 6858000"/>
+              <a:gd name="connsiteX8" fmla="*/ 0 w 9963150"/>
+              <a:gd name="connsiteY8" fmla="*/ 3652838 h 6858000"/>
+              <a:gd name="connsiteX9" fmla="*/ 1459070 w 9963150"/>
+              <a:gd name="connsiteY9" fmla="*/ 130333 h 6858000"/>
+            </a:gdLst>
+            <a:ahLst/>
+            <a:cxnLst>
+              <a:cxn ang="0">
+                <a:pos x="connsiteX0" y="connsiteY0"/>
+              </a:cxn>
+              <a:cxn ang="0">
+                <a:pos x="connsiteX1" y="connsiteY1"/>
+              </a:cxn>
+              <a:cxn ang="0">
+                <a:pos x="connsiteX2" y="connsiteY2"/>
+              </a:cxn>
+              <a:cxn ang="0">
+                <a:pos x="connsiteX3" y="connsiteY3"/>
+              </a:cxn>
+              <a:cxn ang="0">
+                <a:pos x="connsiteX4" y="connsiteY4"/>
+              </a:cxn>
+              <a:cxn ang="0">
+                <a:pos x="connsiteX5" y="connsiteY5"/>
+              </a:cxn>
+              <a:cxn ang="0">
+                <a:pos x="connsiteX6" y="connsiteY6"/>
+              </a:cxn>
+              <a:cxn ang="0">
+                <a:pos x="connsiteX7" y="connsiteY7"/>
+              </a:cxn>
+              <a:cxn ang="0">
+                <a:pos x="connsiteX8" y="connsiteY8"/>
+              </a:cxn>
+              <a:cxn ang="0">
+                <a:pos x="connsiteX9" y="connsiteY9"/>
+              </a:cxn>
+            </a:cxnLst>
+            <a:rect l="l" t="t" r="r" b="b"/>
+            <a:pathLst>
+              <a:path w="9963150" h="6858000">
+                <a:moveTo>
+                  <a:pt x="1595771" y="0"/>
+                </a:moveTo>
+                <a:lnTo>
+                  <a:pt x="8367379" y="0"/>
+                </a:lnTo>
+                <a:lnTo>
+                  <a:pt x="8504080" y="130333"/>
+                </a:lnTo>
+                <a:cubicBezTo>
+                  <a:pt x="9405568" y="1031820"/>
+                  <a:pt x="9963150" y="2277214"/>
+                  <a:pt x="9963150" y="3652838"/>
+                </a:cubicBezTo>
+                <a:cubicBezTo>
+                  <a:pt x="9963150" y="4856509"/>
+                  <a:pt x="9536251" y="5960473"/>
+                  <a:pt x="8825600" y="6821583"/>
+                </a:cubicBezTo>
+                <a:lnTo>
+                  <a:pt x="8794055" y="6858000"/>
+                </a:lnTo>
+                <a:lnTo>
+                  <a:pt x="1169096" y="6858000"/>
+                </a:lnTo>
+                <a:lnTo>
+                  <a:pt x="1137550" y="6821583"/>
+                </a:lnTo>
+                <a:cubicBezTo>
+                  <a:pt x="426899" y="5960473"/>
+                  <a:pt x="0" y="4856509"/>
+                  <a:pt x="0" y="3652838"/>
+                </a:cubicBezTo>
+                <a:cubicBezTo>
+                  <a:pt x="0" y="2277214"/>
+                  <a:pt x="557582" y="1031820"/>
+                  <a:pt x="1459070" y="130333"/>
+                </a:cubicBezTo>
+                <a:close/>
+              </a:path>
+            </a:pathLst>
+          </a:custGeom>
+          <a:ln w="9525">
+            <a:solidFill>
+              <a:srgbClr val="EFEFEF"/>
+            </a:solidFill>
+          </a:ln>
+          <a:effectLst>
+            <a:outerShdw blurRad="101600" sx="102000" sy="102000" algn="ctr" rotWithShape="0">
+              <a:schemeClr val="bg1">
+                <a:lumMod val="85000"/>
+                <a:alpha val="50000"/>
+              </a:schemeClr>
+            </a:outerShdw>
+          </a:effectLst>
+        </p:spPr>
+        <p:style>
+          <a:lnRef idx="2">
+            <a:schemeClr val="accent1">
+              <a:shade val="50000"/>
+            </a:schemeClr>
+          </a:lnRef>
+          <a:fillRef idx="1">
+            <a:schemeClr val="accent1"/>
+          </a:fillRef>
+          <a:effectRef idx="0">
+            <a:schemeClr val="accent1"/>
+          </a:effectRef>
+          <a:fontRef idx="minor">
+            <a:schemeClr val="lt1"/>
+          </a:fontRef>
+        </p:style>
+        <p:txBody>
+          <a:bodyPr wrap="square" rtlCol="0" anchor="ctr">
+            <a:noAutofit/>
+          </a:bodyPr>
+          <a:lstStyle/>
+          <a:p>
+            <a:pPr marL="0" marR="0" lvl="0" indent="0" algn="ctr" defTabSz="914400" rtl="0" eaLnBrk="1" fontAlgn="auto" latinLnBrk="0" hangingPunct="1">
+              <a:lnSpc>
+                <a:spcPct val="100000"/>
+              </a:lnSpc>
+              <a:spcBef>
+                <a:spcPts val="0"/>
+              </a:spcBef>
+              <a:spcAft>
+                <a:spcPts val="0"/>
+              </a:spcAft>
+              <a:buClrTx/>
+              <a:buSzTx/>
+              <a:buFontTx/>
+              <a:buNone/>
+              <a:tabLst/>
+              <a:defRPr/>
+            </a:pPr>
+            <a:endParaRPr kumimoji="0" lang="en-US" sz="1800" b="0" i="0" u="none" strike="noStrike" kern="1200" cap="none" spc="0" normalizeH="0" baseline="0" noProof="0">
+              <a:ln>
+                <a:noFill/>
+              </a:ln>
+              <a:solidFill>
+                <a:prstClr val="white"/>
+              </a:solidFill>
+              <a:effectLst/>
+              <a:uLnTx/>
+              <a:uFillTx/>
+              <a:latin typeface="Calibri" panose="020F0502020204030204"/>
+              <a:ea typeface="+mn-ea"/>
+              <a:cs typeface="+mn-cs"/>
+            </a:endParaRPr>
+          </a:p>
+        </p:txBody>
+      </p:sp>
+      <p:pic>
+        <p:nvPicPr>
+          <p:cNvPr id="4" name="Picture 3" descr="Text&#10;&#10;Description automatically generated with medium confidence">
+            <a:extLst>
+              <a:ext uri="{FF2B5EF4-FFF2-40B4-BE49-F238E27FC236}">
+                <a16:creationId xmlns:a16="http://schemas.microsoft.com/office/drawing/2014/main" id="{2F0975CD-EE9A-3129-3982-BB88B539113A}"/>
+              </a:ext>
+            </a:extLst>
+          </p:cNvPr>
+          <p:cNvPicPr>
+            <a:picLocks noChangeAspect="1"/>
+          </p:cNvPicPr>
+          <p:nvPr/>
+        </p:nvPicPr>
+        <p:blipFill rotWithShape="1">
+          <a:blip r:embed="rId2">
+            <a:extLst>
+              <a:ext uri="{28A0092B-C50C-407E-A947-70E740481C1C}">
+                <a14:useLocalDpi xmlns:a14="http://schemas.microsoft.com/office/drawing/2010/main" val="0"/>
+              </a:ext>
+              <a:ext uri="{837473B0-CC2E-450A-ABE3-18F120FF3D39}">
+                <a1611:picAttrSrcUrl xmlns:a1611="http://schemas.microsoft.com/office/drawing/2016/11/main" r:id="rId3"/>
+              </a:ext>
+            </a:extLst>
+          </a:blip>
+          <a:srcRect r="1" b="781"/>
+          <a:stretch/>
+        </p:blipFill>
+        <p:spPr>
+          <a:xfrm>
+            <a:off x="1114427" y="10"/>
+            <a:ext cx="9846740" cy="6777862"/>
+          </a:xfrm>
+          <a:custGeom>
+            <a:avLst/>
+            <a:gdLst/>
+            <a:ahLst/>
+            <a:cxnLst/>
+            <a:rect l="l" t="t" r="r" b="b"/>
+            <a:pathLst>
+              <a:path w="9948672" h="6858000">
+                <a:moveTo>
+                  <a:pt x="1593452" y="0"/>
+                </a:moveTo>
+                <a:lnTo>
+                  <a:pt x="8355220" y="0"/>
+                </a:lnTo>
+                <a:lnTo>
+                  <a:pt x="8491722" y="130333"/>
+                </a:lnTo>
+                <a:cubicBezTo>
+                  <a:pt x="9391900" y="1031820"/>
+                  <a:pt x="9948672" y="2277214"/>
+                  <a:pt x="9948672" y="3652838"/>
+                </a:cubicBezTo>
+                <a:cubicBezTo>
+                  <a:pt x="9948672" y="4856509"/>
+                  <a:pt x="9522393" y="5960473"/>
+                  <a:pt x="8812775" y="6821583"/>
+                </a:cubicBezTo>
+                <a:lnTo>
+                  <a:pt x="8781276" y="6858000"/>
+                </a:lnTo>
+                <a:lnTo>
+                  <a:pt x="1167397" y="6858000"/>
+                </a:lnTo>
+                <a:lnTo>
+                  <a:pt x="1135897" y="6821583"/>
+                </a:lnTo>
+                <a:cubicBezTo>
+                  <a:pt x="426279" y="5960473"/>
+                  <a:pt x="0" y="4856509"/>
+                  <a:pt x="0" y="3652838"/>
+                </a:cubicBezTo>
+                <a:cubicBezTo>
+                  <a:pt x="0" y="2277214"/>
+                  <a:pt x="556772" y="1031820"/>
+                  <a:pt x="1456950" y="130333"/>
+                </a:cubicBezTo>
+                <a:close/>
+              </a:path>
+            </a:pathLst>
+          </a:custGeom>
+        </p:spPr>
+      </p:pic>
+    </p:spTree>
+    <p:extLst>
+      <p:ext uri="{BB962C8B-B14F-4D97-AF65-F5344CB8AC3E}">
+        <p14:creationId xmlns:p14="http://schemas.microsoft.com/office/powerpoint/2010/main" val="3749820873"/>
+      </p:ext>
+    </p:extLst>
+  </p:cSld>
+  <p:clrMapOvr>
+    <a:masterClrMapping/>
+  </p:clrMapOvr>
+</p:sld>
+</file>
+
 <file path=ppt/slides/slide2.xml><?xml version="1.0" encoding="utf-8"?>
 <p:sld xmlns:a="http://schemas.openxmlformats.org/drawingml/2006/main" xmlns:r="http://schemas.openxmlformats.org/officeDocument/2006/relationships" xmlns:p="http://schemas.openxmlformats.org/presentationml/2006/main">
   <p:cSld>

--- a/source/NeoCortexApi/Documents/Group Presentation[ScalarEncoder with Buckets].pptx
+++ b/source/NeoCortexApi/Documents/Group Presentation[ScalarEncoder with Buckets].pptx
@@ -13948,12 +13948,12 @@
           <a:chExt cx="0" cy="0"/>
         </a:xfrm>
       </p:grpSpPr>
-      <p:sp useBgFill="1">
+      <p:sp>
         <p:nvSpPr>
-          <p:cNvPr id="26" name="Rectangle 16">
+          <p:cNvPr id="9" name="Rectangle 8">
             <a:extLst>
               <a:ext uri="{FF2B5EF4-FFF2-40B4-BE49-F238E27FC236}">
-                <a16:creationId xmlns:a16="http://schemas.microsoft.com/office/drawing/2014/main" id="{C83A5C14-ED91-4CD1-809E-D29FF97C9AF5}"/>
+                <a16:creationId xmlns:a16="http://schemas.microsoft.com/office/drawing/2014/main" id="{42A4FC2C-047E-45A5-965D-8E1E3BF09BC6}"/>
               </a:ext>
               <a:ext uri="{C183D7F6-B498-43B3-948B-1728B52AA6E4}">
                 <adec:decorative xmlns:adec="http://schemas.microsoft.com/office/drawing/2017/decorative" val="1"/>
@@ -13971,14 +13971,15 @@
             </p:extLst>
           </p:nvPr>
         </p:nvSpPr>
-        <p:spPr>
+        <p:spPr bwMode="white">
           <a:xfrm>
-            <a:off x="0" y="0"/>
-            <a:ext cx="12192000" cy="6858000"/>
+            <a:off x="1524" y="0"/>
+            <a:ext cx="12188952" cy="6858000"/>
           </a:xfrm>
           <a:prstGeom prst="rect">
             <a:avLst/>
           </a:prstGeom>
+          <a:noFill/>
           <a:ln>
             <a:noFill/>
           </a:ln>
@@ -14001,219 +14002,113 @@
         </p:style>
         <p:txBody>
           <a:bodyPr rtlCol="0" anchor="ctr"/>
-          <a:lstStyle/>
+          <a:lstStyle>
+            <a:defPPr>
+              <a:defRPr lang="en-US"/>
+            </a:defPPr>
+            <a:lvl1pPr marL="0" algn="l" defTabSz="914400" rtl="0" eaLnBrk="1" latinLnBrk="0" hangingPunct="1">
+              <a:defRPr sz="1800" kern="1200">
+                <a:solidFill>
+                  <a:schemeClr val="lt1"/>
+                </a:solidFill>
+                <a:latin typeface="+mn-lt"/>
+                <a:ea typeface="+mn-ea"/>
+                <a:cs typeface="+mn-cs"/>
+              </a:defRPr>
+            </a:lvl1pPr>
+            <a:lvl2pPr marL="457200" algn="l" defTabSz="914400" rtl="0" eaLnBrk="1" latinLnBrk="0" hangingPunct="1">
+              <a:defRPr sz="1800" kern="1200">
+                <a:solidFill>
+                  <a:schemeClr val="lt1"/>
+                </a:solidFill>
+                <a:latin typeface="+mn-lt"/>
+                <a:ea typeface="+mn-ea"/>
+                <a:cs typeface="+mn-cs"/>
+              </a:defRPr>
+            </a:lvl2pPr>
+            <a:lvl3pPr marL="914400" algn="l" defTabSz="914400" rtl="0" eaLnBrk="1" latinLnBrk="0" hangingPunct="1">
+              <a:defRPr sz="1800" kern="1200">
+                <a:solidFill>
+                  <a:schemeClr val="lt1"/>
+                </a:solidFill>
+                <a:latin typeface="+mn-lt"/>
+                <a:ea typeface="+mn-ea"/>
+                <a:cs typeface="+mn-cs"/>
+              </a:defRPr>
+            </a:lvl3pPr>
+            <a:lvl4pPr marL="1371600" algn="l" defTabSz="914400" rtl="0" eaLnBrk="1" latinLnBrk="0" hangingPunct="1">
+              <a:defRPr sz="1800" kern="1200">
+                <a:solidFill>
+                  <a:schemeClr val="lt1"/>
+                </a:solidFill>
+                <a:latin typeface="+mn-lt"/>
+                <a:ea typeface="+mn-ea"/>
+                <a:cs typeface="+mn-cs"/>
+              </a:defRPr>
+            </a:lvl4pPr>
+            <a:lvl5pPr marL="1828800" algn="l" defTabSz="914400" rtl="0" eaLnBrk="1" latinLnBrk="0" hangingPunct="1">
+              <a:defRPr sz="1800" kern="1200">
+                <a:solidFill>
+                  <a:schemeClr val="lt1"/>
+                </a:solidFill>
+                <a:latin typeface="+mn-lt"/>
+                <a:ea typeface="+mn-ea"/>
+                <a:cs typeface="+mn-cs"/>
+              </a:defRPr>
+            </a:lvl5pPr>
+            <a:lvl6pPr marL="2286000" algn="l" defTabSz="914400" rtl="0" eaLnBrk="1" latinLnBrk="0" hangingPunct="1">
+              <a:defRPr sz="1800" kern="1200">
+                <a:solidFill>
+                  <a:schemeClr val="lt1"/>
+                </a:solidFill>
+                <a:latin typeface="+mn-lt"/>
+                <a:ea typeface="+mn-ea"/>
+                <a:cs typeface="+mn-cs"/>
+              </a:defRPr>
+            </a:lvl6pPr>
+            <a:lvl7pPr marL="2743200" algn="l" defTabSz="914400" rtl="0" eaLnBrk="1" latinLnBrk="0" hangingPunct="1">
+              <a:defRPr sz="1800" kern="1200">
+                <a:solidFill>
+                  <a:schemeClr val="lt1"/>
+                </a:solidFill>
+                <a:latin typeface="+mn-lt"/>
+                <a:ea typeface="+mn-ea"/>
+                <a:cs typeface="+mn-cs"/>
+              </a:defRPr>
+            </a:lvl7pPr>
+            <a:lvl8pPr marL="3200400" algn="l" defTabSz="914400" rtl="0" eaLnBrk="1" latinLnBrk="0" hangingPunct="1">
+              <a:defRPr sz="1800" kern="1200">
+                <a:solidFill>
+                  <a:schemeClr val="lt1"/>
+                </a:solidFill>
+                <a:latin typeface="+mn-lt"/>
+                <a:ea typeface="+mn-ea"/>
+                <a:cs typeface="+mn-cs"/>
+              </a:defRPr>
+            </a:lvl8pPr>
+            <a:lvl9pPr marL="3657600" algn="l" defTabSz="914400" rtl="0" eaLnBrk="1" latinLnBrk="0" hangingPunct="1">
+              <a:defRPr sz="1800" kern="1200">
+                <a:solidFill>
+                  <a:schemeClr val="lt1"/>
+                </a:solidFill>
+                <a:latin typeface="+mn-lt"/>
+                <a:ea typeface="+mn-ea"/>
+                <a:cs typeface="+mn-cs"/>
+              </a:defRPr>
+            </a:lvl9pPr>
+          </a:lstStyle>
           <a:p>
             <a:pPr algn="ctr"/>
             <a:endParaRPr lang="en-US"/>
           </a:p>
         </p:txBody>
       </p:sp>
-      <p:sp useBgFill="1">
-        <p:nvSpPr>
-          <p:cNvPr id="19" name="Freeform: Shape 18">
+      <p:pic>
+        <p:nvPicPr>
+          <p:cNvPr id="4" name="Picture 3" descr="Text, letter&#10;&#10;Description automatically generated">
             <a:extLst>
               <a:ext uri="{FF2B5EF4-FFF2-40B4-BE49-F238E27FC236}">
-                <a16:creationId xmlns:a16="http://schemas.microsoft.com/office/drawing/2014/main" id="{56065185-5C34-4F86-AA96-AA4D065B0EF4}"/>
-              </a:ext>
-              <a:ext uri="{C183D7F6-B498-43B3-948B-1728B52AA6E4}">
-                <adec:decorative xmlns:adec="http://schemas.microsoft.com/office/drawing/2017/decorative" val="1"/>
-              </a:ext>
-            </a:extLst>
-          </p:cNvPr>
-          <p:cNvSpPr>
-            <a:spLocks noGrp="1" noRot="1" noChangeAspect="1" noMove="1" noResize="1" noEditPoints="1" noAdjustHandles="1" noChangeArrowheads="1" noChangeShapeType="1" noTextEdit="1"/>
-          </p:cNvSpPr>
-          <p:nvPr>
-            <p:extLst>
-              <p:ext uri="{386F3935-93C4-4BCD-93E2-E3B085C9AB24}">
-                <p16:designElem xmlns:p16="http://schemas.microsoft.com/office/powerpoint/2015/main" val="1"/>
-              </p:ext>
-            </p:extLst>
-          </p:nvPr>
-        </p:nvSpPr>
-        <p:spPr>
-          <a:xfrm>
-            <a:off x="1114425" y="0"/>
-            <a:ext cx="9963150" cy="6858000"/>
-          </a:xfrm>
-          <a:custGeom>
-            <a:avLst/>
-            <a:gdLst>
-              <a:gd name="connsiteX0" fmla="*/ 1595771 w 9963150"/>
-              <a:gd name="connsiteY0" fmla="*/ 0 h 6858000"/>
-              <a:gd name="connsiteX1" fmla="*/ 8367379 w 9963150"/>
-              <a:gd name="connsiteY1" fmla="*/ 0 h 6858000"/>
-              <a:gd name="connsiteX2" fmla="*/ 8504080 w 9963150"/>
-              <a:gd name="connsiteY2" fmla="*/ 130333 h 6858000"/>
-              <a:gd name="connsiteX3" fmla="*/ 9963150 w 9963150"/>
-              <a:gd name="connsiteY3" fmla="*/ 3652838 h 6858000"/>
-              <a:gd name="connsiteX4" fmla="*/ 8825600 w 9963150"/>
-              <a:gd name="connsiteY4" fmla="*/ 6821583 h 6858000"/>
-              <a:gd name="connsiteX5" fmla="*/ 8794055 w 9963150"/>
-              <a:gd name="connsiteY5" fmla="*/ 6858000 h 6858000"/>
-              <a:gd name="connsiteX6" fmla="*/ 1169096 w 9963150"/>
-              <a:gd name="connsiteY6" fmla="*/ 6858000 h 6858000"/>
-              <a:gd name="connsiteX7" fmla="*/ 1137550 w 9963150"/>
-              <a:gd name="connsiteY7" fmla="*/ 6821583 h 6858000"/>
-              <a:gd name="connsiteX8" fmla="*/ 0 w 9963150"/>
-              <a:gd name="connsiteY8" fmla="*/ 3652838 h 6858000"/>
-              <a:gd name="connsiteX9" fmla="*/ 1459070 w 9963150"/>
-              <a:gd name="connsiteY9" fmla="*/ 130333 h 6858000"/>
-            </a:gdLst>
-            <a:ahLst/>
-            <a:cxnLst>
-              <a:cxn ang="0">
-                <a:pos x="connsiteX0" y="connsiteY0"/>
-              </a:cxn>
-              <a:cxn ang="0">
-                <a:pos x="connsiteX1" y="connsiteY1"/>
-              </a:cxn>
-              <a:cxn ang="0">
-                <a:pos x="connsiteX2" y="connsiteY2"/>
-              </a:cxn>
-              <a:cxn ang="0">
-                <a:pos x="connsiteX3" y="connsiteY3"/>
-              </a:cxn>
-              <a:cxn ang="0">
-                <a:pos x="connsiteX4" y="connsiteY4"/>
-              </a:cxn>
-              <a:cxn ang="0">
-                <a:pos x="connsiteX5" y="connsiteY5"/>
-              </a:cxn>
-              <a:cxn ang="0">
-                <a:pos x="connsiteX6" y="connsiteY6"/>
-              </a:cxn>
-              <a:cxn ang="0">
-                <a:pos x="connsiteX7" y="connsiteY7"/>
-              </a:cxn>
-              <a:cxn ang="0">
-                <a:pos x="connsiteX8" y="connsiteY8"/>
-              </a:cxn>
-              <a:cxn ang="0">
-                <a:pos x="connsiteX9" y="connsiteY9"/>
-              </a:cxn>
-            </a:cxnLst>
-            <a:rect l="l" t="t" r="r" b="b"/>
-            <a:pathLst>
-              <a:path w="9963150" h="6858000">
-                <a:moveTo>
-                  <a:pt x="1595771" y="0"/>
-                </a:moveTo>
-                <a:lnTo>
-                  <a:pt x="8367379" y="0"/>
-                </a:lnTo>
-                <a:lnTo>
-                  <a:pt x="8504080" y="130333"/>
-                </a:lnTo>
-                <a:cubicBezTo>
-                  <a:pt x="9405568" y="1031820"/>
-                  <a:pt x="9963150" y="2277214"/>
-                  <a:pt x="9963150" y="3652838"/>
-                </a:cubicBezTo>
-                <a:cubicBezTo>
-                  <a:pt x="9963150" y="4856509"/>
-                  <a:pt x="9536251" y="5960473"/>
-                  <a:pt x="8825600" y="6821583"/>
-                </a:cubicBezTo>
-                <a:lnTo>
-                  <a:pt x="8794055" y="6858000"/>
-                </a:lnTo>
-                <a:lnTo>
-                  <a:pt x="1169096" y="6858000"/>
-                </a:lnTo>
-                <a:lnTo>
-                  <a:pt x="1137550" y="6821583"/>
-                </a:lnTo>
-                <a:cubicBezTo>
-                  <a:pt x="426899" y="5960473"/>
-                  <a:pt x="0" y="4856509"/>
-                  <a:pt x="0" y="3652838"/>
-                </a:cubicBezTo>
-                <a:cubicBezTo>
-                  <a:pt x="0" y="2277214"/>
-                  <a:pt x="557582" y="1031820"/>
-                  <a:pt x="1459070" y="130333"/>
-                </a:cubicBezTo>
-                <a:close/>
-              </a:path>
-            </a:pathLst>
-          </a:custGeom>
-          <a:ln w="9525">
-            <a:solidFill>
-              <a:srgbClr val="EFEFEF"/>
-            </a:solidFill>
-          </a:ln>
-          <a:effectLst>
-            <a:outerShdw blurRad="101600" sx="102000" sy="102000" algn="ctr" rotWithShape="0">
-              <a:schemeClr val="bg1">
-                <a:lumMod val="85000"/>
-                <a:alpha val="50000"/>
-              </a:schemeClr>
-            </a:outerShdw>
-          </a:effectLst>
-        </p:spPr>
-        <p:style>
-          <a:lnRef idx="2">
-            <a:schemeClr val="accent1">
-              <a:shade val="50000"/>
-            </a:schemeClr>
-          </a:lnRef>
-          <a:fillRef idx="1">
-            <a:schemeClr val="accent1"/>
-          </a:fillRef>
-          <a:effectRef idx="0">
-            <a:schemeClr val="accent1"/>
-          </a:effectRef>
-          <a:fontRef idx="minor">
-            <a:schemeClr val="lt1"/>
-          </a:fontRef>
-        </p:style>
-        <p:txBody>
-          <a:bodyPr wrap="square" rtlCol="0" anchor="ctr">
-            <a:noAutofit/>
-          </a:bodyPr>
-          <a:lstStyle/>
-          <a:p>
-            <a:pPr marL="0" marR="0" lvl="0" indent="0" algn="ctr" defTabSz="914400" rtl="0" eaLnBrk="1" fontAlgn="auto" latinLnBrk="0" hangingPunct="1">
-              <a:lnSpc>
-                <a:spcPct val="100000"/>
-              </a:lnSpc>
-              <a:spcBef>
-                <a:spcPts val="0"/>
-              </a:spcBef>
-              <a:spcAft>
-                <a:spcPts val="0"/>
-              </a:spcAft>
-              <a:buClrTx/>
-              <a:buSzTx/>
-              <a:buFontTx/>
-              <a:buNone/>
-              <a:tabLst/>
-              <a:defRPr/>
-            </a:pPr>
-            <a:endParaRPr kumimoji="0" lang="en-US" sz="1800" b="0" i="0" u="none" strike="noStrike" kern="1200" cap="none" spc="0" normalizeH="0" baseline="0" noProof="0">
-              <a:ln>
-                <a:noFill/>
-              </a:ln>
-              <a:solidFill>
-                <a:prstClr val="white"/>
-              </a:solidFill>
-              <a:effectLst/>
-              <a:uLnTx/>
-              <a:uFillTx/>
-              <a:latin typeface="Calibri" panose="020F0502020204030204"/>
-              <a:ea typeface="+mn-ea"/>
-              <a:cs typeface="+mn-cs"/>
-            </a:endParaRPr>
-          </a:p>
-        </p:txBody>
-      </p:sp>
-      <p:pic>
-        <p:nvPicPr>
-          <p:cNvPr id="4" name="Picture 3" descr="Text&#10;&#10;Description automatically generated with medium confidence">
-            <a:extLst>
-              <a:ext uri="{FF2B5EF4-FFF2-40B4-BE49-F238E27FC236}">
-                <a16:creationId xmlns:a16="http://schemas.microsoft.com/office/drawing/2014/main" id="{2F0975CD-EE9A-3129-3982-BB88B539113A}"/>
+                <a16:creationId xmlns:a16="http://schemas.microsoft.com/office/drawing/2014/main" id="{A0C906E6-8CEF-6152-9AB6-3A3D3B388BEC}"/>
               </a:ext>
             </a:extLst>
           </p:cNvPr>
@@ -14233,70 +14128,23 @@
               </a:ext>
             </a:extLst>
           </a:blip>
-          <a:srcRect r="1" b="781"/>
+          <a:srcRect t="9763" r="1" b="7848"/>
           <a:stretch/>
         </p:blipFill>
         <p:spPr>
           <a:xfrm>
-            <a:off x="1114427" y="10"/>
-            <a:ext cx="9846740" cy="6777862"/>
+            <a:off x="196850" y="173518"/>
+            <a:ext cx="11798300" cy="6512763"/>
           </a:xfrm>
-          <a:custGeom>
+          <a:prstGeom prst="rect">
             <a:avLst/>
-            <a:gdLst/>
-            <a:ahLst/>
-            <a:cxnLst/>
-            <a:rect l="l" t="t" r="r" b="b"/>
-            <a:pathLst>
-              <a:path w="9948672" h="6858000">
-                <a:moveTo>
-                  <a:pt x="1593452" y="0"/>
-                </a:moveTo>
-                <a:lnTo>
-                  <a:pt x="8355220" y="0"/>
-                </a:lnTo>
-                <a:lnTo>
-                  <a:pt x="8491722" y="130333"/>
-                </a:lnTo>
-                <a:cubicBezTo>
-                  <a:pt x="9391900" y="1031820"/>
-                  <a:pt x="9948672" y="2277214"/>
-                  <a:pt x="9948672" y="3652838"/>
-                </a:cubicBezTo>
-                <a:cubicBezTo>
-                  <a:pt x="9948672" y="4856509"/>
-                  <a:pt x="9522393" y="5960473"/>
-                  <a:pt x="8812775" y="6821583"/>
-                </a:cubicBezTo>
-                <a:lnTo>
-                  <a:pt x="8781276" y="6858000"/>
-                </a:lnTo>
-                <a:lnTo>
-                  <a:pt x="1167397" y="6858000"/>
-                </a:lnTo>
-                <a:lnTo>
-                  <a:pt x="1135897" y="6821583"/>
-                </a:lnTo>
-                <a:cubicBezTo>
-                  <a:pt x="426279" y="5960473"/>
-                  <a:pt x="0" y="4856509"/>
-                  <a:pt x="0" y="3652838"/>
-                </a:cubicBezTo>
-                <a:cubicBezTo>
-                  <a:pt x="0" y="2277214"/>
-                  <a:pt x="556772" y="1031820"/>
-                  <a:pt x="1456950" y="130333"/>
-                </a:cubicBezTo>
-                <a:close/>
-              </a:path>
-            </a:pathLst>
-          </a:custGeom>
+          </a:prstGeom>
         </p:spPr>
       </p:pic>
     </p:spTree>
     <p:extLst>
       <p:ext uri="{BB962C8B-B14F-4D97-AF65-F5344CB8AC3E}">
-        <p14:creationId xmlns:p14="http://schemas.microsoft.com/office/powerpoint/2010/main" val="3749820873"/>
+        <p14:creationId xmlns:p14="http://schemas.microsoft.com/office/powerpoint/2010/main" val="635716136"/>
       </p:ext>
     </p:extLst>
   </p:cSld>

--- a/source/NeoCortexApi/Documents/Group Presentation[ScalarEncoder with Buckets].pptx
+++ b/source/NeoCortexApi/Documents/Group Presentation[ScalarEncoder with Buckets].pptx
@@ -14147,7 +14147,7 @@
         </p:nvSpPr>
         <p:spPr>
           <a:xfrm>
-            <a:off x="4654296" y="2067249"/>
+            <a:off x="2357906" y="1932917"/>
             <a:ext cx="6903720" cy="640839"/>
           </a:xfrm>
           <a:prstGeom prst="rect">
@@ -14235,8 +14235,8 @@
         </p:nvSpPr>
         <p:spPr>
           <a:xfrm>
-            <a:off x="4654296" y="2994294"/>
-            <a:ext cx="6903720" cy="1796457"/>
+            <a:off x="1018309" y="2994294"/>
+            <a:ext cx="10539707" cy="2536163"/>
           </a:xfrm>
           <a:prstGeom prst="rect">
             <a:avLst/>
@@ -14415,7 +14415,7 @@
               </a:spcBef>
             </a:pPr>
             <a:r>
-              <a:rPr lang="en-US" sz="2000" i="0" dirty="0">
+              <a:rPr lang="en-US" sz="2000" b="0" i="0" dirty="0">
                 <a:solidFill>
                   <a:srgbClr val="374151"/>
                 </a:solidFill>
@@ -14423,9 +14423,27 @@
                 <a:latin typeface="Times New Roman" panose="02020603050405020304" pitchFamily="18" charset="0"/>
                 <a:cs typeface="Times New Roman" panose="02020603050405020304" pitchFamily="18" charset="0"/>
               </a:rPr>
-              <a:t>The objective of using scalar encoders with buckets is to address the limitations of the Scalar Encoder by converting continuous input values to a discrete number of buckets resulting in higher precision, versatility and support for periodic encoding.</a:t>
+              <a:t>The objective of the paper is to evaluate the limitations of Scalar Encoder and propose a solution by combining it with Buckets to improve its versatility and adaptability to varied datasets. The paper aims to address the challenge of converting continuous quantities into discrete values, which is often required in machine learning and data analysis. </a:t>
             </a:r>
-            <a:endParaRPr lang="en-US" sz="3200" dirty="0">
+          </a:p>
+          <a:p>
+            <a:pPr marL="169164" indent="-169164" algn="just" defTabSz="676656">
+              <a:spcBef>
+                <a:spcPts val="740"/>
+              </a:spcBef>
+            </a:pPr>
+            <a:r>
+              <a:rPr lang="en-US" sz="2000" b="0" i="0" dirty="0">
+                <a:solidFill>
+                  <a:srgbClr val="374151"/>
+                </a:solidFill>
+                <a:effectLst/>
+                <a:latin typeface="Times New Roman" panose="02020603050405020304" pitchFamily="18" charset="0"/>
+                <a:cs typeface="Times New Roman" panose="02020603050405020304" pitchFamily="18" charset="0"/>
+              </a:rPr>
+              <a:t>By introducing the concept of Buckets, the paper seeks to provide a more precise and efficient method for encoding data, particularly in scenarios where periodic encoding of values is needed. Overall, the objective of the paper is to enhance the performance and accuracy of Scalar Encoder in real-world applications, particularly in sensor data analysis.</a:t>
+            </a:r>
+            <a:endParaRPr lang="en-US" sz="2000" dirty="0">
               <a:latin typeface="Times New Roman" panose="02020603050405020304" pitchFamily="18" charset="0"/>
               <a:cs typeface="Times New Roman" panose="02020603050405020304" pitchFamily="18" charset="0"/>
             </a:endParaRPr>

--- a/source/NeoCortexApi/Documents/Group Presentation[ScalarEncoder with Buckets].pptx
+++ b/source/NeoCortexApi/Documents/Group Presentation[ScalarEncoder with Buckets].pptx
@@ -4,6 +4,9 @@
   <p:sldMasterIdLst>
     <p:sldMasterId id="2147483648" r:id="rId1"/>
   </p:sldMasterIdLst>
+  <p:notesMasterIdLst>
+    <p:notesMasterId r:id="rId16"/>
+  </p:notesMasterIdLst>
   <p:sldIdLst>
     <p:sldId id="270" r:id="rId2"/>
     <p:sldId id="260" r:id="rId3"/>
@@ -15,11 +18,10 @@
     <p:sldId id="267" r:id="rId9"/>
     <p:sldId id="266" r:id="rId10"/>
     <p:sldId id="268" r:id="rId11"/>
-    <p:sldId id="272" r:id="rId12"/>
-    <p:sldId id="273" r:id="rId13"/>
-    <p:sldId id="274" r:id="rId14"/>
-    <p:sldId id="271" r:id="rId15"/>
-    <p:sldId id="275" r:id="rId16"/>
+    <p:sldId id="273" r:id="rId12"/>
+    <p:sldId id="274" r:id="rId13"/>
+    <p:sldId id="271" r:id="rId14"/>
+    <p:sldId id="275" r:id="rId15"/>
   </p:sldIdLst>
   <p:sldSz cx="12192000" cy="6858000"/>
   <p:notesSz cx="6858000" cy="9144000"/>
@@ -153,7 +155,6 @@
           <p14:sldIdLst>
             <p14:sldId id="266"/>
             <p14:sldId id="268"/>
-            <p14:sldId id="272"/>
             <p14:sldId id="273"/>
             <p14:sldId id="274"/>
             <p14:sldId id="271"/>
@@ -2876,7 +2877,7 @@
   <dgm:whole/>
   <dgm:extLst>
     <a:ext uri="http://schemas.microsoft.com/office/drawing/2008/diagram">
-      <dsp:dataModelExt xmlns:dsp="http://schemas.microsoft.com/office/drawing/2008/diagram" relId="rId7" minVer="http://schemas.openxmlformats.org/drawingml/2006/diagram"/>
+      <dsp:dataModelExt xmlns:dsp="http://schemas.microsoft.com/office/drawing/2008/diagram" relId="rId8" minVer="http://schemas.openxmlformats.org/drawingml/2006/diagram"/>
     </a:ext>
   </dgm:extLst>
 </dgm:dataModel>
@@ -3308,7 +3309,7 @@
   <dgm:whole/>
   <dgm:extLst>
     <a:ext uri="http://schemas.microsoft.com/office/drawing/2008/diagram">
-      <dsp:dataModelExt xmlns:dsp="http://schemas.microsoft.com/office/drawing/2008/diagram" relId="rId7" minVer="http://schemas.openxmlformats.org/drawingml/2006/diagram"/>
+      <dsp:dataModelExt xmlns:dsp="http://schemas.microsoft.com/office/drawing/2008/diagram" relId="rId8" minVer="http://schemas.openxmlformats.org/drawingml/2006/diagram"/>
     </a:ext>
   </dgm:extLst>
 </dgm:dataModel>
@@ -3833,7 +3834,7 @@
   <dgm:whole/>
   <dgm:extLst>
     <a:ext uri="http://schemas.microsoft.com/office/drawing/2008/diagram">
-      <dsp:dataModelExt xmlns:dsp="http://schemas.microsoft.com/office/drawing/2008/diagram" relId="rId7" minVer="http://schemas.openxmlformats.org/drawingml/2006/diagram"/>
+      <dsp:dataModelExt xmlns:dsp="http://schemas.microsoft.com/office/drawing/2008/diagram" relId="rId8" minVer="http://schemas.openxmlformats.org/drawingml/2006/diagram"/>
     </a:ext>
   </dgm:extLst>
 </dgm:dataModel>
@@ -9659,6 +9660,1226 @@
 </dgm:styleDef>
 </file>
 
+<file path=ppt/notesMasters/notesMaster1.xml><?xml version="1.0" encoding="utf-8"?>
+<p:notesMaster xmlns:a="http://schemas.openxmlformats.org/drawingml/2006/main" xmlns:r="http://schemas.openxmlformats.org/officeDocument/2006/relationships" xmlns:p="http://schemas.openxmlformats.org/presentationml/2006/main">
+  <p:cSld>
+    <p:bg>
+      <p:bgRef idx="1001">
+        <a:schemeClr val="bg1"/>
+      </p:bgRef>
+    </p:bg>
+    <p:spTree>
+      <p:nvGrpSpPr>
+        <p:cNvPr id="1" name=""/>
+        <p:cNvGrpSpPr/>
+        <p:nvPr/>
+      </p:nvGrpSpPr>
+      <p:grpSpPr>
+        <a:xfrm>
+          <a:off x="0" y="0"/>
+          <a:ext cx="0" cy="0"/>
+          <a:chOff x="0" y="0"/>
+          <a:chExt cx="0" cy="0"/>
+        </a:xfrm>
+      </p:grpSpPr>
+      <p:sp>
+        <p:nvSpPr>
+          <p:cNvPr id="2" name="Header Placeholder 1"/>
+          <p:cNvSpPr>
+            <a:spLocks noGrp="1"/>
+          </p:cNvSpPr>
+          <p:nvPr>
+            <p:ph type="hdr" sz="quarter"/>
+          </p:nvPr>
+        </p:nvSpPr>
+        <p:spPr>
+          <a:xfrm>
+            <a:off x="0" y="0"/>
+            <a:ext cx="2971800" cy="458788"/>
+          </a:xfrm>
+          <a:prstGeom prst="rect">
+            <a:avLst/>
+          </a:prstGeom>
+        </p:spPr>
+        <p:txBody>
+          <a:bodyPr vert="horz" lIns="91440" tIns="45720" rIns="91440" bIns="45720" rtlCol="0"/>
+          <a:lstStyle>
+            <a:lvl1pPr algn="l">
+              <a:defRPr sz="1200"/>
+            </a:lvl1pPr>
+          </a:lstStyle>
+          <a:p>
+            <a:endParaRPr lang="en-IN"/>
+          </a:p>
+        </p:txBody>
+      </p:sp>
+      <p:sp>
+        <p:nvSpPr>
+          <p:cNvPr id="3" name="Date Placeholder 2"/>
+          <p:cNvSpPr>
+            <a:spLocks noGrp="1"/>
+          </p:cNvSpPr>
+          <p:nvPr>
+            <p:ph type="dt" idx="1"/>
+          </p:nvPr>
+        </p:nvSpPr>
+        <p:spPr>
+          <a:xfrm>
+            <a:off x="3884613" y="0"/>
+            <a:ext cx="2971800" cy="458788"/>
+          </a:xfrm>
+          <a:prstGeom prst="rect">
+            <a:avLst/>
+          </a:prstGeom>
+        </p:spPr>
+        <p:txBody>
+          <a:bodyPr vert="horz" lIns="91440" tIns="45720" rIns="91440" bIns="45720" rtlCol="0"/>
+          <a:lstStyle>
+            <a:lvl1pPr algn="r">
+              <a:defRPr sz="1200"/>
+            </a:lvl1pPr>
+          </a:lstStyle>
+          <a:p>
+            <a:fld id="{6020AC04-416F-43AE-A9F3-9AC4C00F590F}" type="datetimeFigureOut">
+              <a:rPr lang="en-IN" smtClean="0"/>
+              <a:t>30-03-2023</a:t>
+            </a:fld>
+            <a:endParaRPr lang="en-IN"/>
+          </a:p>
+        </p:txBody>
+      </p:sp>
+      <p:sp>
+        <p:nvSpPr>
+          <p:cNvPr id="4" name="Slide Image Placeholder 3"/>
+          <p:cNvSpPr>
+            <a:spLocks noGrp="1" noRot="1" noChangeAspect="1"/>
+          </p:cNvSpPr>
+          <p:nvPr>
+            <p:ph type="sldImg" idx="2"/>
+          </p:nvPr>
+        </p:nvSpPr>
+        <p:spPr>
+          <a:xfrm>
+            <a:off x="685800" y="1143000"/>
+            <a:ext cx="5486400" cy="3086100"/>
+          </a:xfrm>
+          <a:prstGeom prst="rect">
+            <a:avLst/>
+          </a:prstGeom>
+          <a:noFill/>
+          <a:ln w="12700">
+            <a:solidFill>
+              <a:prstClr val="black"/>
+            </a:solidFill>
+          </a:ln>
+        </p:spPr>
+        <p:txBody>
+          <a:bodyPr vert="horz" lIns="91440" tIns="45720" rIns="91440" bIns="45720" rtlCol="0" anchor="ctr"/>
+          <a:lstStyle/>
+          <a:p>
+            <a:endParaRPr lang="en-IN"/>
+          </a:p>
+        </p:txBody>
+      </p:sp>
+      <p:sp>
+        <p:nvSpPr>
+          <p:cNvPr id="5" name="Notes Placeholder 4"/>
+          <p:cNvSpPr>
+            <a:spLocks noGrp="1"/>
+          </p:cNvSpPr>
+          <p:nvPr>
+            <p:ph type="body" sz="quarter" idx="3"/>
+          </p:nvPr>
+        </p:nvSpPr>
+        <p:spPr>
+          <a:xfrm>
+            <a:off x="685800" y="4400550"/>
+            <a:ext cx="5486400" cy="3600450"/>
+          </a:xfrm>
+          <a:prstGeom prst="rect">
+            <a:avLst/>
+          </a:prstGeom>
+        </p:spPr>
+        <p:txBody>
+          <a:bodyPr vert="horz" lIns="91440" tIns="45720" rIns="91440" bIns="45720" rtlCol="0"/>
+          <a:lstStyle/>
+          <a:p>
+            <a:pPr lvl="0"/>
+            <a:r>
+              <a:rPr lang="en-US"/>
+              <a:t>Click to edit Master text styles</a:t>
+            </a:r>
+          </a:p>
+          <a:p>
+            <a:pPr lvl="1"/>
+            <a:r>
+              <a:rPr lang="en-US"/>
+              <a:t>Second level</a:t>
+            </a:r>
+          </a:p>
+          <a:p>
+            <a:pPr lvl="2"/>
+            <a:r>
+              <a:rPr lang="en-US"/>
+              <a:t>Third level</a:t>
+            </a:r>
+          </a:p>
+          <a:p>
+            <a:pPr lvl="3"/>
+            <a:r>
+              <a:rPr lang="en-US"/>
+              <a:t>Fourth level</a:t>
+            </a:r>
+          </a:p>
+          <a:p>
+            <a:pPr lvl="4"/>
+            <a:r>
+              <a:rPr lang="en-US"/>
+              <a:t>Fifth level</a:t>
+            </a:r>
+            <a:endParaRPr lang="en-IN"/>
+          </a:p>
+        </p:txBody>
+      </p:sp>
+      <p:sp>
+        <p:nvSpPr>
+          <p:cNvPr id="6" name="Footer Placeholder 5"/>
+          <p:cNvSpPr>
+            <a:spLocks noGrp="1"/>
+          </p:cNvSpPr>
+          <p:nvPr>
+            <p:ph type="ftr" sz="quarter" idx="4"/>
+          </p:nvPr>
+        </p:nvSpPr>
+        <p:spPr>
+          <a:xfrm>
+            <a:off x="0" y="8685213"/>
+            <a:ext cx="2971800" cy="458787"/>
+          </a:xfrm>
+          <a:prstGeom prst="rect">
+            <a:avLst/>
+          </a:prstGeom>
+        </p:spPr>
+        <p:txBody>
+          <a:bodyPr vert="horz" lIns="91440" tIns="45720" rIns="91440" bIns="45720" rtlCol="0" anchor="b"/>
+          <a:lstStyle>
+            <a:lvl1pPr algn="l">
+              <a:defRPr sz="1200"/>
+            </a:lvl1pPr>
+          </a:lstStyle>
+          <a:p>
+            <a:endParaRPr lang="en-IN"/>
+          </a:p>
+        </p:txBody>
+      </p:sp>
+      <p:sp>
+        <p:nvSpPr>
+          <p:cNvPr id="7" name="Slide Number Placeholder 6"/>
+          <p:cNvSpPr>
+            <a:spLocks noGrp="1"/>
+          </p:cNvSpPr>
+          <p:nvPr>
+            <p:ph type="sldNum" sz="quarter" idx="5"/>
+          </p:nvPr>
+        </p:nvSpPr>
+        <p:spPr>
+          <a:xfrm>
+            <a:off x="3884613" y="8685213"/>
+            <a:ext cx="2971800" cy="458787"/>
+          </a:xfrm>
+          <a:prstGeom prst="rect">
+            <a:avLst/>
+          </a:prstGeom>
+        </p:spPr>
+        <p:txBody>
+          <a:bodyPr vert="horz" lIns="91440" tIns="45720" rIns="91440" bIns="45720" rtlCol="0" anchor="b"/>
+          <a:lstStyle>
+            <a:lvl1pPr algn="r">
+              <a:defRPr sz="1200"/>
+            </a:lvl1pPr>
+          </a:lstStyle>
+          <a:p>
+            <a:fld id="{50DC03F8-66B5-4F45-8F71-1319DA945C26}" type="slidenum">
+              <a:rPr lang="en-IN" smtClean="0"/>
+              <a:t>‹#›</a:t>
+            </a:fld>
+            <a:endParaRPr lang="en-IN"/>
+          </a:p>
+        </p:txBody>
+      </p:sp>
+    </p:spTree>
+    <p:extLst>
+      <p:ext uri="{BB962C8B-B14F-4D97-AF65-F5344CB8AC3E}">
+        <p14:creationId xmlns:p14="http://schemas.microsoft.com/office/powerpoint/2010/main" val="3005998051"/>
+      </p:ext>
+    </p:extLst>
+  </p:cSld>
+  <p:clrMap bg1="lt1" tx1="dk1" bg2="lt2" tx2="dk2" accent1="accent1" accent2="accent2" accent3="accent3" accent4="accent4" accent5="accent5" accent6="accent6" hlink="hlink" folHlink="folHlink"/>
+  <p:notesStyle>
+    <a:lvl1pPr marL="0" algn="l" defTabSz="914400" rtl="0" eaLnBrk="1" latinLnBrk="0" hangingPunct="1">
+      <a:defRPr sz="1200" kern="1200">
+        <a:solidFill>
+          <a:schemeClr val="tx1"/>
+        </a:solidFill>
+        <a:latin typeface="+mn-lt"/>
+        <a:ea typeface="+mn-ea"/>
+        <a:cs typeface="+mn-cs"/>
+      </a:defRPr>
+    </a:lvl1pPr>
+    <a:lvl2pPr marL="457200" algn="l" defTabSz="914400" rtl="0" eaLnBrk="1" latinLnBrk="0" hangingPunct="1">
+      <a:defRPr sz="1200" kern="1200">
+        <a:solidFill>
+          <a:schemeClr val="tx1"/>
+        </a:solidFill>
+        <a:latin typeface="+mn-lt"/>
+        <a:ea typeface="+mn-ea"/>
+        <a:cs typeface="+mn-cs"/>
+      </a:defRPr>
+    </a:lvl2pPr>
+    <a:lvl3pPr marL="914400" algn="l" defTabSz="914400" rtl="0" eaLnBrk="1" latinLnBrk="0" hangingPunct="1">
+      <a:defRPr sz="1200" kern="1200">
+        <a:solidFill>
+          <a:schemeClr val="tx1"/>
+        </a:solidFill>
+        <a:latin typeface="+mn-lt"/>
+        <a:ea typeface="+mn-ea"/>
+        <a:cs typeface="+mn-cs"/>
+      </a:defRPr>
+    </a:lvl3pPr>
+    <a:lvl4pPr marL="1371600" algn="l" defTabSz="914400" rtl="0" eaLnBrk="1" latinLnBrk="0" hangingPunct="1">
+      <a:defRPr sz="1200" kern="1200">
+        <a:solidFill>
+          <a:schemeClr val="tx1"/>
+        </a:solidFill>
+        <a:latin typeface="+mn-lt"/>
+        <a:ea typeface="+mn-ea"/>
+        <a:cs typeface="+mn-cs"/>
+      </a:defRPr>
+    </a:lvl4pPr>
+    <a:lvl5pPr marL="1828800" algn="l" defTabSz="914400" rtl="0" eaLnBrk="1" latinLnBrk="0" hangingPunct="1">
+      <a:defRPr sz="1200" kern="1200">
+        <a:solidFill>
+          <a:schemeClr val="tx1"/>
+        </a:solidFill>
+        <a:latin typeface="+mn-lt"/>
+        <a:ea typeface="+mn-ea"/>
+        <a:cs typeface="+mn-cs"/>
+      </a:defRPr>
+    </a:lvl5pPr>
+    <a:lvl6pPr marL="2286000" algn="l" defTabSz="914400" rtl="0" eaLnBrk="1" latinLnBrk="0" hangingPunct="1">
+      <a:defRPr sz="1200" kern="1200">
+        <a:solidFill>
+          <a:schemeClr val="tx1"/>
+        </a:solidFill>
+        <a:latin typeface="+mn-lt"/>
+        <a:ea typeface="+mn-ea"/>
+        <a:cs typeface="+mn-cs"/>
+      </a:defRPr>
+    </a:lvl6pPr>
+    <a:lvl7pPr marL="2743200" algn="l" defTabSz="914400" rtl="0" eaLnBrk="1" latinLnBrk="0" hangingPunct="1">
+      <a:defRPr sz="1200" kern="1200">
+        <a:solidFill>
+          <a:schemeClr val="tx1"/>
+        </a:solidFill>
+        <a:latin typeface="+mn-lt"/>
+        <a:ea typeface="+mn-ea"/>
+        <a:cs typeface="+mn-cs"/>
+      </a:defRPr>
+    </a:lvl7pPr>
+    <a:lvl8pPr marL="3200400" algn="l" defTabSz="914400" rtl="0" eaLnBrk="1" latinLnBrk="0" hangingPunct="1">
+      <a:defRPr sz="1200" kern="1200">
+        <a:solidFill>
+          <a:schemeClr val="tx1"/>
+        </a:solidFill>
+        <a:latin typeface="+mn-lt"/>
+        <a:ea typeface="+mn-ea"/>
+        <a:cs typeface="+mn-cs"/>
+      </a:defRPr>
+    </a:lvl8pPr>
+    <a:lvl9pPr marL="3657600" algn="l" defTabSz="914400" rtl="0" eaLnBrk="1" latinLnBrk="0" hangingPunct="1">
+      <a:defRPr sz="1200" kern="1200">
+        <a:solidFill>
+          <a:schemeClr val="tx1"/>
+        </a:solidFill>
+        <a:latin typeface="+mn-lt"/>
+        <a:ea typeface="+mn-ea"/>
+        <a:cs typeface="+mn-cs"/>
+      </a:defRPr>
+    </a:lvl9pPr>
+  </p:notesStyle>
+</p:notesMaster>
+</file>
+
+<file path=ppt/notesSlides/notesSlide1.xml><?xml version="1.0" encoding="utf-8"?>
+<p:notes xmlns:a="http://schemas.openxmlformats.org/drawingml/2006/main" xmlns:r="http://schemas.openxmlformats.org/officeDocument/2006/relationships" xmlns:p="http://schemas.openxmlformats.org/presentationml/2006/main">
+  <p:cSld>
+    <p:spTree>
+      <p:nvGrpSpPr>
+        <p:cNvPr id="1" name=""/>
+        <p:cNvGrpSpPr/>
+        <p:nvPr/>
+      </p:nvGrpSpPr>
+      <p:grpSpPr>
+        <a:xfrm>
+          <a:off x="0" y="0"/>
+          <a:ext cx="0" cy="0"/>
+          <a:chOff x="0" y="0"/>
+          <a:chExt cx="0" cy="0"/>
+        </a:xfrm>
+      </p:grpSpPr>
+      <p:sp>
+        <p:nvSpPr>
+          <p:cNvPr id="2" name="Slide Image Placeholder 1"/>
+          <p:cNvSpPr>
+            <a:spLocks noGrp="1" noRot="1" noChangeAspect="1"/>
+          </p:cNvSpPr>
+          <p:nvPr>
+            <p:ph type="sldImg"/>
+          </p:nvPr>
+        </p:nvSpPr>
+        <p:spPr/>
+      </p:sp>
+      <p:sp>
+        <p:nvSpPr>
+          <p:cNvPr id="3" name="Notes Placeholder 2"/>
+          <p:cNvSpPr>
+            <a:spLocks noGrp="1"/>
+          </p:cNvSpPr>
+          <p:nvPr>
+            <p:ph type="body" idx="1"/>
+          </p:nvPr>
+        </p:nvSpPr>
+        <p:spPr/>
+        <p:txBody>
+          <a:bodyPr/>
+          <a:lstStyle/>
+          <a:p>
+            <a:r>
+              <a:rPr lang="en-IN" dirty="0"/>
+              <a:t>Sahith</a:t>
+            </a:r>
+          </a:p>
+        </p:txBody>
+      </p:sp>
+      <p:sp>
+        <p:nvSpPr>
+          <p:cNvPr id="4" name="Slide Number Placeholder 3"/>
+          <p:cNvSpPr>
+            <a:spLocks noGrp="1"/>
+          </p:cNvSpPr>
+          <p:nvPr>
+            <p:ph type="sldNum" sz="quarter" idx="5"/>
+          </p:nvPr>
+        </p:nvSpPr>
+        <p:spPr/>
+        <p:txBody>
+          <a:bodyPr/>
+          <a:lstStyle/>
+          <a:p>
+            <a:fld id="{50DC03F8-66B5-4F45-8F71-1319DA945C26}" type="slidenum">
+              <a:rPr lang="en-IN" smtClean="0"/>
+              <a:t>2</a:t>
+            </a:fld>
+            <a:endParaRPr lang="en-IN"/>
+          </a:p>
+        </p:txBody>
+      </p:sp>
+    </p:spTree>
+    <p:extLst>
+      <p:ext uri="{BB962C8B-B14F-4D97-AF65-F5344CB8AC3E}">
+        <p14:creationId xmlns:p14="http://schemas.microsoft.com/office/powerpoint/2010/main" val="591977205"/>
+      </p:ext>
+    </p:extLst>
+  </p:cSld>
+  <p:clrMapOvr>
+    <a:masterClrMapping/>
+  </p:clrMapOvr>
+</p:notes>
+</file>
+
+<file path=ppt/notesSlides/notesSlide10.xml><?xml version="1.0" encoding="utf-8"?>
+<p:notes xmlns:a="http://schemas.openxmlformats.org/drawingml/2006/main" xmlns:r="http://schemas.openxmlformats.org/officeDocument/2006/relationships" xmlns:p="http://schemas.openxmlformats.org/presentationml/2006/main">
+  <p:cSld>
+    <p:spTree>
+      <p:nvGrpSpPr>
+        <p:cNvPr id="1" name=""/>
+        <p:cNvGrpSpPr/>
+        <p:nvPr/>
+      </p:nvGrpSpPr>
+      <p:grpSpPr>
+        <a:xfrm>
+          <a:off x="0" y="0"/>
+          <a:ext cx="0" cy="0"/>
+          <a:chOff x="0" y="0"/>
+          <a:chExt cx="0" cy="0"/>
+        </a:xfrm>
+      </p:grpSpPr>
+      <p:sp>
+        <p:nvSpPr>
+          <p:cNvPr id="2" name="Slide Image Placeholder 1"/>
+          <p:cNvSpPr>
+            <a:spLocks noGrp="1" noRot="1" noChangeAspect="1"/>
+          </p:cNvSpPr>
+          <p:nvPr>
+            <p:ph type="sldImg"/>
+          </p:nvPr>
+        </p:nvSpPr>
+        <p:spPr/>
+      </p:sp>
+      <p:sp>
+        <p:nvSpPr>
+          <p:cNvPr id="3" name="Notes Placeholder 2"/>
+          <p:cNvSpPr>
+            <a:spLocks noGrp="1"/>
+          </p:cNvSpPr>
+          <p:nvPr>
+            <p:ph type="body" idx="1"/>
+          </p:nvPr>
+        </p:nvSpPr>
+        <p:spPr/>
+        <p:txBody>
+          <a:bodyPr/>
+          <a:lstStyle/>
+          <a:p>
+            <a:r>
+              <a:rPr lang="en-IN" dirty="0"/>
+              <a:t>Sahith</a:t>
+            </a:r>
+          </a:p>
+        </p:txBody>
+      </p:sp>
+      <p:sp>
+        <p:nvSpPr>
+          <p:cNvPr id="4" name="Slide Number Placeholder 3"/>
+          <p:cNvSpPr>
+            <a:spLocks noGrp="1"/>
+          </p:cNvSpPr>
+          <p:nvPr>
+            <p:ph type="sldNum" sz="quarter" idx="5"/>
+          </p:nvPr>
+        </p:nvSpPr>
+        <p:spPr/>
+        <p:txBody>
+          <a:bodyPr/>
+          <a:lstStyle/>
+          <a:p>
+            <a:fld id="{50DC03F8-66B5-4F45-8F71-1319DA945C26}" type="slidenum">
+              <a:rPr lang="en-IN" smtClean="0"/>
+              <a:t>12</a:t>
+            </a:fld>
+            <a:endParaRPr lang="en-IN"/>
+          </a:p>
+        </p:txBody>
+      </p:sp>
+    </p:spTree>
+    <p:extLst>
+      <p:ext uri="{BB962C8B-B14F-4D97-AF65-F5344CB8AC3E}">
+        <p14:creationId xmlns:p14="http://schemas.microsoft.com/office/powerpoint/2010/main" val="371698016"/>
+      </p:ext>
+    </p:extLst>
+  </p:cSld>
+  <p:clrMapOvr>
+    <a:masterClrMapping/>
+  </p:clrMapOvr>
+</p:notes>
+</file>
+
+<file path=ppt/notesSlides/notesSlide2.xml><?xml version="1.0" encoding="utf-8"?>
+<p:notes xmlns:a="http://schemas.openxmlformats.org/drawingml/2006/main" xmlns:r="http://schemas.openxmlformats.org/officeDocument/2006/relationships" xmlns:p="http://schemas.openxmlformats.org/presentationml/2006/main">
+  <p:cSld>
+    <p:spTree>
+      <p:nvGrpSpPr>
+        <p:cNvPr id="1" name=""/>
+        <p:cNvGrpSpPr/>
+        <p:nvPr/>
+      </p:nvGrpSpPr>
+      <p:grpSpPr>
+        <a:xfrm>
+          <a:off x="0" y="0"/>
+          <a:ext cx="0" cy="0"/>
+          <a:chOff x="0" y="0"/>
+          <a:chExt cx="0" cy="0"/>
+        </a:xfrm>
+      </p:grpSpPr>
+      <p:sp>
+        <p:nvSpPr>
+          <p:cNvPr id="2" name="Slide Image Placeholder 1"/>
+          <p:cNvSpPr>
+            <a:spLocks noGrp="1" noRot="1" noChangeAspect="1"/>
+          </p:cNvSpPr>
+          <p:nvPr>
+            <p:ph type="sldImg"/>
+          </p:nvPr>
+        </p:nvSpPr>
+        <p:spPr/>
+      </p:sp>
+      <p:sp>
+        <p:nvSpPr>
+          <p:cNvPr id="3" name="Notes Placeholder 2"/>
+          <p:cNvSpPr>
+            <a:spLocks noGrp="1"/>
+          </p:cNvSpPr>
+          <p:nvPr>
+            <p:ph type="body" idx="1"/>
+          </p:nvPr>
+        </p:nvSpPr>
+        <p:spPr/>
+        <p:txBody>
+          <a:bodyPr/>
+          <a:lstStyle/>
+          <a:p>
+            <a:r>
+              <a:rPr lang="en-IN" dirty="0"/>
+              <a:t>Vinay</a:t>
+            </a:r>
+          </a:p>
+        </p:txBody>
+      </p:sp>
+      <p:sp>
+        <p:nvSpPr>
+          <p:cNvPr id="4" name="Slide Number Placeholder 3"/>
+          <p:cNvSpPr>
+            <a:spLocks noGrp="1"/>
+          </p:cNvSpPr>
+          <p:nvPr>
+            <p:ph type="sldNum" sz="quarter" idx="5"/>
+          </p:nvPr>
+        </p:nvSpPr>
+        <p:spPr/>
+        <p:txBody>
+          <a:bodyPr/>
+          <a:lstStyle/>
+          <a:p>
+            <a:fld id="{50DC03F8-66B5-4F45-8F71-1319DA945C26}" type="slidenum">
+              <a:rPr lang="en-IN" smtClean="0"/>
+              <a:t>4</a:t>
+            </a:fld>
+            <a:endParaRPr lang="en-IN"/>
+          </a:p>
+        </p:txBody>
+      </p:sp>
+    </p:spTree>
+    <p:extLst>
+      <p:ext uri="{BB962C8B-B14F-4D97-AF65-F5344CB8AC3E}">
+        <p14:creationId xmlns:p14="http://schemas.microsoft.com/office/powerpoint/2010/main" val="3624669605"/>
+      </p:ext>
+    </p:extLst>
+  </p:cSld>
+  <p:clrMapOvr>
+    <a:masterClrMapping/>
+  </p:clrMapOvr>
+</p:notes>
+</file>
+
+<file path=ppt/notesSlides/notesSlide3.xml><?xml version="1.0" encoding="utf-8"?>
+<p:notes xmlns:a="http://schemas.openxmlformats.org/drawingml/2006/main" xmlns:r="http://schemas.openxmlformats.org/officeDocument/2006/relationships" xmlns:p="http://schemas.openxmlformats.org/presentationml/2006/main">
+  <p:cSld>
+    <p:spTree>
+      <p:nvGrpSpPr>
+        <p:cNvPr id="1" name=""/>
+        <p:cNvGrpSpPr/>
+        <p:nvPr/>
+      </p:nvGrpSpPr>
+      <p:grpSpPr>
+        <a:xfrm>
+          <a:off x="0" y="0"/>
+          <a:ext cx="0" cy="0"/>
+          <a:chOff x="0" y="0"/>
+          <a:chExt cx="0" cy="0"/>
+        </a:xfrm>
+      </p:grpSpPr>
+      <p:sp>
+        <p:nvSpPr>
+          <p:cNvPr id="2" name="Slide Image Placeholder 1"/>
+          <p:cNvSpPr>
+            <a:spLocks noGrp="1" noRot="1" noChangeAspect="1"/>
+          </p:cNvSpPr>
+          <p:nvPr>
+            <p:ph type="sldImg"/>
+          </p:nvPr>
+        </p:nvSpPr>
+        <p:spPr/>
+      </p:sp>
+      <p:sp>
+        <p:nvSpPr>
+          <p:cNvPr id="3" name="Notes Placeholder 2"/>
+          <p:cNvSpPr>
+            <a:spLocks noGrp="1"/>
+          </p:cNvSpPr>
+          <p:nvPr>
+            <p:ph type="body" idx="1"/>
+          </p:nvPr>
+        </p:nvSpPr>
+        <p:spPr/>
+        <p:txBody>
+          <a:bodyPr/>
+          <a:lstStyle/>
+          <a:p>
+            <a:r>
+              <a:rPr lang="en-IN" dirty="0"/>
+              <a:t>Vinay</a:t>
+            </a:r>
+          </a:p>
+        </p:txBody>
+      </p:sp>
+      <p:sp>
+        <p:nvSpPr>
+          <p:cNvPr id="4" name="Slide Number Placeholder 3"/>
+          <p:cNvSpPr>
+            <a:spLocks noGrp="1"/>
+          </p:cNvSpPr>
+          <p:nvPr>
+            <p:ph type="sldNum" sz="quarter" idx="5"/>
+          </p:nvPr>
+        </p:nvSpPr>
+        <p:spPr/>
+        <p:txBody>
+          <a:bodyPr/>
+          <a:lstStyle/>
+          <a:p>
+            <a:fld id="{50DC03F8-66B5-4F45-8F71-1319DA945C26}" type="slidenum">
+              <a:rPr lang="en-IN" smtClean="0"/>
+              <a:t>5</a:t>
+            </a:fld>
+            <a:endParaRPr lang="en-IN"/>
+          </a:p>
+        </p:txBody>
+      </p:sp>
+    </p:spTree>
+    <p:extLst>
+      <p:ext uri="{BB962C8B-B14F-4D97-AF65-F5344CB8AC3E}">
+        <p14:creationId xmlns:p14="http://schemas.microsoft.com/office/powerpoint/2010/main" val="2743419379"/>
+      </p:ext>
+    </p:extLst>
+  </p:cSld>
+  <p:clrMapOvr>
+    <a:masterClrMapping/>
+  </p:clrMapOvr>
+</p:notes>
+</file>
+
+<file path=ppt/notesSlides/notesSlide4.xml><?xml version="1.0" encoding="utf-8"?>
+<p:notes xmlns:a="http://schemas.openxmlformats.org/drawingml/2006/main" xmlns:r="http://schemas.openxmlformats.org/officeDocument/2006/relationships" xmlns:p="http://schemas.openxmlformats.org/presentationml/2006/main">
+  <p:cSld>
+    <p:spTree>
+      <p:nvGrpSpPr>
+        <p:cNvPr id="1" name=""/>
+        <p:cNvGrpSpPr/>
+        <p:nvPr/>
+      </p:nvGrpSpPr>
+      <p:grpSpPr>
+        <a:xfrm>
+          <a:off x="0" y="0"/>
+          <a:ext cx="0" cy="0"/>
+          <a:chOff x="0" y="0"/>
+          <a:chExt cx="0" cy="0"/>
+        </a:xfrm>
+      </p:grpSpPr>
+      <p:sp>
+        <p:nvSpPr>
+          <p:cNvPr id="2" name="Slide Image Placeholder 1"/>
+          <p:cNvSpPr>
+            <a:spLocks noGrp="1" noRot="1" noChangeAspect="1"/>
+          </p:cNvSpPr>
+          <p:nvPr>
+            <p:ph type="sldImg"/>
+          </p:nvPr>
+        </p:nvSpPr>
+        <p:spPr/>
+      </p:sp>
+      <p:sp>
+        <p:nvSpPr>
+          <p:cNvPr id="3" name="Notes Placeholder 2"/>
+          <p:cNvSpPr>
+            <a:spLocks noGrp="1"/>
+          </p:cNvSpPr>
+          <p:nvPr>
+            <p:ph type="body" idx="1"/>
+          </p:nvPr>
+        </p:nvSpPr>
+        <p:spPr/>
+        <p:txBody>
+          <a:bodyPr/>
+          <a:lstStyle/>
+          <a:p>
+            <a:r>
+              <a:rPr lang="en-IN" dirty="0"/>
+              <a:t>Vinay</a:t>
+            </a:r>
+          </a:p>
+        </p:txBody>
+      </p:sp>
+      <p:sp>
+        <p:nvSpPr>
+          <p:cNvPr id="4" name="Slide Number Placeholder 3"/>
+          <p:cNvSpPr>
+            <a:spLocks noGrp="1"/>
+          </p:cNvSpPr>
+          <p:nvPr>
+            <p:ph type="sldNum" sz="quarter" idx="5"/>
+          </p:nvPr>
+        </p:nvSpPr>
+        <p:spPr/>
+        <p:txBody>
+          <a:bodyPr/>
+          <a:lstStyle/>
+          <a:p>
+            <a:fld id="{50DC03F8-66B5-4F45-8F71-1319DA945C26}" type="slidenum">
+              <a:rPr lang="en-IN" smtClean="0"/>
+              <a:t>6</a:t>
+            </a:fld>
+            <a:endParaRPr lang="en-IN"/>
+          </a:p>
+        </p:txBody>
+      </p:sp>
+    </p:spTree>
+    <p:extLst>
+      <p:ext uri="{BB962C8B-B14F-4D97-AF65-F5344CB8AC3E}">
+        <p14:creationId xmlns:p14="http://schemas.microsoft.com/office/powerpoint/2010/main" val="3515291838"/>
+      </p:ext>
+    </p:extLst>
+  </p:cSld>
+  <p:clrMapOvr>
+    <a:masterClrMapping/>
+  </p:clrMapOvr>
+</p:notes>
+</file>
+
+<file path=ppt/notesSlides/notesSlide5.xml><?xml version="1.0" encoding="utf-8"?>
+<p:notes xmlns:a="http://schemas.openxmlformats.org/drawingml/2006/main" xmlns:r="http://schemas.openxmlformats.org/officeDocument/2006/relationships" xmlns:p="http://schemas.openxmlformats.org/presentationml/2006/main">
+  <p:cSld>
+    <p:spTree>
+      <p:nvGrpSpPr>
+        <p:cNvPr id="1" name=""/>
+        <p:cNvGrpSpPr/>
+        <p:nvPr/>
+      </p:nvGrpSpPr>
+      <p:grpSpPr>
+        <a:xfrm>
+          <a:off x="0" y="0"/>
+          <a:ext cx="0" cy="0"/>
+          <a:chOff x="0" y="0"/>
+          <a:chExt cx="0" cy="0"/>
+        </a:xfrm>
+      </p:grpSpPr>
+      <p:sp>
+        <p:nvSpPr>
+          <p:cNvPr id="2" name="Slide Image Placeholder 1"/>
+          <p:cNvSpPr>
+            <a:spLocks noGrp="1" noRot="1" noChangeAspect="1"/>
+          </p:cNvSpPr>
+          <p:nvPr>
+            <p:ph type="sldImg"/>
+          </p:nvPr>
+        </p:nvSpPr>
+        <p:spPr/>
+      </p:sp>
+      <p:sp>
+        <p:nvSpPr>
+          <p:cNvPr id="3" name="Notes Placeholder 2"/>
+          <p:cNvSpPr>
+            <a:spLocks noGrp="1"/>
+          </p:cNvSpPr>
+          <p:nvPr>
+            <p:ph type="body" idx="1"/>
+          </p:nvPr>
+        </p:nvSpPr>
+        <p:spPr/>
+        <p:txBody>
+          <a:bodyPr/>
+          <a:lstStyle/>
+          <a:p>
+            <a:r>
+              <a:rPr lang="en-IN" dirty="0"/>
+              <a:t>Anil</a:t>
+            </a:r>
+          </a:p>
+        </p:txBody>
+      </p:sp>
+      <p:sp>
+        <p:nvSpPr>
+          <p:cNvPr id="4" name="Slide Number Placeholder 3"/>
+          <p:cNvSpPr>
+            <a:spLocks noGrp="1"/>
+          </p:cNvSpPr>
+          <p:nvPr>
+            <p:ph type="sldNum" sz="quarter" idx="5"/>
+          </p:nvPr>
+        </p:nvSpPr>
+        <p:spPr/>
+        <p:txBody>
+          <a:bodyPr/>
+          <a:lstStyle/>
+          <a:p>
+            <a:fld id="{50DC03F8-66B5-4F45-8F71-1319DA945C26}" type="slidenum">
+              <a:rPr lang="en-IN" smtClean="0"/>
+              <a:t>7</a:t>
+            </a:fld>
+            <a:endParaRPr lang="en-IN"/>
+          </a:p>
+        </p:txBody>
+      </p:sp>
+    </p:spTree>
+    <p:extLst>
+      <p:ext uri="{BB962C8B-B14F-4D97-AF65-F5344CB8AC3E}">
+        <p14:creationId xmlns:p14="http://schemas.microsoft.com/office/powerpoint/2010/main" val="3118153553"/>
+      </p:ext>
+    </p:extLst>
+  </p:cSld>
+  <p:clrMapOvr>
+    <a:masterClrMapping/>
+  </p:clrMapOvr>
+</p:notes>
+</file>
+
+<file path=ppt/notesSlides/notesSlide6.xml><?xml version="1.0" encoding="utf-8"?>
+<p:notes xmlns:a="http://schemas.openxmlformats.org/drawingml/2006/main" xmlns:r="http://schemas.openxmlformats.org/officeDocument/2006/relationships" xmlns:p="http://schemas.openxmlformats.org/presentationml/2006/main">
+  <p:cSld>
+    <p:spTree>
+      <p:nvGrpSpPr>
+        <p:cNvPr id="1" name=""/>
+        <p:cNvGrpSpPr/>
+        <p:nvPr/>
+      </p:nvGrpSpPr>
+      <p:grpSpPr>
+        <a:xfrm>
+          <a:off x="0" y="0"/>
+          <a:ext cx="0" cy="0"/>
+          <a:chOff x="0" y="0"/>
+          <a:chExt cx="0" cy="0"/>
+        </a:xfrm>
+      </p:grpSpPr>
+      <p:sp>
+        <p:nvSpPr>
+          <p:cNvPr id="2" name="Slide Image Placeholder 1"/>
+          <p:cNvSpPr>
+            <a:spLocks noGrp="1" noRot="1" noChangeAspect="1"/>
+          </p:cNvSpPr>
+          <p:nvPr>
+            <p:ph type="sldImg"/>
+          </p:nvPr>
+        </p:nvSpPr>
+        <p:spPr/>
+      </p:sp>
+      <p:sp>
+        <p:nvSpPr>
+          <p:cNvPr id="3" name="Notes Placeholder 2"/>
+          <p:cNvSpPr>
+            <a:spLocks noGrp="1"/>
+          </p:cNvSpPr>
+          <p:nvPr>
+            <p:ph type="body" idx="1"/>
+          </p:nvPr>
+        </p:nvSpPr>
+        <p:spPr/>
+        <p:txBody>
+          <a:bodyPr/>
+          <a:lstStyle/>
+          <a:p>
+            <a:r>
+              <a:rPr lang="en-IN" dirty="0"/>
+              <a:t>Anil</a:t>
+            </a:r>
+          </a:p>
+        </p:txBody>
+      </p:sp>
+      <p:sp>
+        <p:nvSpPr>
+          <p:cNvPr id="4" name="Slide Number Placeholder 3"/>
+          <p:cNvSpPr>
+            <a:spLocks noGrp="1"/>
+          </p:cNvSpPr>
+          <p:nvPr>
+            <p:ph type="sldNum" sz="quarter" idx="5"/>
+          </p:nvPr>
+        </p:nvSpPr>
+        <p:spPr/>
+        <p:txBody>
+          <a:bodyPr/>
+          <a:lstStyle/>
+          <a:p>
+            <a:fld id="{50DC03F8-66B5-4F45-8F71-1319DA945C26}" type="slidenum">
+              <a:rPr lang="en-IN" smtClean="0"/>
+              <a:t>8</a:t>
+            </a:fld>
+            <a:endParaRPr lang="en-IN"/>
+          </a:p>
+        </p:txBody>
+      </p:sp>
+    </p:spTree>
+    <p:extLst>
+      <p:ext uri="{BB962C8B-B14F-4D97-AF65-F5344CB8AC3E}">
+        <p14:creationId xmlns:p14="http://schemas.microsoft.com/office/powerpoint/2010/main" val="934171146"/>
+      </p:ext>
+    </p:extLst>
+  </p:cSld>
+  <p:clrMapOvr>
+    <a:masterClrMapping/>
+  </p:clrMapOvr>
+</p:notes>
+</file>
+
+<file path=ppt/notesSlides/notesSlide7.xml><?xml version="1.0" encoding="utf-8"?>
+<p:notes xmlns:a="http://schemas.openxmlformats.org/drawingml/2006/main" xmlns:r="http://schemas.openxmlformats.org/officeDocument/2006/relationships" xmlns:p="http://schemas.openxmlformats.org/presentationml/2006/main">
+  <p:cSld>
+    <p:spTree>
+      <p:nvGrpSpPr>
+        <p:cNvPr id="1" name=""/>
+        <p:cNvGrpSpPr/>
+        <p:nvPr/>
+      </p:nvGrpSpPr>
+      <p:grpSpPr>
+        <a:xfrm>
+          <a:off x="0" y="0"/>
+          <a:ext cx="0" cy="0"/>
+          <a:chOff x="0" y="0"/>
+          <a:chExt cx="0" cy="0"/>
+        </a:xfrm>
+      </p:grpSpPr>
+      <p:sp>
+        <p:nvSpPr>
+          <p:cNvPr id="2" name="Slide Image Placeholder 1"/>
+          <p:cNvSpPr>
+            <a:spLocks noGrp="1" noRot="1" noChangeAspect="1"/>
+          </p:cNvSpPr>
+          <p:nvPr>
+            <p:ph type="sldImg"/>
+          </p:nvPr>
+        </p:nvSpPr>
+        <p:spPr/>
+      </p:sp>
+      <p:sp>
+        <p:nvSpPr>
+          <p:cNvPr id="3" name="Notes Placeholder 2"/>
+          <p:cNvSpPr>
+            <a:spLocks noGrp="1"/>
+          </p:cNvSpPr>
+          <p:nvPr>
+            <p:ph type="body" idx="1"/>
+          </p:nvPr>
+        </p:nvSpPr>
+        <p:spPr/>
+        <p:txBody>
+          <a:bodyPr/>
+          <a:lstStyle/>
+          <a:p>
+            <a:r>
+              <a:rPr lang="en-IN" dirty="0"/>
+              <a:t>Anil</a:t>
+            </a:r>
+          </a:p>
+        </p:txBody>
+      </p:sp>
+      <p:sp>
+        <p:nvSpPr>
+          <p:cNvPr id="4" name="Slide Number Placeholder 3"/>
+          <p:cNvSpPr>
+            <a:spLocks noGrp="1"/>
+          </p:cNvSpPr>
+          <p:nvPr>
+            <p:ph type="sldNum" sz="quarter" idx="5"/>
+          </p:nvPr>
+        </p:nvSpPr>
+        <p:spPr/>
+        <p:txBody>
+          <a:bodyPr/>
+          <a:lstStyle/>
+          <a:p>
+            <a:fld id="{50DC03F8-66B5-4F45-8F71-1319DA945C26}" type="slidenum">
+              <a:rPr lang="en-IN" smtClean="0"/>
+              <a:t>9</a:t>
+            </a:fld>
+            <a:endParaRPr lang="en-IN"/>
+          </a:p>
+        </p:txBody>
+      </p:sp>
+    </p:spTree>
+    <p:extLst>
+      <p:ext uri="{BB962C8B-B14F-4D97-AF65-F5344CB8AC3E}">
+        <p14:creationId xmlns:p14="http://schemas.microsoft.com/office/powerpoint/2010/main" val="3312304241"/>
+      </p:ext>
+    </p:extLst>
+  </p:cSld>
+  <p:clrMapOvr>
+    <a:masterClrMapping/>
+  </p:clrMapOvr>
+</p:notes>
+</file>
+
+<file path=ppt/notesSlides/notesSlide8.xml><?xml version="1.0" encoding="utf-8"?>
+<p:notes xmlns:a="http://schemas.openxmlformats.org/drawingml/2006/main" xmlns:r="http://schemas.openxmlformats.org/officeDocument/2006/relationships" xmlns:p="http://schemas.openxmlformats.org/presentationml/2006/main">
+  <p:cSld>
+    <p:spTree>
+      <p:nvGrpSpPr>
+        <p:cNvPr id="1" name=""/>
+        <p:cNvGrpSpPr/>
+        <p:nvPr/>
+      </p:nvGrpSpPr>
+      <p:grpSpPr>
+        <a:xfrm>
+          <a:off x="0" y="0"/>
+          <a:ext cx="0" cy="0"/>
+          <a:chOff x="0" y="0"/>
+          <a:chExt cx="0" cy="0"/>
+        </a:xfrm>
+      </p:grpSpPr>
+      <p:sp>
+        <p:nvSpPr>
+          <p:cNvPr id="2" name="Slide Image Placeholder 1"/>
+          <p:cNvSpPr>
+            <a:spLocks noGrp="1" noRot="1" noChangeAspect="1"/>
+          </p:cNvSpPr>
+          <p:nvPr>
+            <p:ph type="sldImg"/>
+          </p:nvPr>
+        </p:nvSpPr>
+        <p:spPr/>
+      </p:sp>
+      <p:sp>
+        <p:nvSpPr>
+          <p:cNvPr id="3" name="Notes Placeholder 2"/>
+          <p:cNvSpPr>
+            <a:spLocks noGrp="1"/>
+          </p:cNvSpPr>
+          <p:nvPr>
+            <p:ph type="body" idx="1"/>
+          </p:nvPr>
+        </p:nvSpPr>
+        <p:spPr/>
+        <p:txBody>
+          <a:bodyPr/>
+          <a:lstStyle/>
+          <a:p>
+            <a:r>
+              <a:rPr lang="en-IN" dirty="0"/>
+              <a:t>Sahith</a:t>
+            </a:r>
+          </a:p>
+        </p:txBody>
+      </p:sp>
+      <p:sp>
+        <p:nvSpPr>
+          <p:cNvPr id="4" name="Slide Number Placeholder 3"/>
+          <p:cNvSpPr>
+            <a:spLocks noGrp="1"/>
+          </p:cNvSpPr>
+          <p:nvPr>
+            <p:ph type="sldNum" sz="quarter" idx="5"/>
+          </p:nvPr>
+        </p:nvSpPr>
+        <p:spPr/>
+        <p:txBody>
+          <a:bodyPr/>
+          <a:lstStyle/>
+          <a:p>
+            <a:fld id="{50DC03F8-66B5-4F45-8F71-1319DA945C26}" type="slidenum">
+              <a:rPr lang="en-IN" smtClean="0"/>
+              <a:t>10</a:t>
+            </a:fld>
+            <a:endParaRPr lang="en-IN"/>
+          </a:p>
+        </p:txBody>
+      </p:sp>
+    </p:spTree>
+    <p:extLst>
+      <p:ext uri="{BB962C8B-B14F-4D97-AF65-F5344CB8AC3E}">
+        <p14:creationId xmlns:p14="http://schemas.microsoft.com/office/powerpoint/2010/main" val="3486779098"/>
+      </p:ext>
+    </p:extLst>
+  </p:cSld>
+  <p:clrMapOvr>
+    <a:masterClrMapping/>
+  </p:clrMapOvr>
+</p:notes>
+</file>
+
+<file path=ppt/notesSlides/notesSlide9.xml><?xml version="1.0" encoding="utf-8"?>
+<p:notes xmlns:a="http://schemas.openxmlformats.org/drawingml/2006/main" xmlns:r="http://schemas.openxmlformats.org/officeDocument/2006/relationships" xmlns:p="http://schemas.openxmlformats.org/presentationml/2006/main">
+  <p:cSld>
+    <p:spTree>
+      <p:nvGrpSpPr>
+        <p:cNvPr id="1" name=""/>
+        <p:cNvGrpSpPr/>
+        <p:nvPr/>
+      </p:nvGrpSpPr>
+      <p:grpSpPr>
+        <a:xfrm>
+          <a:off x="0" y="0"/>
+          <a:ext cx="0" cy="0"/>
+          <a:chOff x="0" y="0"/>
+          <a:chExt cx="0" cy="0"/>
+        </a:xfrm>
+      </p:grpSpPr>
+      <p:sp>
+        <p:nvSpPr>
+          <p:cNvPr id="2" name="Slide Image Placeholder 1"/>
+          <p:cNvSpPr>
+            <a:spLocks noGrp="1" noRot="1" noChangeAspect="1"/>
+          </p:cNvSpPr>
+          <p:nvPr>
+            <p:ph type="sldImg"/>
+          </p:nvPr>
+        </p:nvSpPr>
+        <p:spPr/>
+      </p:sp>
+      <p:sp>
+        <p:nvSpPr>
+          <p:cNvPr id="3" name="Notes Placeholder 2"/>
+          <p:cNvSpPr>
+            <a:spLocks noGrp="1"/>
+          </p:cNvSpPr>
+          <p:nvPr>
+            <p:ph type="body" idx="1"/>
+          </p:nvPr>
+        </p:nvSpPr>
+        <p:spPr/>
+        <p:txBody>
+          <a:bodyPr/>
+          <a:lstStyle/>
+          <a:p>
+            <a:r>
+              <a:rPr lang="en-IN" dirty="0"/>
+              <a:t>Sahith</a:t>
+            </a:r>
+          </a:p>
+        </p:txBody>
+      </p:sp>
+      <p:sp>
+        <p:nvSpPr>
+          <p:cNvPr id="4" name="Slide Number Placeholder 3"/>
+          <p:cNvSpPr>
+            <a:spLocks noGrp="1"/>
+          </p:cNvSpPr>
+          <p:nvPr>
+            <p:ph type="sldNum" sz="quarter" idx="5"/>
+          </p:nvPr>
+        </p:nvSpPr>
+        <p:spPr/>
+        <p:txBody>
+          <a:bodyPr/>
+          <a:lstStyle/>
+          <a:p>
+            <a:fld id="{50DC03F8-66B5-4F45-8F71-1319DA945C26}" type="slidenum">
+              <a:rPr lang="en-IN" smtClean="0"/>
+              <a:t>11</a:t>
+            </a:fld>
+            <a:endParaRPr lang="en-IN"/>
+          </a:p>
+        </p:txBody>
+      </p:sp>
+    </p:spTree>
+    <p:extLst>
+      <p:ext uri="{BB962C8B-B14F-4D97-AF65-F5344CB8AC3E}">
+        <p14:creationId xmlns:p14="http://schemas.microsoft.com/office/powerpoint/2010/main" val="2030680747"/>
+      </p:ext>
+    </p:extLst>
+  </p:cSld>
+  <p:clrMapOvr>
+    <a:masterClrMapping/>
+  </p:clrMapOvr>
+</p:notes>
+</file>
+
 <file path=ppt/slideLayouts/slideLayout1.xml><?xml version="1.0" encoding="utf-8"?>
 <p:sldLayout xmlns:a="http://schemas.openxmlformats.org/drawingml/2006/main" xmlns:r="http://schemas.openxmlformats.org/officeDocument/2006/relationships" xmlns:p="http://schemas.openxmlformats.org/presentationml/2006/main" type="titleOnly" preserve="1">
   <p:cSld name="Title Only">
@@ -9728,7 +10949,7 @@
           <a:p>
             <a:fld id="{1A460770-223A-490F-86CD-F601AF5780BC}" type="datetimeFigureOut">
               <a:rPr lang="en-IN" smtClean="0"/>
-              <a:t>29-03-2023</a:t>
+              <a:t>30-03-2023</a:t>
             </a:fld>
             <a:endParaRPr lang="en-IN"/>
           </a:p>
@@ -9971,7 +11192,7 @@
           <a:p>
             <a:fld id="{1A460770-223A-490F-86CD-F601AF5780BC}" type="datetimeFigureOut">
               <a:rPr lang="en-IN" smtClean="0"/>
-              <a:t>29-03-2023</a:t>
+              <a:t>30-03-2023</a:t>
             </a:fld>
             <a:endParaRPr lang="en-IN"/>
           </a:p>
@@ -10668,8 +11889,8 @@
         </p:nvSpPr>
         <p:spPr>
           <a:xfrm>
-            <a:off x="1496152" y="3877513"/>
-            <a:ext cx="4238257" cy="1261995"/>
+            <a:off x="1496153" y="3877513"/>
+            <a:ext cx="2856392" cy="1261995"/>
           </a:xfrm>
           <a:prstGeom prst="rect">
             <a:avLst/>
@@ -10677,11 +11898,11 @@
         </p:spPr>
         <p:txBody>
           <a:bodyPr vert="horz" lIns="91440" tIns="45720" rIns="91440" bIns="45720" rtlCol="0" anchor="t">
-            <a:normAutofit fontScale="92500" lnSpcReduction="10000"/>
+            <a:normAutofit fontScale="62500" lnSpcReduction="20000"/>
           </a:bodyPr>
           <a:lstStyle/>
           <a:p>
-            <a:pPr algn="ctr">
+            <a:pPr>
               <a:lnSpc>
                 <a:spcPct val="90000"/>
               </a:lnSpc>
@@ -10690,10 +11911,37 @@
               </a:spcAft>
             </a:pPr>
             <a:r>
-              <a:rPr lang="en-US" sz="2000" b="1" i="1" dirty="0" err="1"/>
+              <a:rPr lang="en-US" sz="2200" b="1" i="1" dirty="0">
+                <a:latin typeface="Times New Roman" panose="02020603050405020304" pitchFamily="18" charset="0"/>
+                <a:cs typeface="Times New Roman" panose="02020603050405020304" pitchFamily="18" charset="0"/>
+              </a:rPr>
+              <a:t>          </a:t>
+            </a:r>
+            <a:r>
+              <a:rPr lang="en-US" sz="2200" b="1" i="1" dirty="0" err="1">
+                <a:latin typeface="Times New Roman" panose="02020603050405020304" pitchFamily="18" charset="0"/>
+                <a:cs typeface="Times New Roman" panose="02020603050405020304" pitchFamily="18" charset="0"/>
+              </a:rPr>
               <a:t>Team_SpiralGanglions</a:t>
             </a:r>
-            <a:endParaRPr lang="en-US" sz="2000" b="1" i="1" dirty="0"/>
+            <a:endParaRPr lang="en-US" sz="2200" b="1" i="1" dirty="0">
+              <a:latin typeface="Times New Roman" panose="02020603050405020304" pitchFamily="18" charset="0"/>
+              <a:cs typeface="Times New Roman" panose="02020603050405020304" pitchFamily="18" charset="0"/>
+            </a:endParaRPr>
+          </a:p>
+          <a:p>
+            <a:pPr>
+              <a:lnSpc>
+                <a:spcPct val="90000"/>
+              </a:lnSpc>
+              <a:spcAft>
+                <a:spcPts val="600"/>
+              </a:spcAft>
+            </a:pPr>
+            <a:endParaRPr lang="en-US" sz="2200" b="1" i="1" dirty="0">
+              <a:latin typeface="Times New Roman" panose="02020603050405020304" pitchFamily="18" charset="0"/>
+              <a:cs typeface="Times New Roman" panose="02020603050405020304" pitchFamily="18" charset="0"/>
+            </a:endParaRPr>
           </a:p>
           <a:p>
             <a:pPr indent="-228600">
@@ -10707,19 +11955,31 @@
               <a:buChar char="•"/>
             </a:pPr>
             <a:r>
-              <a:rPr lang="en-US" sz="2000" b="1" i="1" dirty="0" err="1"/>
+              <a:rPr lang="en-US" sz="2000" b="1" i="1" dirty="0" err="1">
+                <a:latin typeface="Times New Roman" panose="02020603050405020304" pitchFamily="18" charset="0"/>
+                <a:cs typeface="Times New Roman" panose="02020603050405020304" pitchFamily="18" charset="0"/>
+              </a:rPr>
               <a:t>Sahith</a:t>
             </a:r>
             <a:r>
-              <a:rPr lang="en-US" sz="2000" b="1" i="1" dirty="0"/>
+              <a:rPr lang="en-US" sz="2000" b="1" i="1" dirty="0">
+                <a:latin typeface="Times New Roman" panose="02020603050405020304" pitchFamily="18" charset="0"/>
+                <a:cs typeface="Times New Roman" panose="02020603050405020304" pitchFamily="18" charset="0"/>
+              </a:rPr>
               <a:t> Kumar </a:t>
             </a:r>
             <a:r>
-              <a:rPr lang="en-US" sz="2000" b="1" i="1" dirty="0" err="1"/>
+              <a:rPr lang="en-US" sz="2000" b="1" i="1" dirty="0" err="1">
+                <a:latin typeface="Times New Roman" panose="02020603050405020304" pitchFamily="18" charset="0"/>
+                <a:cs typeface="Times New Roman" panose="02020603050405020304" pitchFamily="18" charset="0"/>
+              </a:rPr>
               <a:t>Singari</a:t>
             </a:r>
             <a:r>
-              <a:rPr lang="en-US" sz="2000" b="1" i="1" dirty="0"/>
+              <a:rPr lang="en-US" sz="2000" b="1" i="1" dirty="0">
+                <a:latin typeface="Times New Roman" panose="02020603050405020304" pitchFamily="18" charset="0"/>
+                <a:cs typeface="Times New Roman" panose="02020603050405020304" pitchFamily="18" charset="0"/>
+              </a:rPr>
               <a:t> -1446809</a:t>
             </a:r>
           </a:p>
@@ -10735,7 +11995,10 @@
               <a:buChar char="•"/>
             </a:pPr>
             <a:r>
-              <a:rPr lang="en-US" sz="2000" b="1" i="1" dirty="0"/>
+              <a:rPr lang="en-US" sz="2000" b="1" i="1" dirty="0">
+                <a:latin typeface="Times New Roman" panose="02020603050405020304" pitchFamily="18" charset="0"/>
+                <a:cs typeface="Times New Roman" panose="02020603050405020304" pitchFamily="18" charset="0"/>
+              </a:rPr>
               <a:t>Anil Kumar Gadiraju-1428607</a:t>
             </a:r>
           </a:p>
@@ -10751,15 +12014,24 @@
               <a:buChar char="•"/>
             </a:pPr>
             <a:r>
-              <a:rPr lang="en-US" sz="2000" b="1" i="1" dirty="0"/>
+              <a:rPr lang="en-US" sz="2000" b="1" i="1" dirty="0">
+                <a:latin typeface="Times New Roman" panose="02020603050405020304" pitchFamily="18" charset="0"/>
+                <a:cs typeface="Times New Roman" panose="02020603050405020304" pitchFamily="18" charset="0"/>
+              </a:rPr>
               <a:t>Vinay Kumar </a:t>
             </a:r>
             <a:r>
-              <a:rPr lang="en-US" sz="2000" b="1" i="1" dirty="0" err="1"/>
+              <a:rPr lang="en-US" sz="2000" b="1" i="1" dirty="0" err="1">
+                <a:latin typeface="Times New Roman" panose="02020603050405020304" pitchFamily="18" charset="0"/>
+                <a:cs typeface="Times New Roman" panose="02020603050405020304" pitchFamily="18" charset="0"/>
+              </a:rPr>
               <a:t>Bandaru</a:t>
             </a:r>
             <a:r>
-              <a:rPr lang="en-US" sz="2000" b="1" i="1" dirty="0"/>
+              <a:rPr lang="en-US" sz="2000" b="1" i="1" dirty="0">
+                <a:latin typeface="Times New Roman" panose="02020603050405020304" pitchFamily="18" charset="0"/>
+                <a:cs typeface="Times New Roman" panose="02020603050405020304" pitchFamily="18" charset="0"/>
+              </a:rPr>
               <a:t> - 1447125</a:t>
             </a:r>
           </a:p>
@@ -11014,8 +12286,8 @@
         </p:nvSpPr>
         <p:spPr>
           <a:xfrm>
-            <a:off x="1523999" y="1389321"/>
-            <a:ext cx="9144000" cy="3274592"/>
+            <a:off x="874775" y="683065"/>
+            <a:ext cx="9144000" cy="6857364"/>
           </a:xfrm>
         </p:spPr>
         <p:txBody>
@@ -11024,7 +12296,7 @@
           </a:bodyPr>
           <a:lstStyle/>
           <a:p>
-            <a:pPr algn="ctr"/>
+            <a:pPr algn="l"/>
             <a:r>
               <a:rPr lang="en-US" sz="1800" b="1" kern="1200" dirty="0">
                 <a:solidFill>
@@ -11033,20 +12305,10 @@
                 <a:latin typeface="Times New Roman" panose="02020603050405020304" pitchFamily="18" charset="0"/>
                 <a:cs typeface="Times New Roman" panose="02020603050405020304" pitchFamily="18" charset="0"/>
               </a:rPr>
-              <a:t>GetFirstOnBit</a:t>
-            </a:r>
-            <a:r>
-              <a:rPr lang="en-US" sz="1800" kern="1200" dirty="0">
-                <a:solidFill>
-                  <a:schemeClr val="tx1"/>
-                </a:solidFill>
-                <a:latin typeface="Times New Roman" panose="02020603050405020304" pitchFamily="18" charset="0"/>
-                <a:cs typeface="Times New Roman" panose="02020603050405020304" pitchFamily="18" charset="0"/>
-              </a:rPr>
-              <a:t>: Returns the bit offset of the first bit to be set in the encoder output.</a:t>
+              <a:t>ClosenessScores:</a:t>
             </a:r>
             <a:br>
-              <a:rPr lang="en-US" sz="1800" kern="1200" dirty="0">
+              <a:rPr lang="en-US" sz="1800" b="1" kern="1200" dirty="0">
                 <a:solidFill>
                   <a:schemeClr val="tx1"/>
                 </a:solidFill>
@@ -11055,199 +12317,242 @@
               </a:rPr>
             </a:br>
             <a:r>
-              <a:rPr lang="en-US" sz="1800" b="1" kern="1200" dirty="0">
-                <a:solidFill>
-                  <a:schemeClr val="tx1"/>
-                </a:solidFill>
+              <a:rPr lang="en-US" sz="1800" b="0" i="0" dirty="0">
+                <a:effectLst/>
+                <a:latin typeface="Times New Roman" panose="02020603050405020304" pitchFamily="18" charset="0"/>
+                <a:cs typeface="Times New Roman" panose="02020603050405020304" pitchFamily="18" charset="0"/>
+              </a:rPr>
+              <a:t>Calculates the closeness score of an input value to each bucket </a:t>
+            </a:r>
+            <a:r>
+              <a:rPr lang="en-US" sz="1800" b="0" i="0" dirty="0" err="1">
+                <a:effectLst/>
+                <a:latin typeface="Times New Roman" panose="02020603050405020304" pitchFamily="18" charset="0"/>
+                <a:cs typeface="Times New Roman" panose="02020603050405020304" pitchFamily="18" charset="0"/>
+              </a:rPr>
+              <a:t>range.Returns</a:t>
+            </a:r>
+            <a:r>
+              <a:rPr lang="en-US" sz="1800" b="0" i="0" dirty="0">
+                <a:effectLst/>
+                <a:latin typeface="Times New Roman" panose="02020603050405020304" pitchFamily="18" charset="0"/>
+                <a:cs typeface="Times New Roman" panose="02020603050405020304" pitchFamily="18" charset="0"/>
+              </a:rPr>
+              <a:t> a list of activation levels for each bucket</a:t>
+            </a:r>
+            <a:r>
+              <a:rPr lang="en-US" sz="1800" dirty="0">
+                <a:latin typeface="Times New Roman" panose="02020603050405020304" pitchFamily="18" charset="0"/>
+                <a:cs typeface="Times New Roman" panose="02020603050405020304" pitchFamily="18" charset="0"/>
+              </a:rPr>
+              <a:t>.</a:t>
+            </a:r>
+            <a:br>
+              <a:rPr lang="en-US" sz="1800" dirty="0">
+                <a:latin typeface="Times New Roman" panose="02020603050405020304" pitchFamily="18" charset="0"/>
+                <a:cs typeface="Times New Roman" panose="02020603050405020304" pitchFamily="18" charset="0"/>
+              </a:rPr>
+            </a:br>
+            <a:r>
+              <a:rPr lang="en-US" sz="1800" b="1" i="0" dirty="0">
+                <a:effectLst/>
+                <a:latin typeface="Times New Roman" panose="02020603050405020304" pitchFamily="18" charset="0"/>
+                <a:cs typeface="Times New Roman" panose="02020603050405020304" pitchFamily="18" charset="0"/>
+              </a:rPr>
+              <a:t>EncodeIntoArray:</a:t>
+            </a:r>
+            <a:r>
+              <a:rPr lang="en-US" sz="1800" b="0" i="0" dirty="0">
+                <a:effectLst/>
+                <a:latin typeface="Times New Roman" panose="02020603050405020304" pitchFamily="18" charset="0"/>
+                <a:cs typeface="Times New Roman" panose="02020603050405020304" pitchFamily="18" charset="0"/>
+              </a:rPr>
+              <a:t>Maps input values to continuous ranges of buckets instead of individual </a:t>
+            </a:r>
+            <a:r>
+              <a:rPr lang="en-US" sz="1800" b="0" i="0" dirty="0" err="1">
+                <a:effectLst/>
+                <a:latin typeface="Times New Roman" panose="02020603050405020304" pitchFamily="18" charset="0"/>
+                <a:cs typeface="Times New Roman" panose="02020603050405020304" pitchFamily="18" charset="0"/>
+              </a:rPr>
+              <a:t>buckets.Returns</a:t>
+            </a:r>
+            <a:r>
+              <a:rPr lang="en-US" sz="1800" b="0" i="0" dirty="0">
+                <a:effectLst/>
+                <a:latin typeface="Times New Roman" panose="02020603050405020304" pitchFamily="18" charset="0"/>
+                <a:cs typeface="Times New Roman" panose="02020603050405020304" pitchFamily="18" charset="0"/>
+              </a:rPr>
+              <a:t> an encoded array of activation levels for each bucket.</a:t>
+            </a:r>
+            <a:br>
+              <a:rPr lang="en-US" sz="1800" b="0" i="0" dirty="0">
+                <a:effectLst/>
+                <a:latin typeface="Times New Roman" panose="02020603050405020304" pitchFamily="18" charset="0"/>
+                <a:cs typeface="Times New Roman" panose="02020603050405020304" pitchFamily="18" charset="0"/>
+              </a:rPr>
+            </a:br>
+            <a:r>
+              <a:rPr lang="en-US" sz="1800" b="1" i="0" dirty="0">
+                <a:effectLst/>
+                <a:latin typeface="Times New Roman" panose="02020603050405020304" pitchFamily="18" charset="0"/>
+                <a:cs typeface="Times New Roman" panose="02020603050405020304" pitchFamily="18" charset="0"/>
+              </a:rPr>
+              <a:t>Decode: </a:t>
+            </a:r>
+            <a:r>
+              <a:rPr lang="en-US" sz="1800" b="0" i="0" dirty="0">
+                <a:effectLst/>
+                <a:latin typeface="Times New Roman" panose="02020603050405020304" pitchFamily="18" charset="0"/>
+                <a:cs typeface="Times New Roman" panose="02020603050405020304" pitchFamily="18" charset="0"/>
+              </a:rPr>
+              <a:t>Decodes the encoded array back to the original input </a:t>
+            </a:r>
+            <a:r>
+              <a:rPr lang="en-US" sz="1800" b="0" i="0" dirty="0" err="1">
+                <a:effectLst/>
+                <a:latin typeface="Times New Roman" panose="02020603050405020304" pitchFamily="18" charset="0"/>
+                <a:cs typeface="Times New Roman" panose="02020603050405020304" pitchFamily="18" charset="0"/>
+              </a:rPr>
+              <a:t>values.Uses</a:t>
+            </a:r>
+            <a:r>
+              <a:rPr lang="en-US" sz="1800" b="0" i="0" dirty="0">
+                <a:effectLst/>
+                <a:latin typeface="Times New Roman" panose="02020603050405020304" pitchFamily="18" charset="0"/>
+                <a:cs typeface="Times New Roman" panose="02020603050405020304" pitchFamily="18" charset="0"/>
+              </a:rPr>
+              <a:t> the same parameters as the Decode method.</a:t>
+            </a:r>
+            <a:br>
+              <a:rPr lang="en-US" sz="1800" b="0" i="0" dirty="0">
+                <a:effectLst/>
+                <a:latin typeface="Times New Roman" panose="02020603050405020304" pitchFamily="18" charset="0"/>
+                <a:cs typeface="Times New Roman" panose="02020603050405020304" pitchFamily="18" charset="0"/>
+              </a:rPr>
+            </a:br>
+            <a:r>
+              <a:rPr lang="en-US" sz="1800" b="1" i="0" dirty="0">
+                <a:effectLst/>
+                <a:latin typeface="Times New Roman" panose="02020603050405020304" pitchFamily="18" charset="0"/>
+                <a:cs typeface="Times New Roman" panose="02020603050405020304" pitchFamily="18" charset="0"/>
+              </a:rPr>
+              <a:t>GetBucketIndex: </a:t>
+            </a:r>
+            <a:r>
+              <a:rPr lang="en-US" sz="1800" b="0" i="0" dirty="0">
+                <a:effectLst/>
+                <a:latin typeface="Times New Roman" panose="02020603050405020304" pitchFamily="18" charset="0"/>
+                <a:cs typeface="Times New Roman" panose="02020603050405020304" pitchFamily="18" charset="0"/>
+              </a:rPr>
+              <a:t>Supports periodic encoding of values. Returns the index of the bucket that an input value belongs to.</a:t>
+            </a:r>
+            <a:br>
+              <a:rPr lang="en-US" sz="1800" b="0" i="0" dirty="0">
+                <a:effectLst/>
+                <a:latin typeface="Times New Roman" panose="02020603050405020304" pitchFamily="18" charset="0"/>
+                <a:cs typeface="Times New Roman" panose="02020603050405020304" pitchFamily="18" charset="0"/>
+              </a:rPr>
+            </a:br>
+            <a:r>
+              <a:rPr lang="en-US" sz="1800" b="1" i="0" dirty="0">
+                <a:effectLst/>
+                <a:latin typeface="Times New Roman" panose="02020603050405020304" pitchFamily="18" charset="0"/>
+                <a:cs typeface="Times New Roman" panose="02020603050405020304" pitchFamily="18" charset="0"/>
+              </a:rPr>
+              <a:t>GetTopDownMapping: </a:t>
+            </a:r>
+            <a:r>
+              <a:rPr lang="en-US" sz="1800" b="0" i="0" dirty="0">
+                <a:effectLst/>
+                <a:latin typeface="Times New Roman" panose="02020603050405020304" pitchFamily="18" charset="0"/>
+                <a:cs typeface="Times New Roman" panose="02020603050405020304" pitchFamily="18" charset="0"/>
+              </a:rPr>
+              <a:t>Automatically generates a hierarchy of levels for the bucket ranges based on their size. Returns a list of levels and their corresponding bucket ranges.</a:t>
+            </a:r>
+            <a:br>
+              <a:rPr lang="en-US" sz="1800" b="0" i="0" dirty="0">
+                <a:effectLst/>
+                <a:latin typeface="Times New Roman" panose="02020603050405020304" pitchFamily="18" charset="0"/>
+                <a:cs typeface="Times New Roman" panose="02020603050405020304" pitchFamily="18" charset="0"/>
+              </a:rPr>
+            </a:br>
+            <a:r>
+              <a:rPr lang="en-US" sz="1800" b="1" i="0" dirty="0">
+                <a:effectLst/>
                 <a:latin typeface="Times New Roman" panose="02020603050405020304" pitchFamily="18" charset="0"/>
                 <a:cs typeface="Times New Roman" panose="02020603050405020304" pitchFamily="18" charset="0"/>
               </a:rPr>
               <a:t>GenerateRangeDescription: </a:t>
             </a:r>
             <a:r>
-              <a:rPr lang="en-US" sz="1800" kern="1200" dirty="0">
-                <a:solidFill>
-                  <a:schemeClr val="tx1"/>
-                </a:solidFill>
+              <a:rPr lang="en-US" sz="1800" b="0" i="0" dirty="0">
+                <a:effectLst/>
                 <a:latin typeface="Times New Roman" panose="02020603050405020304" pitchFamily="18" charset="0"/>
                 <a:cs typeface="Times New Roman" panose="02020603050405020304" pitchFamily="18" charset="0"/>
               </a:rPr>
-              <a:t>Creates a description from a range's text description.</a:t>
+              <a:t>Generates a description of the bucket ranges used to encode the data. Returns a string describing the bucket ranges and their parameters.</a:t>
             </a:r>
             <a:br>
-              <a:rPr lang="en-US" sz="1800" kern="1200" dirty="0">
-                <a:solidFill>
-                  <a:schemeClr val="tx1"/>
-                </a:solidFill>
+              <a:rPr lang="en-US" sz="1800" b="0" i="0" dirty="0">
+                <a:effectLst/>
                 <a:latin typeface="Times New Roman" panose="02020603050405020304" pitchFamily="18" charset="0"/>
                 <a:cs typeface="Times New Roman" panose="02020603050405020304" pitchFamily="18" charset="0"/>
               </a:rPr>
             </a:br>
             <a:r>
-              <a:rPr lang="en-US" sz="1800" b="1" kern="1200" dirty="0">
-                <a:solidFill>
-                  <a:schemeClr val="tx1"/>
-                </a:solidFill>
+              <a:rPr lang="en-US" sz="1800" b="1" i="0" dirty="0">
+                <a:effectLst/>
                 <a:latin typeface="Times New Roman" panose="02020603050405020304" pitchFamily="18" charset="0"/>
                 <a:cs typeface="Times New Roman" panose="02020603050405020304" pitchFamily="18" charset="0"/>
               </a:rPr>
-              <a:t>GetBucketIndex: </a:t>
+              <a:t>GetBucketInfo: </a:t>
             </a:r>
             <a:r>
-              <a:rPr lang="en-US" sz="1800" kern="1200" dirty="0">
-                <a:solidFill>
-                  <a:schemeClr val="tx1"/>
-                </a:solidFill>
+              <a:rPr lang="en-US" sz="1800" b="0" i="0" dirty="0">
+                <a:effectLst/>
                 <a:latin typeface="Times New Roman" panose="02020603050405020304" pitchFamily="18" charset="0"/>
                 <a:cs typeface="Times New Roman" panose="02020603050405020304" pitchFamily="18" charset="0"/>
               </a:rPr>
-              <a:t>Subclasses must override this method and return a list of values for every bucket that the encoder has specified.</a:t>
+              <a:t>Provides information on the parameters used to create the bucket ranges, such as the min and max values and the bucket size. Returns a dictionary of the parameters for each bucket range.</a:t>
             </a:r>
             <a:br>
-              <a:rPr lang="en-US" sz="1800" kern="1200" dirty="0">
-                <a:solidFill>
-                  <a:schemeClr val="tx1"/>
-                </a:solidFill>
+              <a:rPr lang="en-US" sz="1800" b="0" i="0" dirty="0">
+                <a:effectLst/>
                 <a:latin typeface="Times New Roman" panose="02020603050405020304" pitchFamily="18" charset="0"/>
                 <a:cs typeface="Times New Roman" panose="02020603050405020304" pitchFamily="18" charset="0"/>
               </a:rPr>
             </a:br>
             <a:r>
-              <a:rPr lang="en-US" sz="1800" b="1" kern="1200" dirty="0">
-                <a:solidFill>
-                  <a:schemeClr val="tx1"/>
-                </a:solidFill>
+              <a:rPr lang="en-US" sz="1800" b="1" i="0" dirty="0">
+                <a:effectLst/>
                 <a:latin typeface="Times New Roman" panose="02020603050405020304" pitchFamily="18" charset="0"/>
                 <a:cs typeface="Times New Roman" panose="02020603050405020304" pitchFamily="18" charset="0"/>
               </a:rPr>
-              <a:t>GetBucketValue</a:t>
+              <a:t>GetBucketValues: </a:t>
             </a:r>
             <a:r>
-              <a:rPr lang="en-US" sz="1800" kern="1200" dirty="0">
-                <a:solidFill>
-                  <a:schemeClr val="tx1"/>
-                </a:solidFill>
+              <a:rPr lang="en-US" sz="1800" b="0" i="0" dirty="0">
+                <a:effectLst/>
                 <a:latin typeface="Times New Roman" panose="02020603050405020304" pitchFamily="18" charset="0"/>
                 <a:cs typeface="Times New Roman" panose="02020603050405020304" pitchFamily="18" charset="0"/>
               </a:rPr>
-              <a:t>: Sets the value of the bucket at the given index to the given value.</a:t>
+              <a:t>Returns the list of bucket values for a given bucket range. Useful for encoding cyclical data with periodic encoding.</a:t>
             </a:r>
             <a:br>
-              <a:rPr lang="en-US" sz="1800" kern="1200" dirty="0">
-                <a:solidFill>
-                  <a:schemeClr val="tx1"/>
-                </a:solidFill>
+              <a:rPr lang="en-US" sz="1800" b="0" i="0" dirty="0">
+                <a:effectLst/>
                 <a:latin typeface="Times New Roman" panose="02020603050405020304" pitchFamily="18" charset="0"/>
                 <a:cs typeface="Times New Roman" panose="02020603050405020304" pitchFamily="18" charset="0"/>
               </a:rPr>
             </a:br>
-            <a:r>
-              <a:rPr lang="en-US" sz="1800" b="1" kern="1200" dirty="0">
-                <a:solidFill>
-                  <a:schemeClr val="tx1"/>
-                </a:solidFill>
-                <a:latin typeface="Times New Roman" panose="02020603050405020304" pitchFamily="18" charset="0"/>
-                <a:cs typeface="Times New Roman" panose="02020603050405020304" pitchFamily="18" charset="0"/>
-              </a:rPr>
-              <a:t>GetBucketInfo</a:t>
-            </a:r>
-            <a:r>
-              <a:rPr lang="en-US" sz="1800" kern="1200" dirty="0">
-                <a:solidFill>
-                  <a:schemeClr val="tx1"/>
-                </a:solidFill>
-                <a:latin typeface="Times New Roman" panose="02020603050405020304" pitchFamily="18" charset="0"/>
-                <a:cs typeface="Times New Roman" panose="02020603050405020304" pitchFamily="18" charset="0"/>
-              </a:rPr>
-              <a:t>: Returns information about the associated bucket in the scalar encoder as an int array that is generated by passing a double input value.</a:t>
-            </a:r>
             <a:br>
-              <a:rPr lang="en-US" sz="1800" kern="1200" dirty="0">
-                <a:solidFill>
-                  <a:schemeClr val="tx1"/>
-                </a:solidFill>
+              <a:rPr lang="en-US" sz="1800" b="0" i="0" dirty="0">
+                <a:effectLst/>
                 <a:latin typeface="Times New Roman" panose="02020603050405020304" pitchFamily="18" charset="0"/>
                 <a:cs typeface="Times New Roman" panose="02020603050405020304" pitchFamily="18" charset="0"/>
               </a:rPr>
             </a:br>
-            <a:r>
-              <a:rPr lang="en-US" sz="1800" b="1" kern="1200" dirty="0">
-                <a:solidFill>
-                  <a:schemeClr val="tx1"/>
-                </a:solidFill>
-                <a:latin typeface="Times New Roman" panose="02020603050405020304" pitchFamily="18" charset="0"/>
-                <a:cs typeface="Times New Roman" panose="02020603050405020304" pitchFamily="18" charset="0"/>
-              </a:rPr>
-              <a:t>EncodeIntoArray</a:t>
-            </a:r>
-            <a:r>
-              <a:rPr lang="en-US" sz="1800" kern="1200" dirty="0">
-                <a:solidFill>
-                  <a:schemeClr val="tx1"/>
-                </a:solidFill>
-                <a:latin typeface="Times New Roman" panose="02020603050405020304" pitchFamily="18" charset="0"/>
-                <a:cs typeface="Times New Roman" panose="02020603050405020304" pitchFamily="18" charset="0"/>
-              </a:rPr>
-              <a:t>: Encodes input data and writes the encoded value to a 1-D array of length.</a:t>
-            </a:r>
-            <a:br>
-              <a:rPr lang="en-US" sz="1800" kern="1200" dirty="0">
-                <a:solidFill>
-                  <a:schemeClr val="tx1"/>
-                </a:solidFill>
-                <a:latin typeface="Times New Roman" panose="02020603050405020304" pitchFamily="18" charset="0"/>
-                <a:cs typeface="Times New Roman" panose="02020603050405020304" pitchFamily="18" charset="0"/>
-              </a:rPr>
-            </a:br>
-            <a:r>
-              <a:rPr lang="en-US" sz="1800" b="1" kern="1200" dirty="0">
-                <a:solidFill>
-                  <a:schemeClr val="tx1"/>
-                </a:solidFill>
-                <a:latin typeface="Times New Roman" panose="02020603050405020304" pitchFamily="18" charset="0"/>
-                <a:cs typeface="Times New Roman" panose="02020603050405020304" pitchFamily="18" charset="0"/>
-              </a:rPr>
-              <a:t>GetEncodedValues</a:t>
-            </a:r>
-            <a:r>
-              <a:rPr lang="en-US" sz="1800" kern="1200" dirty="0">
-                <a:solidFill>
-                  <a:schemeClr val="tx1"/>
-                </a:solidFill>
-                <a:latin typeface="Times New Roman" panose="02020603050405020304" pitchFamily="18" charset="0"/>
-                <a:cs typeface="Times New Roman" panose="02020603050405020304" pitchFamily="18" charset="0"/>
-              </a:rPr>
-              <a:t>: Returns the input data in the same format as the "topDownCompute" method, which is the same as the input data for most encoder types.</a:t>
-            </a:r>
-            <a:br>
-              <a:rPr lang="en-US" sz="1800" kern="1200" dirty="0">
-                <a:solidFill>
-                  <a:schemeClr val="tx1"/>
-                </a:solidFill>
-                <a:latin typeface="Times New Roman" panose="02020603050405020304" pitchFamily="18" charset="0"/>
-                <a:cs typeface="Times New Roman" panose="02020603050405020304" pitchFamily="18" charset="0"/>
-              </a:rPr>
-            </a:br>
-            <a:r>
-              <a:rPr lang="en-US" sz="1800" b="1" kern="1200" dirty="0">
-                <a:solidFill>
-                  <a:schemeClr val="tx1"/>
-                </a:solidFill>
-                <a:latin typeface="Times New Roman" panose="02020603050405020304" pitchFamily="18" charset="0"/>
-                <a:cs typeface="Times New Roman" panose="02020603050405020304" pitchFamily="18" charset="0"/>
-              </a:rPr>
-              <a:t>ClosenessScores</a:t>
-            </a:r>
-            <a:r>
-              <a:rPr lang="en-US" sz="1800" kern="1200" dirty="0">
-                <a:solidFill>
-                  <a:schemeClr val="tx1"/>
-                </a:solidFill>
-                <a:latin typeface="Times New Roman" panose="02020603050405020304" pitchFamily="18" charset="0"/>
-                <a:cs typeface="Times New Roman" panose="02020603050405020304" pitchFamily="18" charset="0"/>
-              </a:rPr>
-              <a:t>: Calculates ratings of proximity between the expected and actual scalar values, providing a single closeness score for each value in expValues (or actValues).</a:t>
-            </a:r>
             <a:br>
               <a:rPr lang="en-US" sz="1800" kern="1200" dirty="0">
                 <a:solidFill>
@@ -11262,18 +12567,79 @@
                 <a:solidFill>
                   <a:schemeClr val="tx1"/>
                 </a:solidFill>
-                <a:latin typeface="+mj-lt"/>
-                <a:ea typeface="+mj-ea"/>
-                <a:cs typeface="+mj-cs"/>
+                <a:latin typeface="Times New Roman" panose="02020603050405020304" pitchFamily="18" charset="0"/>
+                <a:cs typeface="Times New Roman" panose="02020603050405020304" pitchFamily="18" charset="0"/>
+              </a:rPr>
+            </a:br>
+            <a:br>
+              <a:rPr lang="en-US" sz="1800" kern="1200" dirty="0">
+                <a:solidFill>
+                  <a:schemeClr val="tx1"/>
+                </a:solidFill>
+                <a:latin typeface="Times New Roman" panose="02020603050405020304" pitchFamily="18" charset="0"/>
+                <a:cs typeface="Times New Roman" panose="02020603050405020304" pitchFamily="18" charset="0"/>
+              </a:rPr>
+            </a:br>
+            <a:br>
+              <a:rPr lang="en-US" sz="1800" kern="1200" dirty="0">
+                <a:solidFill>
+                  <a:schemeClr val="tx1"/>
+                </a:solidFill>
+                <a:latin typeface="Times New Roman" panose="02020603050405020304" pitchFamily="18" charset="0"/>
+                <a:cs typeface="Times New Roman" panose="02020603050405020304" pitchFamily="18" charset="0"/>
+              </a:rPr>
+            </a:br>
+            <a:br>
+              <a:rPr lang="en-US" sz="1800" kern="1200" dirty="0">
+                <a:solidFill>
+                  <a:schemeClr val="tx1"/>
+                </a:solidFill>
+                <a:latin typeface="Times New Roman" panose="02020603050405020304" pitchFamily="18" charset="0"/>
+                <a:cs typeface="Times New Roman" panose="02020603050405020304" pitchFamily="18" charset="0"/>
+              </a:rPr>
+            </a:br>
+            <a:br>
+              <a:rPr lang="en-US" sz="1800" kern="1200" dirty="0">
+                <a:solidFill>
+                  <a:schemeClr val="tx1"/>
+                </a:solidFill>
+                <a:latin typeface="Times New Roman" panose="02020603050405020304" pitchFamily="18" charset="0"/>
+                <a:cs typeface="Times New Roman" panose="02020603050405020304" pitchFamily="18" charset="0"/>
+              </a:rPr>
+            </a:br>
+            <a:br>
+              <a:rPr lang="en-US" sz="1800" kern="1200" dirty="0">
+                <a:solidFill>
+                  <a:schemeClr val="tx1"/>
+                </a:solidFill>
+                <a:latin typeface="Times New Roman" panose="02020603050405020304" pitchFamily="18" charset="0"/>
+                <a:cs typeface="Times New Roman" panose="02020603050405020304" pitchFamily="18" charset="0"/>
+              </a:rPr>
+            </a:br>
+            <a:br>
+              <a:rPr lang="en-US" sz="1800" kern="1200" dirty="0">
+                <a:solidFill>
+                  <a:schemeClr val="tx1"/>
+                </a:solidFill>
+                <a:latin typeface="Times New Roman" panose="02020603050405020304" pitchFamily="18" charset="0"/>
+                <a:cs typeface="Times New Roman" panose="02020603050405020304" pitchFamily="18" charset="0"/>
+              </a:rPr>
+            </a:br>
+            <a:br>
+              <a:rPr lang="en-US" sz="1800" kern="1200" dirty="0">
+                <a:solidFill>
+                  <a:schemeClr val="tx1"/>
+                </a:solidFill>
+                <a:latin typeface="Times New Roman" panose="02020603050405020304" pitchFamily="18" charset="0"/>
+                <a:cs typeface="Times New Roman" panose="02020603050405020304" pitchFamily="18" charset="0"/>
               </a:rPr>
             </a:br>
             <a:endParaRPr lang="en-US" sz="1800" kern="1200" dirty="0">
               <a:solidFill>
                 <a:schemeClr val="tx1"/>
               </a:solidFill>
-              <a:latin typeface="+mj-lt"/>
-              <a:ea typeface="+mj-ea"/>
-              <a:cs typeface="+mj-cs"/>
+              <a:latin typeface="Times New Roman" panose="02020603050405020304" pitchFamily="18" charset="0"/>
+              <a:cs typeface="Times New Roman" panose="02020603050405020304" pitchFamily="18" charset="0"/>
             </a:endParaRPr>
           </a:p>
         </p:txBody>
@@ -11398,350 +12764,6 @@
 </file>
 
 <file path=ppt/slides/slide11.xml><?xml version="1.0" encoding="utf-8"?>
-<p:sld xmlns:a="http://schemas.openxmlformats.org/drawingml/2006/main" xmlns:r="http://schemas.openxmlformats.org/officeDocument/2006/relationships" xmlns:p="http://schemas.openxmlformats.org/presentationml/2006/main">
-  <p:cSld>
-    <p:bg>
-      <p:bgPr>
-        <a:solidFill>
-          <a:schemeClr val="bg1"/>
-        </a:solidFill>
-        <a:effectLst/>
-      </p:bgPr>
-    </p:bg>
-    <p:spTree>
-      <p:nvGrpSpPr>
-        <p:cNvPr id="1" name=""/>
-        <p:cNvGrpSpPr/>
-        <p:nvPr/>
-      </p:nvGrpSpPr>
-      <p:grpSpPr>
-        <a:xfrm>
-          <a:off x="0" y="0"/>
-          <a:ext cx="0" cy="0"/>
-          <a:chOff x="0" y="0"/>
-          <a:chExt cx="0" cy="0"/>
-        </a:xfrm>
-      </p:grpSpPr>
-      <p:sp useBgFill="1">
-        <p:nvSpPr>
-          <p:cNvPr id="16" name="Rectangle 15">
-            <a:extLst>
-              <a:ext uri="{FF2B5EF4-FFF2-40B4-BE49-F238E27FC236}">
-                <a16:creationId xmlns:a16="http://schemas.microsoft.com/office/drawing/2014/main" id="{4522B21E-B2B9-4C72-9A71-C87EFD137480}"/>
-              </a:ext>
-              <a:ext uri="{C183D7F6-B498-43B3-948B-1728B52AA6E4}">
-                <adec:decorative xmlns:adec="http://schemas.microsoft.com/office/drawing/2017/decorative" val="1"/>
-              </a:ext>
-            </a:extLst>
-          </p:cNvPr>
-          <p:cNvSpPr>
-            <a:spLocks noGrp="1" noRot="1" noChangeAspect="1" noMove="1" noResize="1" noEditPoints="1" noAdjustHandles="1" noChangeArrowheads="1" noChangeShapeType="1" noTextEdit="1"/>
-          </p:cNvSpPr>
-          <p:nvPr>
-            <p:extLst>
-              <p:ext uri="{386F3935-93C4-4BCD-93E2-E3B085C9AB24}">
-                <p16:designElem xmlns:p16="http://schemas.microsoft.com/office/powerpoint/2015/main" val="1"/>
-              </p:ext>
-            </p:extLst>
-          </p:nvPr>
-        </p:nvSpPr>
-        <p:spPr>
-          <a:xfrm>
-            <a:off x="0" y="0"/>
-            <a:ext cx="12191999" cy="6857365"/>
-          </a:xfrm>
-          <a:prstGeom prst="rect">
-            <a:avLst/>
-          </a:prstGeom>
-          <a:ln>
-            <a:noFill/>
-          </a:ln>
-        </p:spPr>
-        <p:style>
-          <a:lnRef idx="2">
-            <a:schemeClr val="accent1">
-              <a:shade val="50000"/>
-            </a:schemeClr>
-          </a:lnRef>
-          <a:fillRef idx="1">
-            <a:schemeClr val="accent1"/>
-          </a:fillRef>
-          <a:effectRef idx="0">
-            <a:schemeClr val="accent1"/>
-          </a:effectRef>
-          <a:fontRef idx="minor">
-            <a:schemeClr val="lt1"/>
-          </a:fontRef>
-        </p:style>
-        <p:txBody>
-          <a:bodyPr rtlCol="0" anchor="ctr"/>
-          <a:lstStyle/>
-          <a:p>
-            <a:pPr algn="ctr"/>
-            <a:endParaRPr lang="en-US"/>
-          </a:p>
-        </p:txBody>
-      </p:sp>
-      <p:sp>
-        <p:nvSpPr>
-          <p:cNvPr id="18" name="Rectangle 17">
-            <a:extLst>
-              <a:ext uri="{FF2B5EF4-FFF2-40B4-BE49-F238E27FC236}">
-                <a16:creationId xmlns:a16="http://schemas.microsoft.com/office/drawing/2014/main" id="{5EB7D2A2-F448-44D4-938C-DC84CBCB3B1E}"/>
-              </a:ext>
-              <a:ext uri="{C183D7F6-B498-43B3-948B-1728B52AA6E4}">
-                <adec:decorative xmlns:adec="http://schemas.microsoft.com/office/drawing/2017/decorative" val="1"/>
-              </a:ext>
-            </a:extLst>
-          </p:cNvPr>
-          <p:cNvSpPr>
-            <a:spLocks noGrp="1" noRot="1" noChangeAspect="1" noMove="1" noResize="1" noEditPoints="1" noAdjustHandles="1" noChangeArrowheads="1" noChangeShapeType="1" noTextEdit="1"/>
-          </p:cNvSpPr>
-          <p:nvPr>
-            <p:extLst>
-              <p:ext uri="{386F3935-93C4-4BCD-93E2-E3B085C9AB24}">
-                <p16:designElem xmlns:p16="http://schemas.microsoft.com/office/powerpoint/2015/main" val="1"/>
-              </p:ext>
-            </p:extLst>
-          </p:nvPr>
-        </p:nvSpPr>
-        <p:spPr>
-          <a:xfrm>
-            <a:off x="0" y="2"/>
-            <a:ext cx="12192000" cy="4412583"/>
-          </a:xfrm>
-          <a:prstGeom prst="rect">
-            <a:avLst/>
-          </a:prstGeom>
-          <a:solidFill>
-            <a:schemeClr val="accent4"/>
-          </a:solidFill>
-          <a:ln>
-            <a:noFill/>
-          </a:ln>
-        </p:spPr>
-        <p:style>
-          <a:lnRef idx="2">
-            <a:schemeClr val="accent1">
-              <a:shade val="50000"/>
-            </a:schemeClr>
-          </a:lnRef>
-          <a:fillRef idx="1">
-            <a:schemeClr val="accent1"/>
-          </a:fillRef>
-          <a:effectRef idx="0">
-            <a:schemeClr val="accent1"/>
-          </a:effectRef>
-          <a:fontRef idx="minor">
-            <a:schemeClr val="lt1"/>
-          </a:fontRef>
-        </p:style>
-        <p:txBody>
-          <a:bodyPr rtlCol="0" anchor="ctr"/>
-          <a:lstStyle/>
-          <a:p>
-            <a:pPr algn="ctr"/>
-            <a:endParaRPr lang="en-US" dirty="0"/>
-          </a:p>
-        </p:txBody>
-      </p:sp>
-      <p:sp>
-        <p:nvSpPr>
-          <p:cNvPr id="20" name="Rectangle 19">
-            <a:extLst>
-              <a:ext uri="{FF2B5EF4-FFF2-40B4-BE49-F238E27FC236}">
-                <a16:creationId xmlns:a16="http://schemas.microsoft.com/office/drawing/2014/main" id="{871AEA07-1E14-44B4-8E55-64EF049CD66F}"/>
-              </a:ext>
-              <a:ext uri="{C183D7F6-B498-43B3-948B-1728B52AA6E4}">
-                <adec:decorative xmlns:adec="http://schemas.microsoft.com/office/drawing/2017/decorative" val="1"/>
-              </a:ext>
-            </a:extLst>
-          </p:cNvPr>
-          <p:cNvSpPr>
-            <a:spLocks noGrp="1" noRot="1" noChangeAspect="1" noMove="1" noResize="1" noEditPoints="1" noAdjustHandles="1" noChangeArrowheads="1" noChangeShapeType="1" noTextEdit="1"/>
-          </p:cNvSpPr>
-          <p:nvPr>
-            <p:extLst>
-              <p:ext uri="{386F3935-93C4-4BCD-93E2-E3B085C9AB24}">
-                <p16:designElem xmlns:p16="http://schemas.microsoft.com/office/powerpoint/2015/main" val="1"/>
-              </p:ext>
-            </p:extLst>
-          </p:nvPr>
-        </p:nvSpPr>
-        <p:spPr>
-          <a:xfrm>
-            <a:off x="596464" y="551962"/>
-            <a:ext cx="10999072" cy="4618549"/>
-          </a:xfrm>
-          <a:prstGeom prst="rect">
-            <a:avLst/>
-          </a:prstGeom>
-          <a:solidFill>
-            <a:schemeClr val="bg1"/>
-          </a:solidFill>
-          <a:ln>
-            <a:noFill/>
-          </a:ln>
-          <a:effectLst>
-            <a:outerShdw blurRad="139700" dist="127000" dir="5400000" algn="t" rotWithShape="0">
-              <a:prstClr val="black">
-                <a:alpha val="15000"/>
-              </a:prstClr>
-            </a:outerShdw>
-          </a:effectLst>
-        </p:spPr>
-        <p:style>
-          <a:lnRef idx="2">
-            <a:schemeClr val="accent1">
-              <a:shade val="50000"/>
-            </a:schemeClr>
-          </a:lnRef>
-          <a:fillRef idx="1">
-            <a:schemeClr val="accent1"/>
-          </a:fillRef>
-          <a:effectRef idx="0">
-            <a:schemeClr val="accent1"/>
-          </a:effectRef>
-          <a:fontRef idx="minor">
-            <a:schemeClr val="lt1"/>
-          </a:fontRef>
-        </p:style>
-        <p:txBody>
-          <a:bodyPr rtlCol="0" anchor="ctr"/>
-          <a:lstStyle/>
-          <a:p>
-            <a:pPr algn="ctr"/>
-            <a:endParaRPr lang="en-US"/>
-          </a:p>
-        </p:txBody>
-      </p:sp>
-      <p:sp>
-        <p:nvSpPr>
-          <p:cNvPr id="2" name="Title 1">
-            <a:extLst>
-              <a:ext uri="{FF2B5EF4-FFF2-40B4-BE49-F238E27FC236}">
-                <a16:creationId xmlns:a16="http://schemas.microsoft.com/office/drawing/2014/main" id="{5651F6AF-00BC-E206-DFCA-992843448925}"/>
-              </a:ext>
-            </a:extLst>
-          </p:cNvPr>
-          <p:cNvSpPr>
-            <a:spLocks noGrp="1"/>
-          </p:cNvSpPr>
-          <p:nvPr>
-            <p:ph type="title"/>
-          </p:nvPr>
-        </p:nvSpPr>
-        <p:spPr>
-          <a:xfrm>
-            <a:off x="1524000" y="1293338"/>
-            <a:ext cx="9144000" cy="3274592"/>
-          </a:xfrm>
-        </p:spPr>
-        <p:txBody>
-          <a:bodyPr vert="horz" lIns="91440" tIns="45720" rIns="91440" bIns="45720" rtlCol="0" anchor="ctr">
-            <a:normAutofit/>
-          </a:bodyPr>
-          <a:lstStyle/>
-          <a:p>
-            <a:pPr algn="ctr"/>
-            <a:r>
-              <a:rPr lang="en-US" sz="2300" kern="1200">
-                <a:solidFill>
-                  <a:schemeClr val="tx1"/>
-                </a:solidFill>
-                <a:latin typeface="+mj-lt"/>
-                <a:ea typeface="+mj-ea"/>
-                <a:cs typeface="+mj-cs"/>
-              </a:rPr>
-              <a:t>These are unit tests for different methods of the Scalar Encoder class, including GetBucketIndex, GenerateRangeDescription, ClosenessScores, EncodeIntoArray, Decode, and _getTopDownMapping, which verify the functionality and accuracy of the methods for encoding and decoding scalar values, generating range descriptions, calculating closeness scores, and mapping input values to encoder buckets.</a:t>
-            </a:r>
-            <a:br>
-              <a:rPr lang="en-US" sz="2300" kern="1200">
-                <a:solidFill>
-                  <a:schemeClr val="tx1"/>
-                </a:solidFill>
-                <a:latin typeface="+mj-lt"/>
-                <a:ea typeface="+mj-ea"/>
-                <a:cs typeface="+mj-cs"/>
-              </a:rPr>
-            </a:br>
-            <a:endParaRPr lang="en-US" sz="2300" kern="1200">
-              <a:solidFill>
-                <a:schemeClr val="tx1"/>
-              </a:solidFill>
-              <a:latin typeface="+mj-lt"/>
-              <a:ea typeface="+mj-ea"/>
-              <a:cs typeface="+mj-cs"/>
-            </a:endParaRPr>
-          </a:p>
-        </p:txBody>
-      </p:sp>
-      <p:cxnSp>
-        <p:nvCxnSpPr>
-          <p:cNvPr id="22" name="Straight Connector 21">
-            <a:extLst>
-              <a:ext uri="{FF2B5EF4-FFF2-40B4-BE49-F238E27FC236}">
-                <a16:creationId xmlns:a16="http://schemas.microsoft.com/office/drawing/2014/main" id="{F7C8EA93-3210-4C62-99E9-153C275E3A87}"/>
-              </a:ext>
-              <a:ext uri="{C183D7F6-B498-43B3-948B-1728B52AA6E4}">
-                <adec:decorative xmlns:adec="http://schemas.microsoft.com/office/drawing/2017/decorative" val="1"/>
-              </a:ext>
-            </a:extLst>
-          </p:cNvPr>
-          <p:cNvCxnSpPr>
-            <a:cxnSpLocks noGrp="1" noRot="1" noChangeAspect="1" noMove="1" noResize="1" noEditPoints="1" noAdjustHandles="1" noChangeArrowheads="1" noChangeShapeType="1"/>
-          </p:cNvCxnSpPr>
-          <p:nvPr>
-            <p:extLst>
-              <p:ext uri="{386F3935-93C4-4BCD-93E2-E3B085C9AB24}">
-                <p16:designElem xmlns:p16="http://schemas.microsoft.com/office/powerpoint/2015/main" val="1"/>
-              </p:ext>
-            </p:extLst>
-          </p:nvPr>
-        </p:nvCxnSpPr>
-        <p:spPr>
-          <a:xfrm flipH="1">
-            <a:off x="596464" y="6354708"/>
-            <a:ext cx="11000232" cy="0"/>
-          </a:xfrm>
-          <a:prstGeom prst="line">
-            <a:avLst/>
-          </a:prstGeom>
-          <a:ln w="101600">
-            <a:solidFill>
-              <a:schemeClr val="accent4"/>
-            </a:solidFill>
-          </a:ln>
-        </p:spPr>
-        <p:style>
-          <a:lnRef idx="1">
-            <a:schemeClr val="accent1"/>
-          </a:lnRef>
-          <a:fillRef idx="0">
-            <a:schemeClr val="accent1"/>
-          </a:fillRef>
-          <a:effectRef idx="0">
-            <a:schemeClr val="accent1"/>
-          </a:effectRef>
-          <a:fontRef idx="minor">
-            <a:schemeClr val="tx1"/>
-          </a:fontRef>
-        </p:style>
-      </p:cxnSp>
-    </p:spTree>
-    <p:extLst>
-      <p:ext uri="{BB962C8B-B14F-4D97-AF65-F5344CB8AC3E}">
-        <p14:creationId xmlns:p14="http://schemas.microsoft.com/office/powerpoint/2010/main" val="1141621606"/>
-      </p:ext>
-    </p:extLst>
-  </p:cSld>
-  <p:clrMapOvr>
-    <a:masterClrMapping/>
-  </p:clrMapOvr>
-</p:sld>
-</file>
-
-<file path=ppt/slides/slide12.xml><?xml version="1.0" encoding="utf-8"?>
 <p:sld xmlns:a="http://schemas.openxmlformats.org/drawingml/2006/main" xmlns:r="http://schemas.openxmlformats.org/officeDocument/2006/relationships" xmlns:p="http://schemas.openxmlformats.org/presentationml/2006/main">
   <p:cSld>
     <p:bg>
@@ -11973,7 +12995,7 @@
         </p:nvSpPr>
         <p:spPr>
           <a:xfrm>
-            <a:off x="1067813" y="904009"/>
+            <a:off x="976373" y="483306"/>
             <a:ext cx="8895670" cy="914400"/>
           </a:xfrm>
         </p:spPr>
@@ -12011,8 +13033,8 @@
         </p:nvSpPr>
         <p:spPr>
           <a:xfrm>
-            <a:off x="1067813" y="1818409"/>
-            <a:ext cx="6094268" cy="4247317"/>
+            <a:off x="742358" y="1397706"/>
+            <a:ext cx="10563879" cy="4678204"/>
           </a:xfrm>
           <a:prstGeom prst="rect">
             <a:avLst/>
@@ -12030,24 +13052,38 @@
               <a:buChar char="•"/>
             </a:pPr>
             <a:r>
-              <a:rPr lang="en-IN" dirty="0">
+              <a:rPr lang="en-IN" sz="1400" dirty="0">
                 <a:latin typeface="Times New Roman" panose="02020603050405020304" pitchFamily="18" charset="0"/>
                 <a:cs typeface="Times New Roman" panose="02020603050405020304" pitchFamily="18" charset="0"/>
               </a:rPr>
               <a:t>From all the testcases carried out in the training phase</a:t>
             </a:r>
             <a:br>
-              <a:rPr lang="en-IN" dirty="0">
+              <a:rPr lang="en-IN" sz="1400" dirty="0">
                 <a:latin typeface="Times New Roman" panose="02020603050405020304" pitchFamily="18" charset="0"/>
                 <a:cs typeface="Times New Roman" panose="02020603050405020304" pitchFamily="18" charset="0"/>
               </a:rPr>
             </a:br>
             <a:r>
-              <a:rPr lang="en-US" dirty="0">
+              <a:rPr lang="en-US" sz="1400" b="1" dirty="0">
                 <a:latin typeface="Times New Roman" panose="02020603050405020304" pitchFamily="18" charset="0"/>
                 <a:cs typeface="Times New Roman" panose="02020603050405020304" pitchFamily="18" charset="0"/>
               </a:rPr>
-              <a:t>Increased Precision: The Scalar Encoder with Buckets maps input values to continuous ranges of buckets rather than individual buckets, providing for greater data encoding precision.</a:t>
+              <a:t>Increased Precision</a:t>
+            </a:r>
+            <a:r>
+              <a:rPr lang="en-US" sz="1400" dirty="0">
+                <a:latin typeface="Times New Roman" panose="02020603050405020304" pitchFamily="18" charset="0"/>
+                <a:cs typeface="Times New Roman" panose="02020603050405020304" pitchFamily="18" charset="0"/>
+              </a:rPr>
+              <a:t>: </a:t>
+            </a:r>
+            <a:r>
+              <a:rPr lang="en-US" sz="1400" b="0" i="0" dirty="0">
+                <a:effectLst/>
+                <a:latin typeface="Söhne"/>
+              </a:rPr>
+              <a:t>The method EncodeIntoArray in the Scalar Encoder with Buckets maps input values to continuous ranges of buckets instead of individual buckets, allowing for better precision in encoding data. The ClosenessScores method calculates the closeness score of an input value to each bucket range, indicating the level of activation for each bucket range. This provides a more precise encoding of input data compared to the Scalar Encoder, where the input values are mapped to individual buckets. </a:t>
             </a:r>
           </a:p>
           <a:p>
@@ -12055,12 +13091,29 @@
               <a:buFont typeface="Arial" panose="020B0604020202020204" pitchFamily="34" charset="0"/>
               <a:buChar char="•"/>
             </a:pPr>
+            <a:endParaRPr lang="en-US" sz="1400" dirty="0">
+              <a:latin typeface="Söhne"/>
+              <a:cs typeface="Times New Roman" panose="02020603050405020304" pitchFamily="18" charset="0"/>
+            </a:endParaRPr>
+          </a:p>
+          <a:p>
+            <a:pPr marL="285750" indent="-285750">
+              <a:buFont typeface="Arial" panose="020B0604020202020204" pitchFamily="34" charset="0"/>
+              <a:buChar char="•"/>
+            </a:pPr>
             <a:r>
-              <a:rPr lang="en-US" dirty="0">
+              <a:rPr lang="en-US" sz="1400" b="1" dirty="0">
                 <a:latin typeface="Times New Roman" panose="02020603050405020304" pitchFamily="18" charset="0"/>
                 <a:cs typeface="Times New Roman" panose="02020603050405020304" pitchFamily="18" charset="0"/>
               </a:rPr>
-              <a:t>Improved Flexibility: It automatically determines parameters like the number of buckets and bucket size based on the input data, making it more adaptable to varied datasets.</a:t>
+              <a:t>Improved Flexibility: </a:t>
+            </a:r>
+            <a:r>
+              <a:rPr lang="en-US" sz="1400" b="0" i="0" dirty="0">
+                <a:effectLst/>
+                <a:latin typeface="Söhne"/>
+              </a:rPr>
+              <a:t>The Scalar Encoder with Buckets automatically sets parameters such as the number of buckets and bucket size based on the input data, making it more flexible and easier to adapt to different datasets. The GenerateRangeDescription method generates a description of the bucket ranges used to encode the input data, which can help users understand the encoding scheme and adjust the parameters as needed. This increases the flexibility of the Scalar Encoder with Buckets and makes it easier to adapt to different datasets.</a:t>
             </a:r>
           </a:p>
           <a:p>
@@ -12068,7 +13121,7 @@
               <a:buFont typeface="Arial" panose="020B0604020202020204" pitchFamily="34" charset="0"/>
               <a:buChar char="•"/>
             </a:pPr>
-            <a:endParaRPr lang="en-US" dirty="0">
+            <a:endParaRPr lang="en-US" sz="1400" dirty="0">
               <a:latin typeface="Times New Roman" panose="02020603050405020304" pitchFamily="18" charset="0"/>
               <a:cs typeface="Times New Roman" panose="02020603050405020304" pitchFamily="18" charset="0"/>
             </a:endParaRPr>
@@ -12079,19 +13132,37 @@
               <a:buChar char="•"/>
             </a:pPr>
             <a:r>
-              <a:rPr lang="en-US" dirty="0">
-                <a:latin typeface="Times New Roman" panose="02020603050405020304" pitchFamily="18" charset="0"/>
-                <a:cs typeface="Times New Roman" panose="02020603050405020304" pitchFamily="18" charset="0"/>
+              <a:rPr lang="en-IN" sz="1400" b="1" i="0" dirty="0">
+                <a:effectLst/>
+                <a:latin typeface="Söhne"/>
               </a:rPr>
-              <a:t>Scalar Encoder with Buckets provides periodic encoding of values, which allows for better handling of cyclical data.</a:t>
+              <a:t>Periodic encoding:</a:t>
             </a:r>
+            <a:r>
+              <a:rPr lang="en-US" sz="1400" b="1" i="0" dirty="0">
+                <a:effectLst/>
+                <a:latin typeface="Söhne"/>
+              </a:rPr>
+              <a:t> </a:t>
+            </a:r>
+            <a:r>
+              <a:rPr lang="en-US" sz="1400" b="0" i="0" dirty="0">
+                <a:effectLst/>
+                <a:latin typeface="Söhne"/>
+              </a:rPr>
+              <a:t>The Scalar Encoder with Buckets supports periodic encoding of values, allowing for better handling of cyclical data. The GetTopDownMapping method generates a mapping of the bucket ranges to a hierarchy of levels, which can be useful for representing cyclical data such as time of day or day of the week. The GetBucketValues method returns the list of bucket values for a given bucket range, allowing users to encode cyclical data using a periodic encoding scheme.</a:t>
+            </a:r>
+            <a:endParaRPr lang="en-US" sz="1400" dirty="0">
+              <a:latin typeface="Times New Roman" panose="02020603050405020304" pitchFamily="18" charset="0"/>
+              <a:cs typeface="Times New Roman" panose="02020603050405020304" pitchFamily="18" charset="0"/>
+            </a:endParaRPr>
           </a:p>
           <a:p>
             <a:pPr marL="285750" indent="-285750">
               <a:buFont typeface="Arial" panose="020B0604020202020204" pitchFamily="34" charset="0"/>
               <a:buChar char="•"/>
             </a:pPr>
-            <a:endParaRPr lang="en-US" dirty="0">
+            <a:endParaRPr lang="en-US" sz="1400" dirty="0">
               <a:latin typeface="Times New Roman" panose="02020603050405020304" pitchFamily="18" charset="0"/>
               <a:cs typeface="Times New Roman" panose="02020603050405020304" pitchFamily="18" charset="0"/>
             </a:endParaRPr>
@@ -12102,11 +13173,25 @@
               <a:buChar char="•"/>
             </a:pPr>
             <a:r>
+              <a:rPr lang="en-US" sz="1400" b="1" dirty="0">
+                <a:latin typeface="Times New Roman" panose="02020603050405020304" pitchFamily="18" charset="0"/>
+                <a:cs typeface="Times New Roman" panose="02020603050405020304" pitchFamily="18" charset="0"/>
+              </a:rPr>
+              <a:t>Improved Encoding Scheme: </a:t>
+            </a:r>
+            <a:r>
+              <a:rPr lang="en-US" sz="1400" dirty="0">
+                <a:latin typeface="Times New Roman" panose="02020603050405020304" pitchFamily="18" charset="0"/>
+                <a:cs typeface="Times New Roman" panose="02020603050405020304" pitchFamily="18" charset="0"/>
+              </a:rPr>
+              <a:t>The Scalar Encoder with Buckets provides an improved encoding scheme compared to the Scalar Encoder by using continuous ranges of buckets instead of individual buckets. The GetBucketIndex method returns the index of the bucket range that an input value belongs to, allowing for a more efficient encoding of data. The decode method can be used to decode the encoded data back to the original input values, providing a lossless representation of the data. This improved encoding scheme can overcome the limited precision and inflexibility of the Scalar Encoder and provide better performance</a:t>
+            </a:r>
+            <a:r>
               <a:rPr lang="en-US" dirty="0">
                 <a:latin typeface="Times New Roman" panose="02020603050405020304" pitchFamily="18" charset="0"/>
                 <a:cs typeface="Times New Roman" panose="02020603050405020304" pitchFamily="18" charset="0"/>
               </a:rPr>
-              <a:t>Overall, the Scalar Encoder with Buckets encodes continuous data in a more flexible and accurate manner, making it a superior choice for many practical uses.</a:t>
+              <a:t>.</a:t>
             </a:r>
           </a:p>
         </p:txBody>
@@ -12124,7 +13209,7 @@
 </p:sld>
 </file>
 
-<file path=ppt/slides/slide13.xml><?xml version="1.0" encoding="utf-8"?>
+<file path=ppt/slides/slide12.xml><?xml version="1.0" encoding="utf-8"?>
 <p:sld xmlns:a="http://schemas.openxmlformats.org/drawingml/2006/main" xmlns:r="http://schemas.openxmlformats.org/officeDocument/2006/relationships" xmlns:p="http://schemas.openxmlformats.org/presentationml/2006/main">
   <p:cSld>
     <p:bg>
@@ -12466,14 +13551,11 @@
           <a:lstStyle/>
           <a:p>
             <a:r>
-              <a:rPr lang="en-US" b="0" i="0" dirty="0">
-                <a:solidFill>
-                  <a:srgbClr val="374151"/>
-                </a:solidFill>
-                <a:effectLst/>
-                <a:latin typeface="Söhne"/>
+              <a:rPr lang="en-US" dirty="0">
+                <a:latin typeface="Times New Roman" panose="02020603050405020304" pitchFamily="18" charset="0"/>
+                <a:cs typeface="Times New Roman" panose="02020603050405020304" pitchFamily="18" charset="0"/>
               </a:rPr>
-              <a:t>The Scalar Encoder with Buckets is an effective method for encoding continuous data into a sparse distributed representation suitable for use in HTM systems. It overcomes the limitations of the Scalar Encoder by utilizing testcases to transform continuous input values into a definite number of buckets, resulting in high precision while encoding data. Its successful implementation suggests its potential for application in a variety of domains, including anomaly detection, prediction, and classification. The test cases performed indicate that the Scalar Encoder with Buckets is functioning as expected and accurately encodes and decodes scalar values.</a:t>
+              <a:t>In conclusion, the Scalar Encoder with Buckets is an improved version of the Scalar Encoder that overcomes some of its limitations. By mapping input values to continuous ranges of buckets, the Scalar Encoder with Buckets provides better precision in encoding data compared to the Scalar Encoder. The automatic setting of parameters such as the number of buckets and bucket size based on the input data, as well as the generation of a bucket range description, increases the flexibility of the Scalar Encoder with Buckets and makes it easier to adapt to different datasets. Furthermore, by supporting periodic encoding of values, the Scalar Encoder with Buckets can handle cyclical data more effectively.</a:t>
             </a:r>
             <a:endParaRPr lang="en-IN" dirty="0">
               <a:latin typeface="Times New Roman" panose="02020603050405020304" pitchFamily="18" charset="0"/>
@@ -12495,7 +13577,7 @@
 </p:sld>
 </file>
 
-<file path=ppt/slides/slide14.xml><?xml version="1.0" encoding="utf-8"?>
+<file path=ppt/slides/slide13.xml><?xml version="1.0" encoding="utf-8"?>
 <p:sld xmlns:a="http://schemas.openxmlformats.org/drawingml/2006/main" xmlns:r="http://schemas.openxmlformats.org/officeDocument/2006/relationships" xmlns:p="http://schemas.openxmlformats.org/presentationml/2006/main">
   <p:cSld>
     <p:bg>
@@ -13665,7 +14747,7 @@
 </p:sld>
 </file>
 
-<file path=ppt/slides/slide15.xml><?xml version="1.0" encoding="utf-8"?>
+<file path=ppt/slides/slide14.xml><?xml version="1.0" encoding="utf-8"?>
 <p:sld xmlns:a="http://schemas.openxmlformats.org/drawingml/2006/main" xmlns:r="http://schemas.openxmlformats.org/officeDocument/2006/relationships" xmlns:p="http://schemas.openxmlformats.org/presentationml/2006/main">
   <p:cSld>
     <p:spTree>
@@ -14423,7 +15505,28 @@
                 <a:latin typeface="Times New Roman" panose="02020603050405020304" pitchFamily="18" charset="0"/>
                 <a:cs typeface="Times New Roman" panose="02020603050405020304" pitchFamily="18" charset="0"/>
               </a:rPr>
-              <a:t>The objective of the paper is to evaluate the limitations of Scalar Encoder and propose a solution by combining it with Buckets to improve its versatility and adaptability to varied datasets. The paper aims to address the challenge of converting continuous quantities into discrete values, which is often required in machine learning and data analysis. </a:t>
+              <a:t>The objective of the paper is to evaluate the limitations of Scalar Encoder and propose a solution by combining it with Buckets Without Buckets concept it is less versatile, Limited Precision and Lack of adaptability. </a:t>
+            </a:r>
+            <a:r>
+              <a:rPr lang="en-US" sz="2000" dirty="0">
+                <a:solidFill>
+                  <a:srgbClr val="374151"/>
+                </a:solidFill>
+                <a:latin typeface="Times New Roman" panose="02020603050405020304" pitchFamily="18" charset="0"/>
+                <a:cs typeface="Times New Roman" panose="02020603050405020304" pitchFamily="18" charset="0"/>
+              </a:rPr>
+              <a:t>T</a:t>
+            </a:r>
+            <a:r>
+              <a:rPr lang="en-US" sz="2000" b="0" i="0" dirty="0">
+                <a:solidFill>
+                  <a:srgbClr val="374151"/>
+                </a:solidFill>
+                <a:effectLst/>
+                <a:latin typeface="Times New Roman" panose="02020603050405020304" pitchFamily="18" charset="0"/>
+                <a:cs typeface="Times New Roman" panose="02020603050405020304" pitchFamily="18" charset="0"/>
+              </a:rPr>
+              <a:t>his paper evaluates the limitations of the Scalar Encoder and how they can be addressed by combining the Scalar Encoder with Buckets.</a:t>
             </a:r>
           </a:p>
           <a:p>
@@ -14712,7 +15815,7 @@
         </p:nvSpPr>
         <p:spPr>
           <a:xfrm>
-            <a:off x="7531610" y="2434201"/>
+            <a:off x="7906514" y="2630152"/>
             <a:ext cx="3822189" cy="3742762"/>
           </a:xfrm>
           <a:prstGeom prst="rect">
@@ -14736,7 +15839,7 @@
               <a:buChar char="•"/>
             </a:pPr>
             <a:r>
-              <a:rPr lang="en-US" sz="2000"/>
+              <a:rPr lang="en-US" sz="2000" dirty="0"/>
               <a:t>Introduction	</a:t>
             </a:r>
           </a:p>
@@ -14752,7 +15855,7 @@
               <a:buChar char="•"/>
             </a:pPr>
             <a:r>
-              <a:rPr lang="en-US" sz="2000"/>
+              <a:rPr lang="en-US" sz="2000" dirty="0"/>
               <a:t>Methodology</a:t>
             </a:r>
           </a:p>
@@ -14768,8 +15871,8 @@
               <a:buChar char="•"/>
             </a:pPr>
             <a:r>
-              <a:rPr lang="en-US" sz="2000"/>
-              <a:t>Implementation Buckets</a:t>
+              <a:rPr lang="en-US" sz="2000" dirty="0"/>
+              <a:t>Implementation of Buckets</a:t>
             </a:r>
           </a:p>
           <a:p>
@@ -14784,23 +15887,7 @@
               <a:buChar char="•"/>
             </a:pPr>
             <a:r>
-              <a:rPr lang="en-US" sz="2000"/>
-              <a:t>Testcases</a:t>
-            </a:r>
-          </a:p>
-          <a:p>
-            <a:pPr marL="571500" indent="-228600">
-              <a:lnSpc>
-                <a:spcPct val="90000"/>
-              </a:lnSpc>
-              <a:spcAft>
-                <a:spcPts val="600"/>
-              </a:spcAft>
-              <a:buFont typeface="Arial" panose="020B0604020202020204" pitchFamily="34" charset="0"/>
-              <a:buChar char="•"/>
-            </a:pPr>
-            <a:r>
-              <a:rPr lang="en-US" sz="2000"/>
+              <a:rPr lang="en-US" sz="2000" dirty="0"/>
               <a:t>Results</a:t>
             </a:r>
           </a:p>
@@ -14816,7 +15903,7 @@
               <a:buChar char="•"/>
             </a:pPr>
             <a:r>
-              <a:rPr lang="en-US" sz="2000"/>
+              <a:rPr lang="en-US" sz="2000" dirty="0"/>
               <a:t>Conclusion</a:t>
             </a:r>
           </a:p>
@@ -15209,7 +16296,7 @@
               <a:buFont typeface="Arial" panose="020B0604020202020204" pitchFamily="34" charset="0"/>
               <a:buChar char="•"/>
             </a:pPr>
-            <a:endParaRPr lang="en-US" sz="1400"/>
+            <a:endParaRPr lang="en-US" sz="1400" dirty="0"/>
           </a:p>
           <a:p>
             <a:pPr marL="285750" indent="-228600">
@@ -15223,7 +16310,10 @@
               <a:buChar char="•"/>
             </a:pPr>
             <a:r>
-              <a:rPr lang="en-US" sz="1400"/>
+              <a:rPr lang="en-US" sz="1400" dirty="0">
+                <a:latin typeface="Times New Roman" panose="02020603050405020304" pitchFamily="18" charset="0"/>
+                <a:cs typeface="Times New Roman" panose="02020603050405020304" pitchFamily="18" charset="0"/>
+              </a:rPr>
               <a:t>Scalar encoder with buckets is a method of transforming continuous data into discrete values that can be utilized for analysis, modeling, and machine learning. It entails segmenting continuous values into intervals or "buckets" and assigning them to the appropriate buckets. </a:t>
             </a:r>
           </a:p>
@@ -15238,7 +16328,10 @@
               <a:buFont typeface="Arial" panose="020B0604020202020204" pitchFamily="34" charset="0"/>
               <a:buChar char="•"/>
             </a:pPr>
-            <a:endParaRPr lang="en-US" sz="1400"/>
+            <a:endParaRPr lang="en-US" sz="1400" dirty="0">
+              <a:latin typeface="Times New Roman" panose="02020603050405020304" pitchFamily="18" charset="0"/>
+              <a:cs typeface="Times New Roman" panose="02020603050405020304" pitchFamily="18" charset="0"/>
+            </a:endParaRPr>
           </a:p>
           <a:p>
             <a:pPr marL="285750" indent="-228600">
@@ -15252,12 +16345,17 @@
               <a:buChar char="•"/>
             </a:pPr>
             <a:r>
-              <a:rPr lang="en-US" sz="1400" b="0" i="0">
+              <a:rPr lang="en-US" sz="1400" b="0" i="0" dirty="0">
                 <a:effectLst/>
+                <a:latin typeface="Times New Roman" panose="02020603050405020304" pitchFamily="18" charset="0"/>
+                <a:cs typeface="Times New Roman" panose="02020603050405020304" pitchFamily="18" charset="0"/>
               </a:rPr>
               <a:t>Scientists study the cortex to understand sequence learning, and models based on neural readings are used to recognize sequences. However, these models may not work in real-world situations. Hierarchical Temporal Memory (HTM) is a biomimetic model based on the neocortex's features, which has shown promise in pattern recognition and learning the sequences and flow of sensory inputs.</a:t>
             </a:r>
-            <a:endParaRPr lang="en-US" sz="1400"/>
+            <a:endParaRPr lang="en-US" sz="1400" dirty="0">
+              <a:latin typeface="Times New Roman" panose="02020603050405020304" pitchFamily="18" charset="0"/>
+              <a:cs typeface="Times New Roman" panose="02020603050405020304" pitchFamily="18" charset="0"/>
+            </a:endParaRPr>
           </a:p>
         </p:txBody>
       </p:sp>
@@ -15407,7 +16505,7 @@
           <p:nvPr/>
         </p:nvPicPr>
         <p:blipFill rotWithShape="1">
-          <a:blip r:embed="rId2"/>
+          <a:blip r:embed="rId3"/>
           <a:srcRect r="25212" b="3"/>
           <a:stretch/>
         </p:blipFill>
@@ -15814,7 +16912,7 @@
           <p:nvPr/>
         </p:nvPicPr>
         <p:blipFill>
-          <a:blip r:embed="rId2"/>
+          <a:blip r:embed="rId3"/>
           <a:stretch>
             <a:fillRect/>
           </a:stretch>
@@ -16079,7 +17177,7 @@
           <p:nvPr/>
         </p:nvPicPr>
         <p:blipFill>
-          <a:blip r:embed="rId2"/>
+          <a:blip r:embed="rId3"/>
           <a:stretch>
             <a:fillRect/>
           </a:stretch>
@@ -16179,7 +17277,7 @@
         </p:xfrm>
         <a:graphic>
           <a:graphicData uri="http://schemas.openxmlformats.org/drawingml/2006/diagram">
-            <dgm:relIds xmlns:dgm="http://schemas.openxmlformats.org/drawingml/2006/diagram" xmlns:r="http://schemas.openxmlformats.org/officeDocument/2006/relationships" r:dm="rId3" r:lo="rId4" r:qs="rId5" r:cs="rId6"/>
+            <dgm:relIds xmlns:dgm="http://schemas.openxmlformats.org/drawingml/2006/diagram" xmlns:r="http://schemas.openxmlformats.org/officeDocument/2006/relationships" r:dm="rId4" r:lo="rId5" r:qs="rId6" r:cs="rId7"/>
           </a:graphicData>
         </a:graphic>
       </p:graphicFrame>
@@ -17792,7 +18890,7 @@
           <p:nvPr/>
         </p:nvPicPr>
         <p:blipFill>
-          <a:blip r:embed="rId2">
+          <a:blip r:embed="rId3">
             <a:extLst>
               <a:ext uri="{28A0092B-C50C-407E-A947-70E740481C1C}">
                 <a14:useLocalDpi xmlns:a14="http://schemas.microsoft.com/office/drawing/2010/main" val="0"/>
@@ -17924,7 +19022,7 @@
         </p:xfrm>
         <a:graphic>
           <a:graphicData uri="http://schemas.openxmlformats.org/drawingml/2006/diagram">
-            <dgm:relIds xmlns:dgm="http://schemas.openxmlformats.org/drawingml/2006/diagram" xmlns:r="http://schemas.openxmlformats.org/officeDocument/2006/relationships" r:dm="rId3" r:lo="rId4" r:qs="rId5" r:cs="rId6"/>
+            <dgm:relIds xmlns:dgm="http://schemas.openxmlformats.org/drawingml/2006/diagram" xmlns:r="http://schemas.openxmlformats.org/officeDocument/2006/relationships" r:dm="rId4" r:lo="rId5" r:qs="rId6" r:cs="rId7"/>
           </a:graphicData>
         </a:graphic>
       </p:graphicFrame>
@@ -18435,7 +19533,7 @@
           <p:nvPr/>
         </p:nvPicPr>
         <p:blipFill rotWithShape="1">
-          <a:blip r:embed="rId2">
+          <a:blip r:embed="rId3">
             <a:extLst>
               <a:ext uri="{28A0092B-C50C-407E-A947-70E740481C1C}">
                 <a14:useLocalDpi xmlns:a14="http://schemas.microsoft.com/office/drawing/2010/main" val="0"/>
@@ -18489,7 +19587,7 @@
         </p:xfrm>
         <a:graphic>
           <a:graphicData uri="http://schemas.openxmlformats.org/drawingml/2006/diagram">
-            <dgm:relIds xmlns:dgm="http://schemas.openxmlformats.org/drawingml/2006/diagram" xmlns:r="http://schemas.openxmlformats.org/officeDocument/2006/relationships" r:dm="rId3" r:lo="rId4" r:qs="rId5" r:cs="rId6"/>
+            <dgm:relIds xmlns:dgm="http://schemas.openxmlformats.org/drawingml/2006/diagram" xmlns:r="http://schemas.openxmlformats.org/officeDocument/2006/relationships" r:dm="rId4" r:lo="rId5" r:qs="rId6" r:cs="rId7"/>
           </a:graphicData>
         </a:graphic>
       </p:graphicFrame>
@@ -18884,7 +19982,7 @@
           </a:bodyPr>
           <a:lstStyle/>
           <a:p>
-            <a:pPr marL="285750" indent="-228600">
+            <a:pPr marL="342900" indent="-285750">
               <a:lnSpc>
                 <a:spcPct val="90000"/>
               </a:lnSpc>
@@ -18895,29 +19993,14 @@
               <a:buChar char="•"/>
             </a:pPr>
             <a:r>
-              <a:rPr lang="en-US" sz="1700" b="0" i="0">
+              <a:rPr lang="en-US" sz="1700" b="0" i="0" dirty="0">
                 <a:effectLst/>
               </a:rPr>
-              <a:t>Understand the components of your data to design an effective encoder.</a:t>
+              <a:t>Understand the components of data to design an effective encoder.</a:t>
             </a:r>
           </a:p>
           <a:p>
-            <a:pPr indent="-228600">
-              <a:lnSpc>
-                <a:spcPct val="90000"/>
-              </a:lnSpc>
-              <a:spcAft>
-                <a:spcPts val="600"/>
-              </a:spcAft>
-              <a:buFont typeface="Arial" panose="020B0604020202020204" pitchFamily="34" charset="0"/>
-              <a:buChar char="•"/>
-            </a:pPr>
-            <a:endParaRPr lang="en-US" sz="1700" b="0" i="0">
-              <a:effectLst/>
-            </a:endParaRPr>
-          </a:p>
-          <a:p>
-            <a:pPr marL="285750" indent="-228600">
+            <a:pPr marL="342900" indent="-285750">
               <a:lnSpc>
                 <a:spcPct val="90000"/>
               </a:lnSpc>
@@ -18928,10 +20011,86 @@
               <a:buChar char="•"/>
             </a:pPr>
             <a:r>
-              <a:rPr lang="en-US" sz="1700" b="0" i="0">
+              <a:rPr lang="en-US" sz="1700" b="0" i="0" dirty="0">
                 <a:effectLst/>
               </a:rPr>
               <a:t>Divide the value range into buckets and map them to active cells to build the encoder implementation.</a:t>
+            </a:r>
+          </a:p>
+          <a:p>
+            <a:pPr marL="342900" indent="-285750">
+              <a:lnSpc>
+                <a:spcPct val="90000"/>
+              </a:lnSpc>
+              <a:spcAft>
+                <a:spcPts val="600"/>
+              </a:spcAft>
+              <a:buFont typeface="Arial" panose="020B0604020202020204" pitchFamily="34" charset="0"/>
+              <a:buChar char="•"/>
+            </a:pPr>
+            <a:r>
+              <a:rPr lang="en-US" sz="1700" b="0" i="0" dirty="0">
+                <a:effectLst/>
+              </a:rPr>
+              <a:t>A scalar encoder is a device that converts a numeric (floating point) value to a bit array. The output is entirely 0's with the exception of a continuous block of 1's whose placement changes in real time as the input value changes.</a:t>
+            </a:r>
+            <a:endParaRPr lang="en-US" sz="1700" dirty="0"/>
+          </a:p>
+          <a:p>
+            <a:pPr marL="342900" indent="-285750">
+              <a:lnSpc>
+                <a:spcPct val="90000"/>
+              </a:lnSpc>
+              <a:spcAft>
+                <a:spcPts val="600"/>
+              </a:spcAft>
+              <a:buFont typeface="Arial" panose="020B0604020202020204" pitchFamily="34" charset="0"/>
+              <a:buChar char="•"/>
+            </a:pPr>
+            <a:r>
+              <a:rPr lang="en-US" sz="1600" b="0" i="0" dirty="0">
+                <a:effectLst/>
+                <a:latin typeface="Söhne"/>
+              </a:rPr>
+              <a:t>The encoder was developed with the aim of mapping continuous scalar data onto a defined range of integers to encode them into sparse distributed representations (SDRs).</a:t>
+            </a:r>
+          </a:p>
+          <a:p>
+            <a:pPr marL="342900" indent="-285750">
+              <a:lnSpc>
+                <a:spcPct val="90000"/>
+              </a:lnSpc>
+              <a:spcAft>
+                <a:spcPts val="600"/>
+              </a:spcAft>
+              <a:buFont typeface="Arial" panose="020B0604020202020204" pitchFamily="34" charset="0"/>
+              <a:buChar char="•"/>
+            </a:pPr>
+            <a:r>
+              <a:rPr lang="en-US" sz="1600" b="0" i="0" dirty="0">
+                <a:effectLst/>
+                <a:latin typeface="Söhne"/>
+              </a:rPr>
+              <a:t>The encoder calculates the SDR's bit count and bucket width by first calculating a scaling factor and a resolution.</a:t>
+            </a:r>
+          </a:p>
+          <a:p>
+            <a:pPr marL="342900" indent="-285750">
+              <a:lnSpc>
+                <a:spcPct val="90000"/>
+              </a:lnSpc>
+              <a:spcAft>
+                <a:spcPts val="600"/>
+              </a:spcAft>
+              <a:buFont typeface="Arial" panose="020B0604020202020204" pitchFamily="34" charset="0"/>
+              <a:buChar char="•"/>
+            </a:pPr>
+            <a:r>
+              <a:rPr lang="en-US" sz="1600" b="0" i="0" dirty="0">
+                <a:effectLst/>
+                <a:latin typeface="Söhne"/>
+              </a:rPr>
+              <a:t>The scalar encoder with buckets uses a clustering technique to classify similar values into buckets of the same size, making it more effective than a scalar encoder with a set bucket width when dealing with uneven data distributions.</a:t>
             </a:r>
           </a:p>
           <a:p>
@@ -18945,69 +20104,9 @@
               <a:buFont typeface="Arial" panose="020B0604020202020204" pitchFamily="34" charset="0"/>
               <a:buChar char="•"/>
             </a:pPr>
-            <a:endParaRPr lang="en-US" sz="1700"/>
-          </a:p>
-          <a:p>
-            <a:pPr marL="285750" indent="-228600">
-              <a:lnSpc>
-                <a:spcPct val="90000"/>
-              </a:lnSpc>
-              <a:spcAft>
-                <a:spcPts val="600"/>
-              </a:spcAft>
-              <a:buFont typeface="Arial" panose="020B0604020202020204" pitchFamily="34" charset="0"/>
-              <a:buChar char="•"/>
-            </a:pPr>
-            <a:r>
-              <a:rPr lang="en-US" sz="1700" b="0" i="0">
-                <a:effectLst/>
-              </a:rPr>
-              <a:t>A scalar encoder is a device that converts a numeric (floating point) value to a bit array. The output is entirely 0's with the exception of a continuous block of 1's whose placement changes in real time as the input value changes.</a:t>
-            </a:r>
-          </a:p>
-          <a:p>
-            <a:pPr marL="285750" indent="-228600">
-              <a:lnSpc>
-                <a:spcPct val="90000"/>
-              </a:lnSpc>
-              <a:spcAft>
-                <a:spcPts val="600"/>
-              </a:spcAft>
-              <a:buFont typeface="Arial" panose="020B0604020202020204" pitchFamily="34" charset="0"/>
-              <a:buChar char="•"/>
-            </a:pPr>
-            <a:endParaRPr lang="en-US" sz="1700"/>
-          </a:p>
-          <a:p>
-            <a:pPr marL="285750" indent="-228600">
-              <a:lnSpc>
-                <a:spcPct val="90000"/>
-              </a:lnSpc>
-              <a:spcAft>
-                <a:spcPts val="600"/>
-              </a:spcAft>
-              <a:buFont typeface="Arial" panose="020B0604020202020204" pitchFamily="34" charset="0"/>
-              <a:buChar char="•"/>
-            </a:pPr>
-            <a:r>
-              <a:rPr lang="en-US" sz="1700" b="0" i="0">
-                <a:effectLst/>
-              </a:rPr>
-              <a:t>Linear encoding is employed, although nonlinear encoding is possible by modifying the scalar before encoding (e.g., with a logarithm function).Binding the data as a pre-processing step is not recommended because it loses information and prevents neighboring values in the result from overlapping. A </a:t>
-            </a:r>
-          </a:p>
-          <a:p>
-            <a:pPr indent="-228600">
-              <a:lnSpc>
-                <a:spcPct val="90000"/>
-              </a:lnSpc>
-              <a:spcAft>
-                <a:spcPts val="600"/>
-              </a:spcAft>
-              <a:buFont typeface="Arial" panose="020B0604020202020204" pitchFamily="34" charset="0"/>
-              <a:buChar char="•"/>
-            </a:pPr>
-            <a:endParaRPr lang="en-US" sz="1700"/>
+            <a:endParaRPr lang="en-US" sz="1700" b="0" i="0" dirty="0">
+              <a:effectLst/>
+            </a:endParaRPr>
           </a:p>
         </p:txBody>
       </p:sp>
@@ -19317,4 +20416,299 @@
     </a:ext>
   </a:extLst>
 </a:theme>
+</file>
+
+<file path=ppt/theme/theme2.xml><?xml version="1.0" encoding="utf-8"?>
+<a:theme xmlns:a="http://schemas.openxmlformats.org/drawingml/2006/main" name="Office Theme">
+  <a:themeElements>
+    <a:clrScheme name="Office">
+      <a:dk1>
+        <a:sysClr val="windowText" lastClr="000000"/>
+      </a:dk1>
+      <a:lt1>
+        <a:sysClr val="window" lastClr="FFFFFF"/>
+      </a:lt1>
+      <a:dk2>
+        <a:srgbClr val="44546A"/>
+      </a:dk2>
+      <a:lt2>
+        <a:srgbClr val="E7E6E6"/>
+      </a:lt2>
+      <a:accent1>
+        <a:srgbClr val="4472C4"/>
+      </a:accent1>
+      <a:accent2>
+        <a:srgbClr val="ED7D31"/>
+      </a:accent2>
+      <a:accent3>
+        <a:srgbClr val="A5A5A5"/>
+      </a:accent3>
+      <a:accent4>
+        <a:srgbClr val="FFC000"/>
+      </a:accent4>
+      <a:accent5>
+        <a:srgbClr val="5B9BD5"/>
+      </a:accent5>
+      <a:accent6>
+        <a:srgbClr val="70AD47"/>
+      </a:accent6>
+      <a:hlink>
+        <a:srgbClr val="0563C1"/>
+      </a:hlink>
+      <a:folHlink>
+        <a:srgbClr val="954F72"/>
+      </a:folHlink>
+    </a:clrScheme>
+    <a:fontScheme name="Office">
+      <a:majorFont>
+        <a:latin typeface="Calibri Light" panose="020F0302020204030204"/>
+        <a:ea typeface=""/>
+        <a:cs typeface=""/>
+        <a:font script="Jpan" typeface="游ゴシック Light"/>
+        <a:font script="Hang" typeface="맑은 고딕"/>
+        <a:font script="Hans" typeface="等线 Light"/>
+        <a:font script="Hant" typeface="新細明體"/>
+        <a:font script="Arab" typeface="Times New Roman"/>
+        <a:font script="Hebr" typeface="Times New Roman"/>
+        <a:font script="Thai" typeface="Angsana New"/>
+        <a:font script="Ethi" typeface="Nyala"/>
+        <a:font script="Beng" typeface="Vrinda"/>
+        <a:font script="Gujr" typeface="Shruti"/>
+        <a:font script="Khmr" typeface="MoolBoran"/>
+        <a:font script="Knda" typeface="Tunga"/>
+        <a:font script="Guru" typeface="Raavi"/>
+        <a:font script="Cans" typeface="Euphemia"/>
+        <a:font script="Cher" typeface="Plantagenet Cherokee"/>
+        <a:font script="Yiii" typeface="Microsoft Yi Baiti"/>
+        <a:font script="Tibt" typeface="Microsoft Himalaya"/>
+        <a:font script="Thaa" typeface="MV Boli"/>
+        <a:font script="Deva" typeface="Mangal"/>
+        <a:font script="Telu" typeface="Gautami"/>
+        <a:font script="Taml" typeface="Latha"/>
+        <a:font script="Syrc" typeface="Estrangelo Edessa"/>
+        <a:font script="Orya" typeface="Kalinga"/>
+        <a:font script="Mlym" typeface="Kartika"/>
+        <a:font script="Laoo" typeface="DokChampa"/>
+        <a:font script="Sinh" typeface="Iskoola Pota"/>
+        <a:font script="Mong" typeface="Mongolian Baiti"/>
+        <a:font script="Viet" typeface="Times New Roman"/>
+        <a:font script="Uigh" typeface="Microsoft Uighur"/>
+        <a:font script="Geor" typeface="Sylfaen"/>
+        <a:font script="Armn" typeface="Arial"/>
+        <a:font script="Bugi" typeface="Leelawadee UI"/>
+        <a:font script="Bopo" typeface="Microsoft JhengHei"/>
+        <a:font script="Java" typeface="Javanese Text"/>
+        <a:font script="Lisu" typeface="Segoe UI"/>
+        <a:font script="Mymr" typeface="Myanmar Text"/>
+        <a:font script="Nkoo" typeface="Ebrima"/>
+        <a:font script="Olck" typeface="Nirmala UI"/>
+        <a:font script="Osma" typeface="Ebrima"/>
+        <a:font script="Phag" typeface="Phagspa"/>
+        <a:font script="Syrn" typeface="Estrangelo Edessa"/>
+        <a:font script="Syrj" typeface="Estrangelo Edessa"/>
+        <a:font script="Syre" typeface="Estrangelo Edessa"/>
+        <a:font script="Sora" typeface="Nirmala UI"/>
+        <a:font script="Tale" typeface="Microsoft Tai Le"/>
+        <a:font script="Talu" typeface="Microsoft New Tai Lue"/>
+        <a:font script="Tfng" typeface="Ebrima"/>
+      </a:majorFont>
+      <a:minorFont>
+        <a:latin typeface="Calibri" panose="020F0502020204030204"/>
+        <a:ea typeface=""/>
+        <a:cs typeface=""/>
+        <a:font script="Jpan" typeface="游ゴシック"/>
+        <a:font script="Hang" typeface="맑은 고딕"/>
+        <a:font script="Hans" typeface="等线"/>
+        <a:font script="Hant" typeface="新細明體"/>
+        <a:font script="Arab" typeface="Arial"/>
+        <a:font script="Hebr" typeface="Arial"/>
+        <a:font script="Thai" typeface="Cordia New"/>
+        <a:font script="Ethi" typeface="Nyala"/>
+        <a:font script="Beng" typeface="Vrinda"/>
+        <a:font script="Gujr" typeface="Shruti"/>
+        <a:font script="Khmr" typeface="DaunPenh"/>
+        <a:font script="Knda" typeface="Tunga"/>
+        <a:font script="Guru" typeface="Raavi"/>
+        <a:font script="Cans" typeface="Euphemia"/>
+        <a:font script="Cher" typeface="Plantagenet Cherokee"/>
+        <a:font script="Yiii" typeface="Microsoft Yi Baiti"/>
+        <a:font script="Tibt" typeface="Microsoft Himalaya"/>
+        <a:font script="Thaa" typeface="MV Boli"/>
+        <a:font script="Deva" typeface="Mangal"/>
+        <a:font script="Telu" typeface="Gautami"/>
+        <a:font script="Taml" typeface="Latha"/>
+        <a:font script="Syrc" typeface="Estrangelo Edessa"/>
+        <a:font script="Orya" typeface="Kalinga"/>
+        <a:font script="Mlym" typeface="Kartika"/>
+        <a:font script="Laoo" typeface="DokChampa"/>
+        <a:font script="Sinh" typeface="Iskoola Pota"/>
+        <a:font script="Mong" typeface="Mongolian Baiti"/>
+        <a:font script="Viet" typeface="Arial"/>
+        <a:font script="Uigh" typeface="Microsoft Uighur"/>
+        <a:font script="Geor" typeface="Sylfaen"/>
+        <a:font script="Armn" typeface="Arial"/>
+        <a:font script="Bugi" typeface="Leelawadee UI"/>
+        <a:font script="Bopo" typeface="Microsoft JhengHei"/>
+        <a:font script="Java" typeface="Javanese Text"/>
+        <a:font script="Lisu" typeface="Segoe UI"/>
+        <a:font script="Mymr" typeface="Myanmar Text"/>
+        <a:font script="Nkoo" typeface="Ebrima"/>
+        <a:font script="Olck" typeface="Nirmala UI"/>
+        <a:font script="Osma" typeface="Ebrima"/>
+        <a:font script="Phag" typeface="Phagspa"/>
+        <a:font script="Syrn" typeface="Estrangelo Edessa"/>
+        <a:font script="Syrj" typeface="Estrangelo Edessa"/>
+        <a:font script="Syre" typeface="Estrangelo Edessa"/>
+        <a:font script="Sora" typeface="Nirmala UI"/>
+        <a:font script="Tale" typeface="Microsoft Tai Le"/>
+        <a:font script="Talu" typeface="Microsoft New Tai Lue"/>
+        <a:font script="Tfng" typeface="Ebrima"/>
+      </a:minorFont>
+    </a:fontScheme>
+    <a:fmtScheme name="Office">
+      <a:fillStyleLst>
+        <a:solidFill>
+          <a:schemeClr val="phClr"/>
+        </a:solidFill>
+        <a:gradFill rotWithShape="1">
+          <a:gsLst>
+            <a:gs pos="0">
+              <a:schemeClr val="phClr">
+                <a:lumMod val="110000"/>
+                <a:satMod val="105000"/>
+                <a:tint val="67000"/>
+              </a:schemeClr>
+            </a:gs>
+            <a:gs pos="50000">
+              <a:schemeClr val="phClr">
+                <a:lumMod val="105000"/>
+                <a:satMod val="103000"/>
+                <a:tint val="73000"/>
+              </a:schemeClr>
+            </a:gs>
+            <a:gs pos="100000">
+              <a:schemeClr val="phClr">
+                <a:lumMod val="105000"/>
+                <a:satMod val="109000"/>
+                <a:tint val="81000"/>
+              </a:schemeClr>
+            </a:gs>
+          </a:gsLst>
+          <a:lin ang="5400000" scaled="0"/>
+        </a:gradFill>
+        <a:gradFill rotWithShape="1">
+          <a:gsLst>
+            <a:gs pos="0">
+              <a:schemeClr val="phClr">
+                <a:satMod val="103000"/>
+                <a:lumMod val="102000"/>
+                <a:tint val="94000"/>
+              </a:schemeClr>
+            </a:gs>
+            <a:gs pos="50000">
+              <a:schemeClr val="phClr">
+                <a:satMod val="110000"/>
+                <a:lumMod val="100000"/>
+                <a:shade val="100000"/>
+              </a:schemeClr>
+            </a:gs>
+            <a:gs pos="100000">
+              <a:schemeClr val="phClr">
+                <a:lumMod val="99000"/>
+                <a:satMod val="120000"/>
+                <a:shade val="78000"/>
+              </a:schemeClr>
+            </a:gs>
+          </a:gsLst>
+          <a:lin ang="5400000" scaled="0"/>
+        </a:gradFill>
+      </a:fillStyleLst>
+      <a:lnStyleLst>
+        <a:ln w="6350" cap="flat" cmpd="sng" algn="ctr">
+          <a:solidFill>
+            <a:schemeClr val="phClr"/>
+          </a:solidFill>
+          <a:prstDash val="solid"/>
+          <a:miter lim="800000"/>
+        </a:ln>
+        <a:ln w="12700" cap="flat" cmpd="sng" algn="ctr">
+          <a:solidFill>
+            <a:schemeClr val="phClr"/>
+          </a:solidFill>
+          <a:prstDash val="solid"/>
+          <a:miter lim="800000"/>
+        </a:ln>
+        <a:ln w="19050" cap="flat" cmpd="sng" algn="ctr">
+          <a:solidFill>
+            <a:schemeClr val="phClr"/>
+          </a:solidFill>
+          <a:prstDash val="solid"/>
+          <a:miter lim="800000"/>
+        </a:ln>
+      </a:lnStyleLst>
+      <a:effectStyleLst>
+        <a:effectStyle>
+          <a:effectLst/>
+        </a:effectStyle>
+        <a:effectStyle>
+          <a:effectLst/>
+        </a:effectStyle>
+        <a:effectStyle>
+          <a:effectLst>
+            <a:outerShdw blurRad="57150" dist="19050" dir="5400000" algn="ctr" rotWithShape="0">
+              <a:srgbClr val="000000">
+                <a:alpha val="63000"/>
+              </a:srgbClr>
+            </a:outerShdw>
+          </a:effectLst>
+        </a:effectStyle>
+      </a:effectStyleLst>
+      <a:bgFillStyleLst>
+        <a:solidFill>
+          <a:schemeClr val="phClr"/>
+        </a:solidFill>
+        <a:solidFill>
+          <a:schemeClr val="phClr">
+            <a:tint val="95000"/>
+            <a:satMod val="170000"/>
+          </a:schemeClr>
+        </a:solidFill>
+        <a:gradFill rotWithShape="1">
+          <a:gsLst>
+            <a:gs pos="0">
+              <a:schemeClr val="phClr">
+                <a:tint val="93000"/>
+                <a:satMod val="150000"/>
+                <a:shade val="98000"/>
+                <a:lumMod val="102000"/>
+              </a:schemeClr>
+            </a:gs>
+            <a:gs pos="50000">
+              <a:schemeClr val="phClr">
+                <a:tint val="98000"/>
+                <a:satMod val="130000"/>
+                <a:shade val="90000"/>
+                <a:lumMod val="103000"/>
+              </a:schemeClr>
+            </a:gs>
+            <a:gs pos="100000">
+              <a:schemeClr val="phClr">
+                <a:shade val="63000"/>
+                <a:satMod val="120000"/>
+              </a:schemeClr>
+            </a:gs>
+          </a:gsLst>
+          <a:lin ang="5400000" scaled="0"/>
+        </a:gradFill>
+      </a:bgFillStyleLst>
+    </a:fmtScheme>
+  </a:themeElements>
+  <a:objectDefaults/>
+  <a:extraClrSchemeLst/>
+  <a:extLst>
+    <a:ext uri="{05A4C25C-085E-4340-85A3-A5531E510DB2}">
+      <thm15:themeFamily xmlns:thm15="http://schemas.microsoft.com/office/thememl/2012/main" name="Office Theme" id="{62F939B6-93AF-4DB8-9C6B-D6C7DFDC589F}" vid="{4A3C46E8-61CC-4603-A589-7422A47A8E4A}"/>
+    </a:ext>
+  </a:extLst>
+</a:theme>
 </file>
--- a/source/NeoCortexApi/Documents/Group Presentation[ScalarEncoder with Buckets].pptx
+++ b/source/NeoCortexApi/Documents/Group Presentation[ScalarEncoder with Buckets].pptx
@@ -12995,7 +12995,7 @@
         </p:nvSpPr>
         <p:spPr>
           <a:xfrm>
-            <a:off x="976373" y="483306"/>
+            <a:off x="921509" y="807997"/>
             <a:ext cx="8895670" cy="914400"/>
           </a:xfrm>
         </p:spPr>
@@ -13033,8 +13033,8 @@
         </p:nvSpPr>
         <p:spPr>
           <a:xfrm>
-            <a:off x="742358" y="1397706"/>
-            <a:ext cx="10563879" cy="4678204"/>
+            <a:off x="742358" y="1907118"/>
+            <a:ext cx="10563879" cy="3539430"/>
           </a:xfrm>
           <a:prstGeom prst="rect">
             <a:avLst/>
@@ -13047,10 +13047,6 @@
           </a:bodyPr>
           <a:lstStyle/>
           <a:p>
-            <a:pPr marL="285750" indent="-285750">
-              <a:buFont typeface="Arial" panose="020B0604020202020204" pitchFamily="34" charset="0"/>
-              <a:buChar char="•"/>
-            </a:pPr>
             <a:r>
               <a:rPr lang="en-IN" sz="1400" dirty="0">
                 <a:latin typeface="Times New Roman" panose="02020603050405020304" pitchFamily="18" charset="0"/>
@@ -13058,12 +13054,18 @@
               </a:rPr>
               <a:t>From all the testcases carried out in the training phase</a:t>
             </a:r>
-            <a:br>
-              <a:rPr lang="en-IN" sz="1400" dirty="0">
-                <a:latin typeface="Times New Roman" panose="02020603050405020304" pitchFamily="18" charset="0"/>
-                <a:cs typeface="Times New Roman" panose="02020603050405020304" pitchFamily="18" charset="0"/>
-              </a:rPr>
-            </a:br>
+          </a:p>
+          <a:p>
+            <a:endParaRPr lang="en-IN" sz="1400" dirty="0">
+              <a:latin typeface="Times New Roman" panose="02020603050405020304" pitchFamily="18" charset="0"/>
+              <a:cs typeface="Times New Roman" panose="02020603050405020304" pitchFamily="18" charset="0"/>
+            </a:endParaRPr>
+          </a:p>
+          <a:p>
+            <a:pPr marL="285750" indent="-285750">
+              <a:buFont typeface="Arial" panose="020B0604020202020204" pitchFamily="34" charset="0"/>
+              <a:buChar char="•"/>
+            </a:pPr>
             <a:r>
               <a:rPr lang="en-US" sz="1400" b="1" dirty="0">
                 <a:latin typeface="Times New Roman" panose="02020603050405020304" pitchFamily="18" charset="0"/>
@@ -13081,10 +13083,15 @@
             <a:r>
               <a:rPr lang="en-US" sz="1400" b="0" i="0" dirty="0">
                 <a:effectLst/>
-                <a:latin typeface="Söhne"/>
+                <a:latin typeface="Times New Roman" panose="02020603050405020304" pitchFamily="18" charset="0"/>
+                <a:cs typeface="Times New Roman" panose="02020603050405020304" pitchFamily="18" charset="0"/>
               </a:rPr>
-              <a:t>The method EncodeIntoArray in the Scalar Encoder with Buckets maps input values to continuous ranges of buckets instead of individual buckets, allowing for better precision in encoding data. The ClosenessScores method calculates the closeness score of an input value to each bucket range, indicating the level of activation for each bucket range. This provides a more precise encoding of input data compared to the Scalar Encoder, where the input values are mapped to individual buckets. </a:t>
+              <a:t>The implementation includes the EncodeIntoArray method that maps input values to continuous ranges of buckets and the ClosenessScores method that calculates the closeness score, resulting in a more precise encoding of input data compared to the Scalar Encoder.</a:t>
             </a:r>
+            <a:endParaRPr lang="en-US" sz="1400" dirty="0">
+              <a:latin typeface="Times New Roman" panose="02020603050405020304" pitchFamily="18" charset="0"/>
+              <a:cs typeface="Times New Roman" panose="02020603050405020304" pitchFamily="18" charset="0"/>
+            </a:endParaRPr>
           </a:p>
           <a:p>
             <a:pPr marL="285750" indent="-285750">
@@ -13092,7 +13099,7 @@
               <a:buChar char="•"/>
             </a:pPr>
             <a:endParaRPr lang="en-US" sz="1400" dirty="0">
-              <a:latin typeface="Söhne"/>
+              <a:latin typeface="Times New Roman" panose="02020603050405020304" pitchFamily="18" charset="0"/>
               <a:cs typeface="Times New Roman" panose="02020603050405020304" pitchFamily="18" charset="0"/>
             </a:endParaRPr>
           </a:p>
@@ -13111,10 +13118,25 @@
             <a:r>
               <a:rPr lang="en-US" sz="1400" b="0" i="0" dirty="0">
                 <a:effectLst/>
-                <a:latin typeface="Söhne"/>
+                <a:latin typeface="Times New Roman" panose="02020603050405020304" pitchFamily="18" charset="0"/>
+                <a:cs typeface="Times New Roman" panose="02020603050405020304" pitchFamily="18" charset="0"/>
               </a:rPr>
-              <a:t>The Scalar Encoder with Buckets automatically sets parameters such as the number of buckets and bucket size based on the input data, making it more flexible and easier to adapt to different datasets. The GenerateRangeDescription method generates a description of the bucket ranges used to encode the input data, which can help users understand the encoding scheme and adjust the parameters as needed. This increases the flexibility of the Scalar Encoder with Buckets and makes it easier to adapt to different datasets.</a:t>
+              <a:t>The Scalar Encoder with Buckets adapts to input data by automatically setting parameters and generates a description of bucket ranges, making it more flexible and user-friendly for different datasets.</a:t>
             </a:r>
+            <a:endParaRPr lang="en-US" sz="1400" b="1" dirty="0">
+              <a:latin typeface="Times New Roman" panose="02020603050405020304" pitchFamily="18" charset="0"/>
+              <a:cs typeface="Times New Roman" panose="02020603050405020304" pitchFamily="18" charset="0"/>
+            </a:endParaRPr>
+          </a:p>
+          <a:p>
+            <a:pPr marL="285750" indent="-285750">
+              <a:buFont typeface="Arial" panose="020B0604020202020204" pitchFamily="34" charset="0"/>
+              <a:buChar char="•"/>
+            </a:pPr>
+            <a:endParaRPr lang="en-US" sz="1400" b="1" dirty="0">
+              <a:latin typeface="Times New Roman" panose="02020603050405020304" pitchFamily="18" charset="0"/>
+              <a:cs typeface="Times New Roman" panose="02020603050405020304" pitchFamily="18" charset="0"/>
+            </a:endParaRPr>
           </a:p>
           <a:p>
             <a:pPr marL="285750" indent="-285750">
@@ -13134,24 +13156,37 @@
             <a:r>
               <a:rPr lang="en-IN" sz="1400" b="1" i="0" dirty="0">
                 <a:effectLst/>
-                <a:latin typeface="Söhne"/>
+                <a:latin typeface="Times New Roman" panose="02020603050405020304" pitchFamily="18" charset="0"/>
+                <a:cs typeface="Times New Roman" panose="02020603050405020304" pitchFamily="18" charset="0"/>
               </a:rPr>
               <a:t>Periodic encoding:</a:t>
             </a:r>
             <a:r>
               <a:rPr lang="en-US" sz="1400" b="1" i="0" dirty="0">
                 <a:effectLst/>
-                <a:latin typeface="Söhne"/>
+                <a:latin typeface="Times New Roman" panose="02020603050405020304" pitchFamily="18" charset="0"/>
+                <a:cs typeface="Times New Roman" panose="02020603050405020304" pitchFamily="18" charset="0"/>
               </a:rPr>
               <a:t> </a:t>
             </a:r>
             <a:r>
               <a:rPr lang="en-US" sz="1400" b="0" i="0" dirty="0">
                 <a:effectLst/>
-                <a:latin typeface="Söhne"/>
+                <a:latin typeface="Times New Roman" panose="02020603050405020304" pitchFamily="18" charset="0"/>
+                <a:cs typeface="Times New Roman" panose="02020603050405020304" pitchFamily="18" charset="0"/>
               </a:rPr>
-              <a:t>The Scalar Encoder with Buckets supports periodic encoding of values, allowing for better handling of cyclical data. The GetTopDownMapping method generates a mapping of the bucket ranges to a hierarchy of levels, which can be useful for representing cyclical data such as time of day or day of the week. The GetBucketValues method returns the list of bucket values for a given bucket range, allowing users to encode cyclical data using a periodic encoding scheme.</a:t>
+              <a:t>The implementation section includes the Scalar Encoder with Buckets, which supports periodic encoding of values, generating mappings and returning bucket values for encoding cyclical data..</a:t>
             </a:r>
+            <a:endParaRPr lang="en-US" sz="1400" dirty="0">
+              <a:latin typeface="Times New Roman" panose="02020603050405020304" pitchFamily="18" charset="0"/>
+              <a:cs typeface="Times New Roman" panose="02020603050405020304" pitchFamily="18" charset="0"/>
+            </a:endParaRPr>
+          </a:p>
+          <a:p>
+            <a:pPr marL="285750" indent="-285750">
+              <a:buFont typeface="Arial" panose="020B0604020202020204" pitchFamily="34" charset="0"/>
+              <a:buChar char="•"/>
+            </a:pPr>
             <a:endParaRPr lang="en-US" sz="1400" dirty="0">
               <a:latin typeface="Times New Roman" panose="02020603050405020304" pitchFamily="18" charset="0"/>
               <a:cs typeface="Times New Roman" panose="02020603050405020304" pitchFamily="18" charset="0"/>
@@ -13180,19 +13215,17 @@
               <a:t>Improved Encoding Scheme: </a:t>
             </a:r>
             <a:r>
-              <a:rPr lang="en-US" sz="1400" dirty="0">
+              <a:rPr lang="en-US" sz="1400" b="0" i="0" dirty="0">
+                <a:effectLst/>
                 <a:latin typeface="Times New Roman" panose="02020603050405020304" pitchFamily="18" charset="0"/>
                 <a:cs typeface="Times New Roman" panose="02020603050405020304" pitchFamily="18" charset="0"/>
               </a:rPr>
-              <a:t>The Scalar Encoder with Buckets provides an improved encoding scheme compared to the Scalar Encoder by using continuous ranges of buckets instead of individual buckets. The GetBucketIndex method returns the index of the bucket range that an input value belongs to, allowing for a more efficient encoding of data. The decode method can be used to decode the encoded data back to the original input values, providing a lossless representation of the data. This improved encoding scheme can overcome the limited precision and inflexibility of the Scalar Encoder and provide better performance</a:t>
+              <a:t>The Scalar Encoder with Buckets is an enhanced encoding scheme that utilizes continuous ranges of buckets, providing improved efficiency and performance compared to the limited precision and inflexibility of the Scalar Encoder.</a:t>
             </a:r>
-            <a:r>
-              <a:rPr lang="en-US" dirty="0">
-                <a:latin typeface="Times New Roman" panose="02020603050405020304" pitchFamily="18" charset="0"/>
-                <a:cs typeface="Times New Roman" panose="02020603050405020304" pitchFamily="18" charset="0"/>
-              </a:rPr>
-              <a:t>.</a:t>
-            </a:r>
+            <a:endParaRPr lang="en-US" sz="1400" dirty="0">
+              <a:latin typeface="Times New Roman" panose="02020603050405020304" pitchFamily="18" charset="0"/>
+              <a:cs typeface="Times New Roman" panose="02020603050405020304" pitchFamily="18" charset="0"/>
+            </a:endParaRPr>
           </a:p>
         </p:txBody>
       </p:sp>
@@ -16836,7 +16869,7 @@
                 <a:ea typeface="+mn-ea"/>
                 <a:cs typeface="Times New Roman" panose="02020603050405020304" pitchFamily="18" charset="0"/>
               </a:rPr>
-              <a:t>A system that transforms environmental noises into a sparse group of active neurons is the cochlea. In HTM's language, Sparse Distributed Representations (SDRs) are employed, with a fixed number of active bits that carry semantic significance.</a:t>
+              <a:t>A system that transforms environmental noises into a sparse group of active neurons is the cochlea. In HTM's language, Sparse Distributed Representations (SDRs) are employed, with a fixed number of active bits that carry semantic significance. </a:t>
             </a:r>
           </a:p>
           <a:p>
